--- a/_Numerical_Methods/program 9/program 9.pptx
+++ b/_Numerical_Methods/program 9/program 9.pptx
@@ -5,7 +5,7 @@
     <p:sldMasterId id="2147484005" r:id="rId1"/>
   </p:sldMasterIdLst>
   <p:notesMasterIdLst>
-    <p:notesMasterId r:id="rId20"/>
+    <p:notesMasterId r:id="rId27"/>
   </p:notesMasterIdLst>
   <p:sldIdLst>
     <p:sldId id="259" r:id="rId2"/>
@@ -17,15 +17,22 @@
     <p:sldId id="358" r:id="rId8"/>
     <p:sldId id="353" r:id="rId9"/>
     <p:sldId id="359" r:id="rId10"/>
-    <p:sldId id="354" r:id="rId11"/>
-    <p:sldId id="355" r:id="rId12"/>
-    <p:sldId id="356" r:id="rId13"/>
-    <p:sldId id="357" r:id="rId14"/>
-    <p:sldId id="360" r:id="rId15"/>
-    <p:sldId id="361" r:id="rId16"/>
-    <p:sldId id="362" r:id="rId17"/>
-    <p:sldId id="363" r:id="rId18"/>
-    <p:sldId id="364" r:id="rId19"/>
+    <p:sldId id="365" r:id="rId11"/>
+    <p:sldId id="366" r:id="rId12"/>
+    <p:sldId id="367" r:id="rId13"/>
+    <p:sldId id="368" r:id="rId14"/>
+    <p:sldId id="369" r:id="rId15"/>
+    <p:sldId id="370" r:id="rId16"/>
+    <p:sldId id="371" r:id="rId17"/>
+    <p:sldId id="354" r:id="rId18"/>
+    <p:sldId id="355" r:id="rId19"/>
+    <p:sldId id="356" r:id="rId20"/>
+    <p:sldId id="357" r:id="rId21"/>
+    <p:sldId id="360" r:id="rId22"/>
+    <p:sldId id="361" r:id="rId23"/>
+    <p:sldId id="362" r:id="rId24"/>
+    <p:sldId id="363" r:id="rId25"/>
+    <p:sldId id="364" r:id="rId26"/>
   </p:sldIdLst>
   <p:sldSz cx="12192000" cy="6858000"/>
   <p:notesSz cx="6858000" cy="9144000"/>
@@ -225,7 +232,7 @@
           <a:p>
             <a:fld id="{F347707A-55F4-3D4E-B0C4-ACB831BA7CCF}" type="datetimeFigureOut">
               <a:rPr lang="en-US" smtClean="0"/>
-              <a:t>11/3/2021</a:t>
+              <a:t>11/11/2021</a:t>
             </a:fld>
             <a:endParaRPr lang="en-US"/>
           </a:p>
@@ -2297,6 +2304,6025 @@
           <p:cNvPr id="3" name="Прямоугольник 2">
             <a:extLst>
               <a:ext uri="{FF2B5EF4-FFF2-40B4-BE49-F238E27FC236}">
+                <a16:creationId xmlns:a16="http://schemas.microsoft.com/office/drawing/2014/main" id="{635CBD0D-4297-436E-A95E-8C29AFE633BA}"/>
+              </a:ext>
+            </a:extLst>
+          </p:cNvPr>
+          <p:cNvSpPr/>
+          <p:nvPr/>
+        </p:nvSpPr>
+        <p:spPr>
+          <a:xfrm>
+            <a:off x="1429304" y="124287"/>
+            <a:ext cx="1447060" cy="790113"/>
+          </a:xfrm>
+          <a:prstGeom prst="rect">
+            <a:avLst/>
+          </a:prstGeom>
+          <a:solidFill>
+            <a:srgbClr val="001847"/>
+          </a:solidFill>
+          <a:ln>
+            <a:noFill/>
+          </a:ln>
+        </p:spPr>
+        <p:style>
+          <a:lnRef idx="2">
+            <a:schemeClr val="accent1">
+              <a:shade val="50000"/>
+            </a:schemeClr>
+          </a:lnRef>
+          <a:fillRef idx="1">
+            <a:schemeClr val="accent1"/>
+          </a:fillRef>
+          <a:effectRef idx="0">
+            <a:schemeClr val="accent1"/>
+          </a:effectRef>
+          <a:fontRef idx="minor">
+            <a:schemeClr val="lt1"/>
+          </a:fontRef>
+        </p:style>
+        <p:txBody>
+          <a:bodyPr rtlCol="0" anchor="ctr"/>
+          <a:lstStyle/>
+          <a:p>
+            <a:pPr algn="ctr"/>
+            <a:endParaRPr lang="ru-RU"/>
+          </a:p>
+        </p:txBody>
+      </p:sp>
+      <p:sp>
+        <p:nvSpPr>
+          <p:cNvPr id="4" name="Title 9">
+            <a:extLst>
+              <a:ext uri="{FF2B5EF4-FFF2-40B4-BE49-F238E27FC236}">
+                <a16:creationId xmlns:a16="http://schemas.microsoft.com/office/drawing/2014/main" id="{DDB8EC9A-1414-4BA5-A4F6-65911DAC4BE5}"/>
+              </a:ext>
+            </a:extLst>
+          </p:cNvPr>
+          <p:cNvSpPr txBox="1">
+            <a:spLocks/>
+          </p:cNvSpPr>
+          <p:nvPr/>
+        </p:nvSpPr>
+        <p:spPr>
+          <a:xfrm>
+            <a:off x="659537" y="262492"/>
+            <a:ext cx="4229100" cy="1621619"/>
+          </a:xfrm>
+          <a:prstGeom prst="rect">
+            <a:avLst/>
+          </a:prstGeom>
+          <a:effectLst/>
+        </p:spPr>
+        <p:txBody>
+          <a:bodyPr vert="horz" lIns="0" tIns="192024" rIns="0" bIns="0" rtlCol="0" anchor="t" anchorCtr="0">
+            <a:noAutofit/>
+          </a:bodyPr>
+          <a:lstStyle>
+            <a:lvl1pPr algn="l" defTabSz="914318" rtl="0" eaLnBrk="1" latinLnBrk="0" hangingPunct="1">
+              <a:lnSpc>
+                <a:spcPct val="75000"/>
+              </a:lnSpc>
+              <a:spcBef>
+                <a:spcPct val="0"/>
+              </a:spcBef>
+              <a:buNone/>
+              <a:defRPr sz="4400" kern="1200" spc="-151" baseline="0">
+                <a:solidFill>
+                  <a:schemeClr val="tx1"/>
+                </a:solidFill>
+                <a:latin typeface="+mj-lt"/>
+                <a:ea typeface="+mj-ea"/>
+                <a:cs typeface="+mj-cs"/>
+              </a:defRPr>
+            </a:lvl1pPr>
+          </a:lstStyle>
+          <a:p>
+            <a:r>
+              <a:rPr lang="ru-RU" dirty="0"/>
+              <a:t>Разные параметры</a:t>
+            </a:r>
+            <a:br>
+              <a:rPr lang="en-US" dirty="0"/>
+            </a:br>
+            <a:r>
+              <a:rPr lang="ru-RU" sz="2300" dirty="0"/>
+              <a:t>Параметры системы</a:t>
+            </a:r>
+          </a:p>
+        </p:txBody>
+      </p:sp>
+      <p:grpSp>
+        <p:nvGrpSpPr>
+          <p:cNvPr id="20" name="Group 36">
+            <a:extLst>
+              <a:ext uri="{FF2B5EF4-FFF2-40B4-BE49-F238E27FC236}">
+                <a16:creationId xmlns:a16="http://schemas.microsoft.com/office/drawing/2014/main" id="{99EC3789-D9C2-4D4A-B290-F3CC98C6C9DC}"/>
+              </a:ext>
+            </a:extLst>
+          </p:cNvPr>
+          <p:cNvGrpSpPr/>
+          <p:nvPr/>
+        </p:nvGrpSpPr>
+        <p:grpSpPr>
+          <a:xfrm rot="16200000">
+            <a:off x="10531574" y="2809900"/>
+            <a:ext cx="326522" cy="2966937"/>
+            <a:chOff x="6475260" y="3892789"/>
+            <a:chExt cx="326522" cy="2966937"/>
+          </a:xfrm>
+        </p:grpSpPr>
+        <p:sp>
+          <p:nvSpPr>
+            <p:cNvPr id="21" name="Freeform 21">
+              <a:extLst>
+                <a:ext uri="{FF2B5EF4-FFF2-40B4-BE49-F238E27FC236}">
+                  <a16:creationId xmlns:a16="http://schemas.microsoft.com/office/drawing/2014/main" id="{DE637C61-2886-4C63-BFD3-908AD7645DA3}"/>
+                </a:ext>
+              </a:extLst>
+            </p:cNvPr>
+            <p:cNvSpPr>
+              <a:spLocks/>
+            </p:cNvSpPr>
+            <p:nvPr/>
+          </p:nvSpPr>
+          <p:spPr bwMode="auto">
+            <a:xfrm>
+              <a:off x="6475260" y="3892789"/>
+              <a:ext cx="326522" cy="2248626"/>
+            </a:xfrm>
+            <a:custGeom>
+              <a:avLst/>
+              <a:gdLst>
+                <a:gd name="T0" fmla="*/ 291 w 291"/>
+                <a:gd name="T1" fmla="*/ 0 h 2004"/>
+                <a:gd name="T2" fmla="*/ 291 w 291"/>
+                <a:gd name="T3" fmla="*/ 2004 h 2004"/>
+                <a:gd name="T4" fmla="*/ 0 w 291"/>
+                <a:gd name="T5" fmla="*/ 2004 h 2004"/>
+                <a:gd name="T6" fmla="*/ 0 w 291"/>
+                <a:gd name="T7" fmla="*/ 291 h 2004"/>
+                <a:gd name="T8" fmla="*/ 291 w 291"/>
+                <a:gd name="T9" fmla="*/ 0 h 2004"/>
+              </a:gdLst>
+              <a:ahLst/>
+              <a:cxnLst>
+                <a:cxn ang="0">
+                  <a:pos x="T0" y="T1"/>
+                </a:cxn>
+                <a:cxn ang="0">
+                  <a:pos x="T2" y="T3"/>
+                </a:cxn>
+                <a:cxn ang="0">
+                  <a:pos x="T4" y="T5"/>
+                </a:cxn>
+                <a:cxn ang="0">
+                  <a:pos x="T6" y="T7"/>
+                </a:cxn>
+                <a:cxn ang="0">
+                  <a:pos x="T8" y="T9"/>
+                </a:cxn>
+              </a:cxnLst>
+              <a:rect l="0" t="0" r="r" b="b"/>
+              <a:pathLst>
+                <a:path w="291" h="2004">
+                  <a:moveTo>
+                    <a:pt x="291" y="0"/>
+                  </a:moveTo>
+                  <a:lnTo>
+                    <a:pt x="291" y="2004"/>
+                  </a:lnTo>
+                  <a:lnTo>
+                    <a:pt x="0" y="2004"/>
+                  </a:lnTo>
+                  <a:lnTo>
+                    <a:pt x="0" y="291"/>
+                  </a:lnTo>
+                  <a:lnTo>
+                    <a:pt x="291" y="0"/>
+                  </a:lnTo>
+                  <a:close/>
+                </a:path>
+              </a:pathLst>
+            </a:custGeom>
+            <a:solidFill>
+              <a:schemeClr val="accent3">
+                <a:lumMod val="75000"/>
+              </a:schemeClr>
+            </a:solidFill>
+            <a:ln>
+              <a:noFill/>
+            </a:ln>
+          </p:spPr>
+          <p:txBody>
+            <a:bodyPr vert="horz" wrap="square" lIns="91440" tIns="45720" rIns="91440" bIns="45720" numCol="1" anchor="t" anchorCtr="0" compatLnSpc="1">
+              <a:prstTxWarp prst="textNoShape">
+                <a:avLst/>
+              </a:prstTxWarp>
+            </a:bodyPr>
+            <a:lstStyle/>
+            <a:p>
+              <a:endParaRPr lang="en-US" dirty="0">
+                <a:latin typeface="Source Sans Pro" charset="0"/>
+              </a:endParaRPr>
+            </a:p>
+          </p:txBody>
+        </p:sp>
+        <p:sp>
+          <p:nvSpPr>
+            <p:cNvPr id="22" name="Freeform 21">
+              <a:extLst>
+                <a:ext uri="{FF2B5EF4-FFF2-40B4-BE49-F238E27FC236}">
+                  <a16:creationId xmlns:a16="http://schemas.microsoft.com/office/drawing/2014/main" id="{DCA9B42A-2BE3-4F35-9503-328D124406EE}"/>
+                </a:ext>
+              </a:extLst>
+            </p:cNvPr>
+            <p:cNvSpPr>
+              <a:spLocks/>
+            </p:cNvSpPr>
+            <p:nvPr/>
+          </p:nvSpPr>
+          <p:spPr bwMode="auto">
+            <a:xfrm>
+              <a:off x="6475260" y="4611100"/>
+              <a:ext cx="326522" cy="2248626"/>
+            </a:xfrm>
+            <a:custGeom>
+              <a:avLst/>
+              <a:gdLst>
+                <a:gd name="T0" fmla="*/ 291 w 291"/>
+                <a:gd name="T1" fmla="*/ 0 h 2004"/>
+                <a:gd name="T2" fmla="*/ 291 w 291"/>
+                <a:gd name="T3" fmla="*/ 2004 h 2004"/>
+                <a:gd name="T4" fmla="*/ 0 w 291"/>
+                <a:gd name="T5" fmla="*/ 2004 h 2004"/>
+                <a:gd name="T6" fmla="*/ 0 w 291"/>
+                <a:gd name="T7" fmla="*/ 291 h 2004"/>
+                <a:gd name="T8" fmla="*/ 291 w 291"/>
+                <a:gd name="T9" fmla="*/ 0 h 2004"/>
+              </a:gdLst>
+              <a:ahLst/>
+              <a:cxnLst>
+                <a:cxn ang="0">
+                  <a:pos x="T0" y="T1"/>
+                </a:cxn>
+                <a:cxn ang="0">
+                  <a:pos x="T2" y="T3"/>
+                </a:cxn>
+                <a:cxn ang="0">
+                  <a:pos x="T4" y="T5"/>
+                </a:cxn>
+                <a:cxn ang="0">
+                  <a:pos x="T6" y="T7"/>
+                </a:cxn>
+                <a:cxn ang="0">
+                  <a:pos x="T8" y="T9"/>
+                </a:cxn>
+              </a:cxnLst>
+              <a:rect l="0" t="0" r="r" b="b"/>
+              <a:pathLst>
+                <a:path w="291" h="2004">
+                  <a:moveTo>
+                    <a:pt x="291" y="0"/>
+                  </a:moveTo>
+                  <a:lnTo>
+                    <a:pt x="291" y="2004"/>
+                  </a:lnTo>
+                  <a:lnTo>
+                    <a:pt x="0" y="2004"/>
+                  </a:lnTo>
+                  <a:lnTo>
+                    <a:pt x="0" y="291"/>
+                  </a:lnTo>
+                  <a:lnTo>
+                    <a:pt x="291" y="0"/>
+                  </a:lnTo>
+                  <a:close/>
+                </a:path>
+              </a:pathLst>
+            </a:custGeom>
+            <a:solidFill>
+              <a:schemeClr val="accent3">
+                <a:lumMod val="75000"/>
+              </a:schemeClr>
+            </a:solidFill>
+            <a:ln>
+              <a:noFill/>
+            </a:ln>
+          </p:spPr>
+          <p:txBody>
+            <a:bodyPr vert="horz" wrap="square" lIns="91440" tIns="45720" rIns="91440" bIns="45720" numCol="1" anchor="t" anchorCtr="0" compatLnSpc="1">
+              <a:prstTxWarp prst="textNoShape">
+                <a:avLst/>
+              </a:prstTxWarp>
+            </a:bodyPr>
+            <a:lstStyle/>
+            <a:p>
+              <a:endParaRPr lang="en-US" dirty="0">
+                <a:latin typeface="Source Sans Pro" charset="0"/>
+              </a:endParaRPr>
+            </a:p>
+          </p:txBody>
+        </p:sp>
+      </p:grpSp>
+      <p:grpSp>
+        <p:nvGrpSpPr>
+          <p:cNvPr id="23" name="Group 35">
+            <a:extLst>
+              <a:ext uri="{FF2B5EF4-FFF2-40B4-BE49-F238E27FC236}">
+                <a16:creationId xmlns:a16="http://schemas.microsoft.com/office/drawing/2014/main" id="{FCB8527C-2B53-4171-B878-66E158ED5C34}"/>
+              </a:ext>
+            </a:extLst>
+          </p:cNvPr>
+          <p:cNvGrpSpPr/>
+          <p:nvPr/>
+        </p:nvGrpSpPr>
+        <p:grpSpPr>
+          <a:xfrm rot="16200000">
+            <a:off x="8841307" y="3611671"/>
+            <a:ext cx="1049135" cy="642946"/>
+            <a:chOff x="6475260" y="3725824"/>
+            <a:chExt cx="1049135" cy="642946"/>
+          </a:xfrm>
+        </p:grpSpPr>
+        <p:sp>
+          <p:nvSpPr>
+            <p:cNvPr id="24" name="Freeform 23">
+              <a:extLst>
+                <a:ext uri="{FF2B5EF4-FFF2-40B4-BE49-F238E27FC236}">
+                  <a16:creationId xmlns:a16="http://schemas.microsoft.com/office/drawing/2014/main" id="{EC71EBA3-DB79-4F33-869D-76C39B6F8B6A}"/>
+                </a:ext>
+              </a:extLst>
+            </p:cNvPr>
+            <p:cNvSpPr>
+              <a:spLocks/>
+            </p:cNvSpPr>
+            <p:nvPr/>
+          </p:nvSpPr>
+          <p:spPr bwMode="auto">
+            <a:xfrm>
+              <a:off x="6475260" y="3892789"/>
+              <a:ext cx="732711" cy="326522"/>
+            </a:xfrm>
+            <a:custGeom>
+              <a:avLst/>
+              <a:gdLst>
+                <a:gd name="T0" fmla="*/ 653 w 653"/>
+                <a:gd name="T1" fmla="*/ 291 h 291"/>
+                <a:gd name="T2" fmla="*/ 0 w 653"/>
+                <a:gd name="T3" fmla="*/ 291 h 291"/>
+                <a:gd name="T4" fmla="*/ 291 w 653"/>
+                <a:gd name="T5" fmla="*/ 0 h 291"/>
+                <a:gd name="T6" fmla="*/ 653 w 653"/>
+                <a:gd name="T7" fmla="*/ 0 h 291"/>
+                <a:gd name="T8" fmla="*/ 653 w 653"/>
+                <a:gd name="T9" fmla="*/ 291 h 291"/>
+              </a:gdLst>
+              <a:ahLst/>
+              <a:cxnLst>
+                <a:cxn ang="0">
+                  <a:pos x="T0" y="T1"/>
+                </a:cxn>
+                <a:cxn ang="0">
+                  <a:pos x="T2" y="T3"/>
+                </a:cxn>
+                <a:cxn ang="0">
+                  <a:pos x="T4" y="T5"/>
+                </a:cxn>
+                <a:cxn ang="0">
+                  <a:pos x="T6" y="T7"/>
+                </a:cxn>
+                <a:cxn ang="0">
+                  <a:pos x="T8" y="T9"/>
+                </a:cxn>
+              </a:cxnLst>
+              <a:rect l="0" t="0" r="r" b="b"/>
+              <a:pathLst>
+                <a:path w="653" h="291">
+                  <a:moveTo>
+                    <a:pt x="653" y="291"/>
+                  </a:moveTo>
+                  <a:lnTo>
+                    <a:pt x="0" y="291"/>
+                  </a:lnTo>
+                  <a:lnTo>
+                    <a:pt x="291" y="0"/>
+                  </a:lnTo>
+                  <a:lnTo>
+                    <a:pt x="653" y="0"/>
+                  </a:lnTo>
+                  <a:lnTo>
+                    <a:pt x="653" y="291"/>
+                  </a:lnTo>
+                  <a:close/>
+                </a:path>
+              </a:pathLst>
+            </a:custGeom>
+            <a:solidFill>
+              <a:schemeClr val="accent3"/>
+            </a:solidFill>
+            <a:ln>
+              <a:noFill/>
+            </a:ln>
+          </p:spPr>
+          <p:txBody>
+            <a:bodyPr vert="horz" wrap="square" lIns="91440" tIns="45720" rIns="91440" bIns="45720" numCol="1" anchor="t" anchorCtr="0" compatLnSpc="1">
+              <a:prstTxWarp prst="textNoShape">
+                <a:avLst/>
+              </a:prstTxWarp>
+            </a:bodyPr>
+            <a:lstStyle/>
+            <a:p>
+              <a:endParaRPr lang="en-US" dirty="0">
+                <a:latin typeface="Source Sans Pro" charset="0"/>
+              </a:endParaRPr>
+            </a:p>
+          </p:txBody>
+        </p:sp>
+        <p:sp>
+          <p:nvSpPr>
+            <p:cNvPr id="25" name="Freeform 25">
+              <a:extLst>
+                <a:ext uri="{FF2B5EF4-FFF2-40B4-BE49-F238E27FC236}">
+                  <a16:creationId xmlns:a16="http://schemas.microsoft.com/office/drawing/2014/main" id="{89DA3F09-D894-4AFE-9AAF-750CDF716B3C}"/>
+                </a:ext>
+              </a:extLst>
+            </p:cNvPr>
+            <p:cNvSpPr>
+              <a:spLocks/>
+            </p:cNvSpPr>
+            <p:nvPr/>
+          </p:nvSpPr>
+          <p:spPr bwMode="auto">
+            <a:xfrm>
+              <a:off x="7172065" y="3725824"/>
+              <a:ext cx="352330" cy="642946"/>
+            </a:xfrm>
+            <a:custGeom>
+              <a:avLst/>
+              <a:gdLst>
+                <a:gd name="T0" fmla="*/ 314 w 314"/>
+                <a:gd name="T1" fmla="*/ 286 h 573"/>
+                <a:gd name="T2" fmla="*/ 0 w 314"/>
+                <a:gd name="T3" fmla="*/ 0 h 573"/>
+                <a:gd name="T4" fmla="*/ 0 w 314"/>
+                <a:gd name="T5" fmla="*/ 286 h 573"/>
+                <a:gd name="T6" fmla="*/ 0 w 314"/>
+                <a:gd name="T7" fmla="*/ 573 h 573"/>
+                <a:gd name="T8" fmla="*/ 314 w 314"/>
+                <a:gd name="T9" fmla="*/ 286 h 573"/>
+              </a:gdLst>
+              <a:ahLst/>
+              <a:cxnLst>
+                <a:cxn ang="0">
+                  <a:pos x="T0" y="T1"/>
+                </a:cxn>
+                <a:cxn ang="0">
+                  <a:pos x="T2" y="T3"/>
+                </a:cxn>
+                <a:cxn ang="0">
+                  <a:pos x="T4" y="T5"/>
+                </a:cxn>
+                <a:cxn ang="0">
+                  <a:pos x="T6" y="T7"/>
+                </a:cxn>
+                <a:cxn ang="0">
+                  <a:pos x="T8" y="T9"/>
+                </a:cxn>
+              </a:cxnLst>
+              <a:rect l="0" t="0" r="r" b="b"/>
+              <a:pathLst>
+                <a:path w="314" h="573">
+                  <a:moveTo>
+                    <a:pt x="314" y="286"/>
+                  </a:moveTo>
+                  <a:lnTo>
+                    <a:pt x="0" y="0"/>
+                  </a:lnTo>
+                  <a:lnTo>
+                    <a:pt x="0" y="286"/>
+                  </a:lnTo>
+                  <a:lnTo>
+                    <a:pt x="0" y="573"/>
+                  </a:lnTo>
+                  <a:lnTo>
+                    <a:pt x="314" y="286"/>
+                  </a:lnTo>
+                  <a:close/>
+                </a:path>
+              </a:pathLst>
+            </a:custGeom>
+            <a:solidFill>
+              <a:schemeClr val="accent3"/>
+            </a:solidFill>
+            <a:ln>
+              <a:noFill/>
+            </a:ln>
+          </p:spPr>
+          <p:txBody>
+            <a:bodyPr vert="horz" wrap="square" lIns="91440" tIns="45720" rIns="91440" bIns="45720" numCol="1" anchor="t" anchorCtr="0" compatLnSpc="1">
+              <a:prstTxWarp prst="textNoShape">
+                <a:avLst/>
+              </a:prstTxWarp>
+            </a:bodyPr>
+            <a:lstStyle/>
+            <a:p>
+              <a:endParaRPr lang="en-US" dirty="0">
+                <a:latin typeface="Source Sans Pro" charset="0"/>
+              </a:endParaRPr>
+            </a:p>
+          </p:txBody>
+        </p:sp>
+      </p:grpSp>
+      <p:pic>
+        <p:nvPicPr>
+          <p:cNvPr id="27" name="Рисунок 26">
+            <a:extLst>
+              <a:ext uri="{FF2B5EF4-FFF2-40B4-BE49-F238E27FC236}">
+                <a16:creationId xmlns:a16="http://schemas.microsoft.com/office/drawing/2014/main" id="{41ACFA97-A657-4538-99F7-D753624BC43F}"/>
+              </a:ext>
+            </a:extLst>
+          </p:cNvPr>
+          <p:cNvPicPr>
+            <a:picLocks noChangeAspect="1"/>
+          </p:cNvPicPr>
+          <p:nvPr/>
+        </p:nvPicPr>
+        <p:blipFill rotWithShape="1">
+          <a:blip r:embed="rId2">
+            <a:extLst>
+              <a:ext uri="{28A0092B-C50C-407E-A947-70E740481C1C}">
+                <a14:useLocalDpi xmlns:a14="http://schemas.microsoft.com/office/drawing/2010/main" val="0"/>
+              </a:ext>
+            </a:extLst>
+          </a:blip>
+          <a:srcRect t="58508" b="-1015"/>
+          <a:stretch/>
+        </p:blipFill>
+        <p:spPr>
+          <a:xfrm>
+            <a:off x="3646131" y="937840"/>
+            <a:ext cx="8388697" cy="2421710"/>
+          </a:xfrm>
+          <a:prstGeom prst="rect">
+            <a:avLst/>
+          </a:prstGeom>
+        </p:spPr>
+      </p:pic>
+      <p:grpSp>
+        <p:nvGrpSpPr>
+          <p:cNvPr id="28" name="Group 36">
+            <a:extLst>
+              <a:ext uri="{FF2B5EF4-FFF2-40B4-BE49-F238E27FC236}">
+                <a16:creationId xmlns:a16="http://schemas.microsoft.com/office/drawing/2014/main" id="{AE8A841B-4C38-4297-A2C5-9E13A7DC21A0}"/>
+              </a:ext>
+            </a:extLst>
+          </p:cNvPr>
+          <p:cNvGrpSpPr/>
+          <p:nvPr/>
+        </p:nvGrpSpPr>
+        <p:grpSpPr>
+          <a:xfrm rot="5400000">
+            <a:off x="1316149" y="2041903"/>
+            <a:ext cx="326522" cy="2966937"/>
+            <a:chOff x="6475260" y="3892789"/>
+            <a:chExt cx="326522" cy="2966937"/>
+          </a:xfrm>
+        </p:grpSpPr>
+        <p:sp>
+          <p:nvSpPr>
+            <p:cNvPr id="29" name="Freeform 21">
+              <a:extLst>
+                <a:ext uri="{FF2B5EF4-FFF2-40B4-BE49-F238E27FC236}">
+                  <a16:creationId xmlns:a16="http://schemas.microsoft.com/office/drawing/2014/main" id="{21528029-2A42-4C1B-8C8D-0C19F2EA80BE}"/>
+                </a:ext>
+              </a:extLst>
+            </p:cNvPr>
+            <p:cNvSpPr>
+              <a:spLocks/>
+            </p:cNvSpPr>
+            <p:nvPr/>
+          </p:nvSpPr>
+          <p:spPr bwMode="auto">
+            <a:xfrm>
+              <a:off x="6475260" y="3892789"/>
+              <a:ext cx="326522" cy="2248626"/>
+            </a:xfrm>
+            <a:custGeom>
+              <a:avLst/>
+              <a:gdLst>
+                <a:gd name="T0" fmla="*/ 291 w 291"/>
+                <a:gd name="T1" fmla="*/ 0 h 2004"/>
+                <a:gd name="T2" fmla="*/ 291 w 291"/>
+                <a:gd name="T3" fmla="*/ 2004 h 2004"/>
+                <a:gd name="T4" fmla="*/ 0 w 291"/>
+                <a:gd name="T5" fmla="*/ 2004 h 2004"/>
+                <a:gd name="T6" fmla="*/ 0 w 291"/>
+                <a:gd name="T7" fmla="*/ 291 h 2004"/>
+                <a:gd name="T8" fmla="*/ 291 w 291"/>
+                <a:gd name="T9" fmla="*/ 0 h 2004"/>
+              </a:gdLst>
+              <a:ahLst/>
+              <a:cxnLst>
+                <a:cxn ang="0">
+                  <a:pos x="T0" y="T1"/>
+                </a:cxn>
+                <a:cxn ang="0">
+                  <a:pos x="T2" y="T3"/>
+                </a:cxn>
+                <a:cxn ang="0">
+                  <a:pos x="T4" y="T5"/>
+                </a:cxn>
+                <a:cxn ang="0">
+                  <a:pos x="T6" y="T7"/>
+                </a:cxn>
+                <a:cxn ang="0">
+                  <a:pos x="T8" y="T9"/>
+                </a:cxn>
+              </a:cxnLst>
+              <a:rect l="0" t="0" r="r" b="b"/>
+              <a:pathLst>
+                <a:path w="291" h="2004">
+                  <a:moveTo>
+                    <a:pt x="291" y="0"/>
+                  </a:moveTo>
+                  <a:lnTo>
+                    <a:pt x="291" y="2004"/>
+                  </a:lnTo>
+                  <a:lnTo>
+                    <a:pt x="0" y="2004"/>
+                  </a:lnTo>
+                  <a:lnTo>
+                    <a:pt x="0" y="291"/>
+                  </a:lnTo>
+                  <a:lnTo>
+                    <a:pt x="291" y="0"/>
+                  </a:lnTo>
+                  <a:close/>
+                </a:path>
+              </a:pathLst>
+            </a:custGeom>
+            <a:solidFill>
+              <a:schemeClr val="accent3">
+                <a:lumMod val="75000"/>
+              </a:schemeClr>
+            </a:solidFill>
+            <a:ln>
+              <a:noFill/>
+            </a:ln>
+          </p:spPr>
+          <p:txBody>
+            <a:bodyPr vert="horz" wrap="square" lIns="91440" tIns="45720" rIns="91440" bIns="45720" numCol="1" anchor="t" anchorCtr="0" compatLnSpc="1">
+              <a:prstTxWarp prst="textNoShape">
+                <a:avLst/>
+              </a:prstTxWarp>
+            </a:bodyPr>
+            <a:lstStyle/>
+            <a:p>
+              <a:endParaRPr lang="en-US" dirty="0">
+                <a:latin typeface="Source Sans Pro" charset="0"/>
+              </a:endParaRPr>
+            </a:p>
+          </p:txBody>
+        </p:sp>
+        <p:sp>
+          <p:nvSpPr>
+            <p:cNvPr id="30" name="Freeform 21">
+              <a:extLst>
+                <a:ext uri="{FF2B5EF4-FFF2-40B4-BE49-F238E27FC236}">
+                  <a16:creationId xmlns:a16="http://schemas.microsoft.com/office/drawing/2014/main" id="{A08A268C-A2E9-49E3-BA43-0A108A05588B}"/>
+                </a:ext>
+              </a:extLst>
+            </p:cNvPr>
+            <p:cNvSpPr>
+              <a:spLocks/>
+            </p:cNvSpPr>
+            <p:nvPr/>
+          </p:nvSpPr>
+          <p:spPr bwMode="auto">
+            <a:xfrm>
+              <a:off x="6475260" y="4611100"/>
+              <a:ext cx="326522" cy="2248626"/>
+            </a:xfrm>
+            <a:custGeom>
+              <a:avLst/>
+              <a:gdLst>
+                <a:gd name="T0" fmla="*/ 291 w 291"/>
+                <a:gd name="T1" fmla="*/ 0 h 2004"/>
+                <a:gd name="T2" fmla="*/ 291 w 291"/>
+                <a:gd name="T3" fmla="*/ 2004 h 2004"/>
+                <a:gd name="T4" fmla="*/ 0 w 291"/>
+                <a:gd name="T5" fmla="*/ 2004 h 2004"/>
+                <a:gd name="T6" fmla="*/ 0 w 291"/>
+                <a:gd name="T7" fmla="*/ 291 h 2004"/>
+                <a:gd name="T8" fmla="*/ 291 w 291"/>
+                <a:gd name="T9" fmla="*/ 0 h 2004"/>
+              </a:gdLst>
+              <a:ahLst/>
+              <a:cxnLst>
+                <a:cxn ang="0">
+                  <a:pos x="T0" y="T1"/>
+                </a:cxn>
+                <a:cxn ang="0">
+                  <a:pos x="T2" y="T3"/>
+                </a:cxn>
+                <a:cxn ang="0">
+                  <a:pos x="T4" y="T5"/>
+                </a:cxn>
+                <a:cxn ang="0">
+                  <a:pos x="T6" y="T7"/>
+                </a:cxn>
+                <a:cxn ang="0">
+                  <a:pos x="T8" y="T9"/>
+                </a:cxn>
+              </a:cxnLst>
+              <a:rect l="0" t="0" r="r" b="b"/>
+              <a:pathLst>
+                <a:path w="291" h="2004">
+                  <a:moveTo>
+                    <a:pt x="291" y="0"/>
+                  </a:moveTo>
+                  <a:lnTo>
+                    <a:pt x="291" y="2004"/>
+                  </a:lnTo>
+                  <a:lnTo>
+                    <a:pt x="0" y="2004"/>
+                  </a:lnTo>
+                  <a:lnTo>
+                    <a:pt x="0" y="291"/>
+                  </a:lnTo>
+                  <a:lnTo>
+                    <a:pt x="291" y="0"/>
+                  </a:lnTo>
+                  <a:close/>
+                </a:path>
+              </a:pathLst>
+            </a:custGeom>
+            <a:solidFill>
+              <a:schemeClr val="accent3">
+                <a:lumMod val="75000"/>
+              </a:schemeClr>
+            </a:solidFill>
+            <a:ln>
+              <a:noFill/>
+            </a:ln>
+          </p:spPr>
+          <p:txBody>
+            <a:bodyPr vert="horz" wrap="square" lIns="91440" tIns="45720" rIns="91440" bIns="45720" numCol="1" anchor="t" anchorCtr="0" compatLnSpc="1">
+              <a:prstTxWarp prst="textNoShape">
+                <a:avLst/>
+              </a:prstTxWarp>
+            </a:bodyPr>
+            <a:lstStyle/>
+            <a:p>
+              <a:endParaRPr lang="en-US" dirty="0">
+                <a:latin typeface="Source Sans Pro" charset="0"/>
+              </a:endParaRPr>
+            </a:p>
+          </p:txBody>
+        </p:sp>
+      </p:grpSp>
+      <p:grpSp>
+        <p:nvGrpSpPr>
+          <p:cNvPr id="31" name="Group 35">
+            <a:extLst>
+              <a:ext uri="{FF2B5EF4-FFF2-40B4-BE49-F238E27FC236}">
+                <a16:creationId xmlns:a16="http://schemas.microsoft.com/office/drawing/2014/main" id="{0FF78407-6A41-4224-AB4C-8A2CCDE53CB2}"/>
+              </a:ext>
+            </a:extLst>
+          </p:cNvPr>
+          <p:cNvGrpSpPr/>
+          <p:nvPr/>
+        </p:nvGrpSpPr>
+        <p:grpSpPr>
+          <a:xfrm rot="5400000">
+            <a:off x="2292681" y="3564319"/>
+            <a:ext cx="1049135" cy="642946"/>
+            <a:chOff x="6475260" y="3725824"/>
+            <a:chExt cx="1049135" cy="642946"/>
+          </a:xfrm>
+        </p:grpSpPr>
+        <p:sp>
+          <p:nvSpPr>
+            <p:cNvPr id="32" name="Freeform 23">
+              <a:extLst>
+                <a:ext uri="{FF2B5EF4-FFF2-40B4-BE49-F238E27FC236}">
+                  <a16:creationId xmlns:a16="http://schemas.microsoft.com/office/drawing/2014/main" id="{3B54B0E0-72E4-4A8D-92A7-A8477EABDFDC}"/>
+                </a:ext>
+              </a:extLst>
+            </p:cNvPr>
+            <p:cNvSpPr>
+              <a:spLocks/>
+            </p:cNvSpPr>
+            <p:nvPr/>
+          </p:nvSpPr>
+          <p:spPr bwMode="auto">
+            <a:xfrm>
+              <a:off x="6475260" y="3892789"/>
+              <a:ext cx="732711" cy="326522"/>
+            </a:xfrm>
+            <a:custGeom>
+              <a:avLst/>
+              <a:gdLst>
+                <a:gd name="T0" fmla="*/ 653 w 653"/>
+                <a:gd name="T1" fmla="*/ 291 h 291"/>
+                <a:gd name="T2" fmla="*/ 0 w 653"/>
+                <a:gd name="T3" fmla="*/ 291 h 291"/>
+                <a:gd name="T4" fmla="*/ 291 w 653"/>
+                <a:gd name="T5" fmla="*/ 0 h 291"/>
+                <a:gd name="T6" fmla="*/ 653 w 653"/>
+                <a:gd name="T7" fmla="*/ 0 h 291"/>
+                <a:gd name="T8" fmla="*/ 653 w 653"/>
+                <a:gd name="T9" fmla="*/ 291 h 291"/>
+              </a:gdLst>
+              <a:ahLst/>
+              <a:cxnLst>
+                <a:cxn ang="0">
+                  <a:pos x="T0" y="T1"/>
+                </a:cxn>
+                <a:cxn ang="0">
+                  <a:pos x="T2" y="T3"/>
+                </a:cxn>
+                <a:cxn ang="0">
+                  <a:pos x="T4" y="T5"/>
+                </a:cxn>
+                <a:cxn ang="0">
+                  <a:pos x="T6" y="T7"/>
+                </a:cxn>
+                <a:cxn ang="0">
+                  <a:pos x="T8" y="T9"/>
+                </a:cxn>
+              </a:cxnLst>
+              <a:rect l="0" t="0" r="r" b="b"/>
+              <a:pathLst>
+                <a:path w="653" h="291">
+                  <a:moveTo>
+                    <a:pt x="653" y="291"/>
+                  </a:moveTo>
+                  <a:lnTo>
+                    <a:pt x="0" y="291"/>
+                  </a:lnTo>
+                  <a:lnTo>
+                    <a:pt x="291" y="0"/>
+                  </a:lnTo>
+                  <a:lnTo>
+                    <a:pt x="653" y="0"/>
+                  </a:lnTo>
+                  <a:lnTo>
+                    <a:pt x="653" y="291"/>
+                  </a:lnTo>
+                  <a:close/>
+                </a:path>
+              </a:pathLst>
+            </a:custGeom>
+            <a:solidFill>
+              <a:schemeClr val="accent3"/>
+            </a:solidFill>
+            <a:ln>
+              <a:noFill/>
+            </a:ln>
+          </p:spPr>
+          <p:txBody>
+            <a:bodyPr vert="horz" wrap="square" lIns="91440" tIns="45720" rIns="91440" bIns="45720" numCol="1" anchor="t" anchorCtr="0" compatLnSpc="1">
+              <a:prstTxWarp prst="textNoShape">
+                <a:avLst/>
+              </a:prstTxWarp>
+            </a:bodyPr>
+            <a:lstStyle/>
+            <a:p>
+              <a:endParaRPr lang="en-US" dirty="0">
+                <a:latin typeface="Source Sans Pro" charset="0"/>
+              </a:endParaRPr>
+            </a:p>
+          </p:txBody>
+        </p:sp>
+        <p:sp>
+          <p:nvSpPr>
+            <p:cNvPr id="33" name="Freeform 25">
+              <a:extLst>
+                <a:ext uri="{FF2B5EF4-FFF2-40B4-BE49-F238E27FC236}">
+                  <a16:creationId xmlns:a16="http://schemas.microsoft.com/office/drawing/2014/main" id="{0A25CFB2-CE59-40E7-B02A-673B5C59D1A2}"/>
+                </a:ext>
+              </a:extLst>
+            </p:cNvPr>
+            <p:cNvSpPr>
+              <a:spLocks/>
+            </p:cNvSpPr>
+            <p:nvPr/>
+          </p:nvSpPr>
+          <p:spPr bwMode="auto">
+            <a:xfrm>
+              <a:off x="7172065" y="3725824"/>
+              <a:ext cx="352330" cy="642946"/>
+            </a:xfrm>
+            <a:custGeom>
+              <a:avLst/>
+              <a:gdLst>
+                <a:gd name="T0" fmla="*/ 314 w 314"/>
+                <a:gd name="T1" fmla="*/ 286 h 573"/>
+                <a:gd name="T2" fmla="*/ 0 w 314"/>
+                <a:gd name="T3" fmla="*/ 0 h 573"/>
+                <a:gd name="T4" fmla="*/ 0 w 314"/>
+                <a:gd name="T5" fmla="*/ 286 h 573"/>
+                <a:gd name="T6" fmla="*/ 0 w 314"/>
+                <a:gd name="T7" fmla="*/ 573 h 573"/>
+                <a:gd name="T8" fmla="*/ 314 w 314"/>
+                <a:gd name="T9" fmla="*/ 286 h 573"/>
+              </a:gdLst>
+              <a:ahLst/>
+              <a:cxnLst>
+                <a:cxn ang="0">
+                  <a:pos x="T0" y="T1"/>
+                </a:cxn>
+                <a:cxn ang="0">
+                  <a:pos x="T2" y="T3"/>
+                </a:cxn>
+                <a:cxn ang="0">
+                  <a:pos x="T4" y="T5"/>
+                </a:cxn>
+                <a:cxn ang="0">
+                  <a:pos x="T6" y="T7"/>
+                </a:cxn>
+                <a:cxn ang="0">
+                  <a:pos x="T8" y="T9"/>
+                </a:cxn>
+              </a:cxnLst>
+              <a:rect l="0" t="0" r="r" b="b"/>
+              <a:pathLst>
+                <a:path w="314" h="573">
+                  <a:moveTo>
+                    <a:pt x="314" y="286"/>
+                  </a:moveTo>
+                  <a:lnTo>
+                    <a:pt x="0" y="0"/>
+                  </a:lnTo>
+                  <a:lnTo>
+                    <a:pt x="0" y="286"/>
+                  </a:lnTo>
+                  <a:lnTo>
+                    <a:pt x="0" y="573"/>
+                  </a:lnTo>
+                  <a:lnTo>
+                    <a:pt x="314" y="286"/>
+                  </a:lnTo>
+                  <a:close/>
+                </a:path>
+              </a:pathLst>
+            </a:custGeom>
+            <a:solidFill>
+              <a:schemeClr val="accent3"/>
+            </a:solidFill>
+            <a:ln>
+              <a:noFill/>
+            </a:ln>
+          </p:spPr>
+          <p:txBody>
+            <a:bodyPr vert="horz" wrap="square" lIns="91440" tIns="45720" rIns="91440" bIns="45720" numCol="1" anchor="t" anchorCtr="0" compatLnSpc="1">
+              <a:prstTxWarp prst="textNoShape">
+                <a:avLst/>
+              </a:prstTxWarp>
+            </a:bodyPr>
+            <a:lstStyle/>
+            <a:p>
+              <a:endParaRPr lang="en-US" dirty="0">
+                <a:latin typeface="Source Sans Pro" charset="0"/>
+              </a:endParaRPr>
+            </a:p>
+          </p:txBody>
+        </p:sp>
+      </p:grpSp>
+      <p:pic>
+        <p:nvPicPr>
+          <p:cNvPr id="35" name="Рисунок 34">
+            <a:extLst>
+              <a:ext uri="{FF2B5EF4-FFF2-40B4-BE49-F238E27FC236}">
+                <a16:creationId xmlns:a16="http://schemas.microsoft.com/office/drawing/2014/main" id="{2312AE15-E81F-4EB0-B9E4-2E16F145585E}"/>
+              </a:ext>
+            </a:extLst>
+          </p:cNvPr>
+          <p:cNvPicPr>
+            <a:picLocks noChangeAspect="1"/>
+          </p:cNvPicPr>
+          <p:nvPr/>
+        </p:nvPicPr>
+        <p:blipFill rotWithShape="1">
+          <a:blip r:embed="rId3">
+            <a:extLst>
+              <a:ext uri="{28A0092B-C50C-407E-A947-70E740481C1C}">
+                <a14:useLocalDpi xmlns:a14="http://schemas.microsoft.com/office/drawing/2010/main" val="0"/>
+              </a:ext>
+            </a:extLst>
+          </a:blip>
+          <a:srcRect t="59696"/>
+          <a:stretch/>
+        </p:blipFill>
+        <p:spPr>
+          <a:xfrm>
+            <a:off x="400252" y="4501163"/>
+            <a:ext cx="8104556" cy="2188203"/>
+          </a:xfrm>
+          <a:prstGeom prst="rect">
+            <a:avLst/>
+          </a:prstGeom>
+        </p:spPr>
+      </p:pic>
+      <p:sp>
+        <p:nvSpPr>
+          <p:cNvPr id="36" name="Rectangle 18">
+            <a:extLst>
+              <a:ext uri="{FF2B5EF4-FFF2-40B4-BE49-F238E27FC236}">
+                <a16:creationId xmlns:a16="http://schemas.microsoft.com/office/drawing/2014/main" id="{192A5121-9FB1-4B46-8BC5-368F8070CCE6}"/>
+              </a:ext>
+            </a:extLst>
+          </p:cNvPr>
+          <p:cNvSpPr/>
+          <p:nvPr/>
+        </p:nvSpPr>
+        <p:spPr>
+          <a:xfrm>
+            <a:off x="9687348" y="4803046"/>
+            <a:ext cx="2235200" cy="1392497"/>
+          </a:xfrm>
+          <a:prstGeom prst="rect">
+            <a:avLst/>
+          </a:prstGeom>
+        </p:spPr>
+        <p:txBody>
+          <a:bodyPr wrap="square" lIns="121920" rIns="121920" bIns="60960">
+            <a:spAutoFit/>
+          </a:bodyPr>
+          <a:lstStyle/>
+          <a:p>
+            <a:pPr algn="r">
+              <a:lnSpc>
+                <a:spcPct val="120000"/>
+              </a:lnSpc>
+              <a:spcBef>
+                <a:spcPts val="600"/>
+              </a:spcBef>
+            </a:pPr>
+            <a:r>
+              <a:rPr lang="ru-RU" sz="1400" b="1" spc="200" dirty="0">
+                <a:latin typeface="Open Sans Semibold" charset="0"/>
+                <a:ea typeface="Open Sans Semibold" charset="0"/>
+                <a:cs typeface="Open Sans Semibold" charset="0"/>
+              </a:rPr>
+              <a:t>При начальных значениях</a:t>
+            </a:r>
+            <a:endParaRPr lang="en-US" sz="1400" b="1" spc="200" dirty="0">
+              <a:latin typeface="Open Sans Semibold" charset="0"/>
+              <a:ea typeface="Open Sans Semibold" charset="0"/>
+              <a:cs typeface="Open Sans Semibold" charset="0"/>
+            </a:endParaRPr>
+          </a:p>
+          <a:p>
+            <a:pPr algn="r">
+              <a:lnSpc>
+                <a:spcPct val="120000"/>
+              </a:lnSpc>
+              <a:spcBef>
+                <a:spcPts val="600"/>
+              </a:spcBef>
+            </a:pPr>
+            <a:r>
+              <a:rPr lang="en-US" sz="1000" dirty="0">
+                <a:latin typeface="Open Sans Regular" charset="0"/>
+                <a:ea typeface="Open Sans Regular" charset="0"/>
+                <a:cs typeface="Open Sans Regular" charset="0"/>
+              </a:rPr>
+              <a:t>a1 = 5</a:t>
+            </a:r>
+          </a:p>
+          <a:p>
+            <a:pPr algn="r">
+              <a:lnSpc>
+                <a:spcPct val="120000"/>
+              </a:lnSpc>
+              <a:spcBef>
+                <a:spcPts val="600"/>
+              </a:spcBef>
+            </a:pPr>
+            <a:r>
+              <a:rPr lang="en-US" sz="1000" dirty="0">
+                <a:latin typeface="Open Sans Regular" charset="0"/>
+                <a:ea typeface="Open Sans Regular" charset="0"/>
+                <a:cs typeface="Open Sans Regular" charset="0"/>
+              </a:rPr>
+              <a:t>a3 = 2</a:t>
+            </a:r>
+          </a:p>
+          <a:p>
+            <a:pPr algn="r">
+              <a:lnSpc>
+                <a:spcPct val="120000"/>
+              </a:lnSpc>
+              <a:spcBef>
+                <a:spcPts val="600"/>
+              </a:spcBef>
+            </a:pPr>
+            <a:r>
+              <a:rPr lang="en-US" sz="1000" dirty="0">
+                <a:latin typeface="Open Sans Regular" charset="0"/>
+                <a:ea typeface="Open Sans Regular" charset="0"/>
+                <a:cs typeface="Open Sans Regular" charset="0"/>
+              </a:rPr>
+              <a:t>m = 10</a:t>
+            </a:r>
+          </a:p>
+        </p:txBody>
+      </p:sp>
+      <p:sp>
+        <p:nvSpPr>
+          <p:cNvPr id="37" name="Rectangle 18">
+            <a:extLst>
+              <a:ext uri="{FF2B5EF4-FFF2-40B4-BE49-F238E27FC236}">
+                <a16:creationId xmlns:a16="http://schemas.microsoft.com/office/drawing/2014/main" id="{3543802B-7026-4E80-906D-30889325DF71}"/>
+              </a:ext>
+            </a:extLst>
+          </p:cNvPr>
+          <p:cNvSpPr/>
+          <p:nvPr/>
+        </p:nvSpPr>
+        <p:spPr>
+          <a:xfrm>
+            <a:off x="539775" y="1652303"/>
+            <a:ext cx="2235200" cy="1392497"/>
+          </a:xfrm>
+          <a:prstGeom prst="rect">
+            <a:avLst/>
+          </a:prstGeom>
+        </p:spPr>
+        <p:txBody>
+          <a:bodyPr wrap="square" lIns="121920" rIns="121920" bIns="60960">
+            <a:spAutoFit/>
+          </a:bodyPr>
+          <a:lstStyle/>
+          <a:p>
+            <a:pPr>
+              <a:lnSpc>
+                <a:spcPct val="120000"/>
+              </a:lnSpc>
+              <a:spcBef>
+                <a:spcPts val="600"/>
+              </a:spcBef>
+            </a:pPr>
+            <a:r>
+              <a:rPr lang="ru-RU" sz="1400" b="1" spc="200" dirty="0">
+                <a:latin typeface="Open Sans Semibold" charset="0"/>
+                <a:ea typeface="Open Sans Semibold" charset="0"/>
+                <a:cs typeface="Open Sans Semibold" charset="0"/>
+              </a:rPr>
+              <a:t>При начальных значениях</a:t>
+            </a:r>
+            <a:endParaRPr lang="en-US" sz="1400" b="1" spc="200" dirty="0">
+              <a:latin typeface="Open Sans Semibold" charset="0"/>
+              <a:ea typeface="Open Sans Semibold" charset="0"/>
+              <a:cs typeface="Open Sans Semibold" charset="0"/>
+            </a:endParaRPr>
+          </a:p>
+          <a:p>
+            <a:pPr>
+              <a:lnSpc>
+                <a:spcPct val="120000"/>
+              </a:lnSpc>
+              <a:spcBef>
+                <a:spcPts val="600"/>
+              </a:spcBef>
+            </a:pPr>
+            <a:r>
+              <a:rPr lang="en-US" sz="1000" dirty="0">
+                <a:latin typeface="Open Sans Regular" charset="0"/>
+                <a:ea typeface="Open Sans Regular" charset="0"/>
+                <a:cs typeface="Open Sans Regular" charset="0"/>
+              </a:rPr>
+              <a:t>a1 = 20</a:t>
+            </a:r>
+          </a:p>
+          <a:p>
+            <a:pPr>
+              <a:lnSpc>
+                <a:spcPct val="120000"/>
+              </a:lnSpc>
+              <a:spcBef>
+                <a:spcPts val="600"/>
+              </a:spcBef>
+            </a:pPr>
+            <a:r>
+              <a:rPr lang="en-US" sz="1000" dirty="0">
+                <a:latin typeface="Open Sans Regular" charset="0"/>
+                <a:ea typeface="Open Sans Regular" charset="0"/>
+                <a:cs typeface="Open Sans Regular" charset="0"/>
+              </a:rPr>
+              <a:t>a3 = 10</a:t>
+            </a:r>
+          </a:p>
+          <a:p>
+            <a:pPr>
+              <a:lnSpc>
+                <a:spcPct val="120000"/>
+              </a:lnSpc>
+              <a:spcBef>
+                <a:spcPts val="600"/>
+              </a:spcBef>
+            </a:pPr>
+            <a:r>
+              <a:rPr lang="en-US" sz="1000" dirty="0">
+                <a:latin typeface="Open Sans Regular" charset="0"/>
+                <a:ea typeface="Open Sans Regular" charset="0"/>
+                <a:cs typeface="Open Sans Regular" charset="0"/>
+              </a:rPr>
+              <a:t>m = 0.1</a:t>
+            </a:r>
+          </a:p>
+        </p:txBody>
+      </p:sp>
+    </p:spTree>
+    <p:extLst>
+      <p:ext uri="{BB962C8B-B14F-4D97-AF65-F5344CB8AC3E}">
+        <p14:creationId xmlns:p14="http://schemas.microsoft.com/office/powerpoint/2010/main" val="450452578"/>
+      </p:ext>
+    </p:extLst>
+  </p:cSld>
+  <p:clrMapOvr>
+    <a:masterClrMapping/>
+  </p:clrMapOvr>
+  <p:timing>
+    <p:tnLst>
+      <p:par>
+        <p:cTn id="1" dur="indefinite" restart="never" nodeType="tmRoot">
+          <p:childTnLst>
+            <p:seq concurrent="1" nextAc="seek">
+              <p:cTn id="2" dur="indefinite" nodeType="mainSeq">
+                <p:childTnLst>
+                  <p:par>
+                    <p:cTn id="3" fill="hold">
+                      <p:stCondLst>
+                        <p:cond delay="indefinite"/>
+                        <p:cond evt="onBegin" delay="0">
+                          <p:tn val="2"/>
+                        </p:cond>
+                      </p:stCondLst>
+                      <p:childTnLst>
+                        <p:par>
+                          <p:cTn id="4" fill="hold">
+                            <p:stCondLst>
+                              <p:cond delay="0"/>
+                            </p:stCondLst>
+                            <p:childTnLst>
+                              <p:par>
+                                <p:cTn id="5" presetID="22" presetClass="entr" presetSubtype="4" fill="hold" nodeType="withEffect">
+                                  <p:stCondLst>
+                                    <p:cond delay="1500"/>
+                                  </p:stCondLst>
+                                  <p:childTnLst>
+                                    <p:set>
+                                      <p:cBhvr>
+                                        <p:cTn id="6" dur="1" fill="hold">
+                                          <p:stCondLst>
+                                            <p:cond delay="0"/>
+                                          </p:stCondLst>
+                                        </p:cTn>
+                                        <p:tgtEl>
+                                          <p:spTgt spid="20"/>
+                                        </p:tgtEl>
+                                        <p:attrNameLst>
+                                          <p:attrName>style.visibility</p:attrName>
+                                        </p:attrNameLst>
+                                      </p:cBhvr>
+                                      <p:to>
+                                        <p:strVal val="visible"/>
+                                      </p:to>
+                                    </p:set>
+                                    <p:animEffect transition="in" filter="wipe(down)">
+                                      <p:cBhvr>
+                                        <p:cTn id="7" dur="500"/>
+                                        <p:tgtEl>
+                                          <p:spTgt spid="20"/>
+                                        </p:tgtEl>
+                                      </p:cBhvr>
+                                    </p:animEffect>
+                                  </p:childTnLst>
+                                </p:cTn>
+                              </p:par>
+                              <p:par>
+                                <p:cTn id="8" presetID="22" presetClass="entr" presetSubtype="8" fill="hold" nodeType="withEffect">
+                                  <p:stCondLst>
+                                    <p:cond delay="1750"/>
+                                  </p:stCondLst>
+                                  <p:childTnLst>
+                                    <p:set>
+                                      <p:cBhvr>
+                                        <p:cTn id="9" dur="1" fill="hold">
+                                          <p:stCondLst>
+                                            <p:cond delay="0"/>
+                                          </p:stCondLst>
+                                        </p:cTn>
+                                        <p:tgtEl>
+                                          <p:spTgt spid="23"/>
+                                        </p:tgtEl>
+                                        <p:attrNameLst>
+                                          <p:attrName>style.visibility</p:attrName>
+                                        </p:attrNameLst>
+                                      </p:cBhvr>
+                                      <p:to>
+                                        <p:strVal val="visible"/>
+                                      </p:to>
+                                    </p:set>
+                                    <p:animEffect transition="in" filter="wipe(left)">
+                                      <p:cBhvr>
+                                        <p:cTn id="10" dur="500"/>
+                                        <p:tgtEl>
+                                          <p:spTgt spid="23"/>
+                                        </p:tgtEl>
+                                      </p:cBhvr>
+                                    </p:animEffect>
+                                  </p:childTnLst>
+                                </p:cTn>
+                              </p:par>
+                              <p:par>
+                                <p:cTn id="11" presetID="22" presetClass="entr" presetSubtype="4" fill="hold" nodeType="withEffect">
+                                  <p:stCondLst>
+                                    <p:cond delay="1500"/>
+                                  </p:stCondLst>
+                                  <p:childTnLst>
+                                    <p:set>
+                                      <p:cBhvr>
+                                        <p:cTn id="12" dur="1" fill="hold">
+                                          <p:stCondLst>
+                                            <p:cond delay="0"/>
+                                          </p:stCondLst>
+                                        </p:cTn>
+                                        <p:tgtEl>
+                                          <p:spTgt spid="28"/>
+                                        </p:tgtEl>
+                                        <p:attrNameLst>
+                                          <p:attrName>style.visibility</p:attrName>
+                                        </p:attrNameLst>
+                                      </p:cBhvr>
+                                      <p:to>
+                                        <p:strVal val="visible"/>
+                                      </p:to>
+                                    </p:set>
+                                    <p:animEffect transition="in" filter="wipe(down)">
+                                      <p:cBhvr>
+                                        <p:cTn id="13" dur="500"/>
+                                        <p:tgtEl>
+                                          <p:spTgt spid="28"/>
+                                        </p:tgtEl>
+                                      </p:cBhvr>
+                                    </p:animEffect>
+                                  </p:childTnLst>
+                                </p:cTn>
+                              </p:par>
+                              <p:par>
+                                <p:cTn id="14" presetID="22" presetClass="entr" presetSubtype="8" fill="hold" nodeType="withEffect">
+                                  <p:stCondLst>
+                                    <p:cond delay="1750"/>
+                                  </p:stCondLst>
+                                  <p:childTnLst>
+                                    <p:set>
+                                      <p:cBhvr>
+                                        <p:cTn id="15" dur="1" fill="hold">
+                                          <p:stCondLst>
+                                            <p:cond delay="0"/>
+                                          </p:stCondLst>
+                                        </p:cTn>
+                                        <p:tgtEl>
+                                          <p:spTgt spid="31"/>
+                                        </p:tgtEl>
+                                        <p:attrNameLst>
+                                          <p:attrName>style.visibility</p:attrName>
+                                        </p:attrNameLst>
+                                      </p:cBhvr>
+                                      <p:to>
+                                        <p:strVal val="visible"/>
+                                      </p:to>
+                                    </p:set>
+                                    <p:animEffect transition="in" filter="wipe(left)">
+                                      <p:cBhvr>
+                                        <p:cTn id="16" dur="500"/>
+                                        <p:tgtEl>
+                                          <p:spTgt spid="31"/>
+                                        </p:tgtEl>
+                                      </p:cBhvr>
+                                    </p:animEffect>
+                                  </p:childTnLst>
+                                </p:cTn>
+                              </p:par>
+                              <p:par>
+                                <p:cTn id="17" presetID="10" presetClass="entr" presetSubtype="0" fill="hold" grpId="0" nodeType="withEffect">
+                                  <p:stCondLst>
+                                    <p:cond delay="1950"/>
+                                  </p:stCondLst>
+                                  <p:childTnLst>
+                                    <p:set>
+                                      <p:cBhvr>
+                                        <p:cTn id="18" dur="1" fill="hold">
+                                          <p:stCondLst>
+                                            <p:cond delay="0"/>
+                                          </p:stCondLst>
+                                        </p:cTn>
+                                        <p:tgtEl>
+                                          <p:spTgt spid="36"/>
+                                        </p:tgtEl>
+                                        <p:attrNameLst>
+                                          <p:attrName>style.visibility</p:attrName>
+                                        </p:attrNameLst>
+                                      </p:cBhvr>
+                                      <p:to>
+                                        <p:strVal val="visible"/>
+                                      </p:to>
+                                    </p:set>
+                                    <p:animEffect transition="in" filter="fade">
+                                      <p:cBhvr>
+                                        <p:cTn id="19" dur="250"/>
+                                        <p:tgtEl>
+                                          <p:spTgt spid="36"/>
+                                        </p:tgtEl>
+                                      </p:cBhvr>
+                                    </p:animEffect>
+                                  </p:childTnLst>
+                                </p:cTn>
+                              </p:par>
+                              <p:par>
+                                <p:cTn id="20" presetID="10" presetClass="entr" presetSubtype="0" fill="hold" grpId="0" nodeType="withEffect">
+                                  <p:stCondLst>
+                                    <p:cond delay="1950"/>
+                                  </p:stCondLst>
+                                  <p:childTnLst>
+                                    <p:set>
+                                      <p:cBhvr>
+                                        <p:cTn id="21" dur="1" fill="hold">
+                                          <p:stCondLst>
+                                            <p:cond delay="0"/>
+                                          </p:stCondLst>
+                                        </p:cTn>
+                                        <p:tgtEl>
+                                          <p:spTgt spid="37"/>
+                                        </p:tgtEl>
+                                        <p:attrNameLst>
+                                          <p:attrName>style.visibility</p:attrName>
+                                        </p:attrNameLst>
+                                      </p:cBhvr>
+                                      <p:to>
+                                        <p:strVal val="visible"/>
+                                      </p:to>
+                                    </p:set>
+                                    <p:animEffect transition="in" filter="fade">
+                                      <p:cBhvr>
+                                        <p:cTn id="22" dur="250"/>
+                                        <p:tgtEl>
+                                          <p:spTgt spid="37"/>
+                                        </p:tgtEl>
+                                      </p:cBhvr>
+                                    </p:animEffect>
+                                  </p:childTnLst>
+                                </p:cTn>
+                              </p:par>
+                            </p:childTnLst>
+                          </p:cTn>
+                        </p:par>
+                      </p:childTnLst>
+                    </p:cTn>
+                  </p:par>
+                </p:childTnLst>
+              </p:cTn>
+              <p:prevCondLst>
+                <p:cond evt="onPrev" delay="0">
+                  <p:tgtEl>
+                    <p:sldTgt/>
+                  </p:tgtEl>
+                </p:cond>
+              </p:prevCondLst>
+              <p:nextCondLst>
+                <p:cond evt="onNext" delay="0">
+                  <p:tgtEl>
+                    <p:sldTgt/>
+                  </p:tgtEl>
+                </p:cond>
+              </p:nextCondLst>
+            </p:seq>
+          </p:childTnLst>
+        </p:cTn>
+      </p:par>
+    </p:tnLst>
+    <p:bldLst>
+      <p:bldP spid="36" grpId="0"/>
+      <p:bldP spid="37" grpId="0"/>
+    </p:bldLst>
+  </p:timing>
+</p:sld>
+</file>
+
+<file path=ppt/slides/slide11.xml><?xml version="1.0" encoding="utf-8"?>
+<p:sld xmlns:a="http://schemas.openxmlformats.org/drawingml/2006/main" xmlns:r="http://schemas.openxmlformats.org/officeDocument/2006/relationships" xmlns:p="http://schemas.openxmlformats.org/presentationml/2006/main">
+  <p:cSld>
+    <p:spTree>
+      <p:nvGrpSpPr>
+        <p:cNvPr id="1" name=""/>
+        <p:cNvGrpSpPr/>
+        <p:nvPr/>
+      </p:nvGrpSpPr>
+      <p:grpSpPr>
+        <a:xfrm>
+          <a:off x="0" y="0"/>
+          <a:ext cx="0" cy="0"/>
+          <a:chOff x="0" y="0"/>
+          <a:chExt cx="0" cy="0"/>
+        </a:xfrm>
+      </p:grpSpPr>
+      <p:sp>
+        <p:nvSpPr>
+          <p:cNvPr id="3" name="Прямоугольник 2">
+            <a:extLst>
+              <a:ext uri="{FF2B5EF4-FFF2-40B4-BE49-F238E27FC236}">
+                <a16:creationId xmlns:a16="http://schemas.microsoft.com/office/drawing/2014/main" id="{CB94F085-43C4-4C81-9C52-04F6AA7E4C97}"/>
+              </a:ext>
+            </a:extLst>
+          </p:cNvPr>
+          <p:cNvSpPr/>
+          <p:nvPr/>
+        </p:nvSpPr>
+        <p:spPr>
+          <a:xfrm>
+            <a:off x="1429304" y="124287"/>
+            <a:ext cx="1447060" cy="790113"/>
+          </a:xfrm>
+          <a:prstGeom prst="rect">
+            <a:avLst/>
+          </a:prstGeom>
+          <a:solidFill>
+            <a:srgbClr val="001847"/>
+          </a:solidFill>
+          <a:ln>
+            <a:noFill/>
+          </a:ln>
+        </p:spPr>
+        <p:style>
+          <a:lnRef idx="2">
+            <a:schemeClr val="accent1">
+              <a:shade val="50000"/>
+            </a:schemeClr>
+          </a:lnRef>
+          <a:fillRef idx="1">
+            <a:schemeClr val="accent1"/>
+          </a:fillRef>
+          <a:effectRef idx="0">
+            <a:schemeClr val="accent1"/>
+          </a:effectRef>
+          <a:fontRef idx="minor">
+            <a:schemeClr val="lt1"/>
+          </a:fontRef>
+        </p:style>
+        <p:txBody>
+          <a:bodyPr rtlCol="0" anchor="ctr"/>
+          <a:lstStyle/>
+          <a:p>
+            <a:pPr algn="ctr"/>
+            <a:endParaRPr lang="ru-RU"/>
+          </a:p>
+        </p:txBody>
+      </p:sp>
+      <p:sp>
+        <p:nvSpPr>
+          <p:cNvPr id="4" name="Title 9">
+            <a:extLst>
+              <a:ext uri="{FF2B5EF4-FFF2-40B4-BE49-F238E27FC236}">
+                <a16:creationId xmlns:a16="http://schemas.microsoft.com/office/drawing/2014/main" id="{4222AF78-AA94-46D7-BC24-6718D00A2DE4}"/>
+              </a:ext>
+            </a:extLst>
+          </p:cNvPr>
+          <p:cNvSpPr txBox="1">
+            <a:spLocks/>
+          </p:cNvSpPr>
+          <p:nvPr/>
+        </p:nvSpPr>
+        <p:spPr>
+          <a:xfrm>
+            <a:off x="659537" y="262492"/>
+            <a:ext cx="4229100" cy="1621619"/>
+          </a:xfrm>
+          <a:prstGeom prst="rect">
+            <a:avLst/>
+          </a:prstGeom>
+          <a:effectLst/>
+        </p:spPr>
+        <p:txBody>
+          <a:bodyPr vert="horz" lIns="0" tIns="192024" rIns="0" bIns="0" rtlCol="0" anchor="t" anchorCtr="0">
+            <a:noAutofit/>
+          </a:bodyPr>
+          <a:lstStyle>
+            <a:lvl1pPr algn="l" defTabSz="914318" rtl="0" eaLnBrk="1" latinLnBrk="0" hangingPunct="1">
+              <a:lnSpc>
+                <a:spcPct val="75000"/>
+              </a:lnSpc>
+              <a:spcBef>
+                <a:spcPct val="0"/>
+              </a:spcBef>
+              <a:buNone/>
+              <a:defRPr sz="4400" kern="1200" spc="-151" baseline="0">
+                <a:solidFill>
+                  <a:schemeClr val="tx1"/>
+                </a:solidFill>
+                <a:latin typeface="+mj-lt"/>
+                <a:ea typeface="+mj-ea"/>
+                <a:cs typeface="+mj-cs"/>
+              </a:defRPr>
+            </a:lvl1pPr>
+          </a:lstStyle>
+          <a:p>
+            <a:r>
+              <a:rPr lang="ru-RU" dirty="0"/>
+              <a:t>Разные параметры</a:t>
+            </a:r>
+            <a:br>
+              <a:rPr lang="en-US" dirty="0"/>
+            </a:br>
+            <a:r>
+              <a:rPr lang="ru-RU" sz="2300" dirty="0"/>
+              <a:t>Параметры системы</a:t>
+            </a:r>
+          </a:p>
+        </p:txBody>
+      </p:sp>
+      <p:sp>
+        <p:nvSpPr>
+          <p:cNvPr id="5" name="Rectangle 18">
+            <a:extLst>
+              <a:ext uri="{FF2B5EF4-FFF2-40B4-BE49-F238E27FC236}">
+                <a16:creationId xmlns:a16="http://schemas.microsoft.com/office/drawing/2014/main" id="{3E2C6A0A-EBEF-439C-B51A-AECA2F358630}"/>
+              </a:ext>
+            </a:extLst>
+          </p:cNvPr>
+          <p:cNvSpPr/>
+          <p:nvPr/>
+        </p:nvSpPr>
+        <p:spPr>
+          <a:xfrm>
+            <a:off x="4341674" y="2492685"/>
+            <a:ext cx="3508652" cy="1687963"/>
+          </a:xfrm>
+          <a:prstGeom prst="rect">
+            <a:avLst/>
+          </a:prstGeom>
+        </p:spPr>
+        <p:txBody>
+          <a:bodyPr wrap="square" lIns="121920" rIns="121920" bIns="60960">
+            <a:spAutoFit/>
+          </a:bodyPr>
+          <a:lstStyle/>
+          <a:p>
+            <a:pPr algn="ctr">
+              <a:lnSpc>
+                <a:spcPct val="120000"/>
+              </a:lnSpc>
+              <a:spcBef>
+                <a:spcPts val="600"/>
+              </a:spcBef>
+            </a:pPr>
+            <a:r>
+              <a:rPr lang="ru-RU" sz="1400" b="1" spc="200" dirty="0">
+                <a:latin typeface="Open Sans Semibold" charset="0"/>
+                <a:ea typeface="Open Sans Semibold" charset="0"/>
+                <a:cs typeface="Open Sans Semibold" charset="0"/>
+              </a:rPr>
+              <a:t>Вывод</a:t>
+            </a:r>
+            <a:endParaRPr lang="en-US" sz="1400" b="1" spc="200" dirty="0">
+              <a:latin typeface="Open Sans Semibold" charset="0"/>
+              <a:ea typeface="Open Sans Semibold" charset="0"/>
+              <a:cs typeface="Open Sans Semibold" charset="0"/>
+            </a:endParaRPr>
+          </a:p>
+          <a:p>
+            <a:pPr algn="ctr">
+              <a:lnSpc>
+                <a:spcPct val="120000"/>
+              </a:lnSpc>
+              <a:spcBef>
+                <a:spcPts val="600"/>
+              </a:spcBef>
+            </a:pPr>
+            <a:r>
+              <a:rPr lang="ru-RU" sz="1000" dirty="0">
+                <a:latin typeface="Open Sans Regular" charset="0"/>
+                <a:ea typeface="Open Sans Regular" charset="0"/>
+                <a:cs typeface="Open Sans Regular" charset="0"/>
+              </a:rPr>
+              <a:t>При увеличение параметров </a:t>
+            </a:r>
+            <a:r>
+              <a:rPr lang="en-US" sz="1000" dirty="0">
+                <a:latin typeface="Open Sans Regular" charset="0"/>
+                <a:ea typeface="Open Sans Regular" charset="0"/>
+                <a:cs typeface="Open Sans Regular" charset="0"/>
+              </a:rPr>
+              <a:t>a1</a:t>
+            </a:r>
+            <a:r>
+              <a:rPr lang="ru-RU" sz="1000" dirty="0">
+                <a:latin typeface="Open Sans Regular" charset="0"/>
+                <a:ea typeface="Open Sans Regular" charset="0"/>
+                <a:cs typeface="Open Sans Regular" charset="0"/>
+              </a:rPr>
+              <a:t> и </a:t>
+            </a:r>
+            <a:r>
+              <a:rPr lang="en-US" sz="1000" dirty="0">
+                <a:latin typeface="Open Sans Regular" charset="0"/>
+                <a:ea typeface="Open Sans Regular" charset="0"/>
+                <a:cs typeface="Open Sans Regular" charset="0"/>
+              </a:rPr>
+              <a:t>a3 </a:t>
+            </a:r>
+            <a:r>
+              <a:rPr lang="ru-RU" sz="1000" dirty="0">
+                <a:latin typeface="Open Sans Regular" charset="0"/>
+                <a:ea typeface="Open Sans Regular" charset="0"/>
+                <a:cs typeface="Open Sans Regular" charset="0"/>
+              </a:rPr>
+              <a:t>и уменьшение </a:t>
+            </a:r>
+            <a:r>
+              <a:rPr lang="en-US" sz="1000" dirty="0">
+                <a:latin typeface="Open Sans Regular" charset="0"/>
+                <a:ea typeface="Open Sans Regular" charset="0"/>
+                <a:cs typeface="Open Sans Regular" charset="0"/>
+              </a:rPr>
+              <a:t>m</a:t>
+            </a:r>
+            <a:r>
+              <a:rPr lang="ru-RU" sz="1000" dirty="0">
+                <a:latin typeface="Open Sans Regular" charset="0"/>
+                <a:ea typeface="Open Sans Regular" charset="0"/>
+                <a:cs typeface="Open Sans Regular" charset="0"/>
+              </a:rPr>
+              <a:t> график будет «круче» меняться: скорость начнет падать медленнее</a:t>
+            </a:r>
+          </a:p>
+          <a:p>
+            <a:pPr algn="ctr">
+              <a:lnSpc>
+                <a:spcPct val="120000"/>
+              </a:lnSpc>
+              <a:spcBef>
+                <a:spcPts val="600"/>
+              </a:spcBef>
+            </a:pPr>
+            <a:endParaRPr lang="ru-RU" sz="1000" dirty="0">
+              <a:latin typeface="Open Sans Regular" charset="0"/>
+              <a:ea typeface="Open Sans Regular" charset="0"/>
+              <a:cs typeface="Open Sans Regular" charset="0"/>
+            </a:endParaRPr>
+          </a:p>
+          <a:p>
+            <a:pPr algn="ctr">
+              <a:lnSpc>
+                <a:spcPct val="120000"/>
+              </a:lnSpc>
+              <a:spcBef>
+                <a:spcPts val="600"/>
+              </a:spcBef>
+            </a:pPr>
+            <a:r>
+              <a:rPr lang="ru-RU" sz="1000" dirty="0">
+                <a:latin typeface="Open Sans Regular" charset="0"/>
+                <a:ea typeface="Open Sans Regular" charset="0"/>
+                <a:cs typeface="Open Sans Regular" charset="0"/>
+              </a:rPr>
+              <a:t>При уменьшение параметров </a:t>
+            </a:r>
+            <a:r>
+              <a:rPr lang="en-US" sz="1000" dirty="0">
+                <a:latin typeface="Open Sans Regular" charset="0"/>
+                <a:ea typeface="Open Sans Regular" charset="0"/>
+                <a:cs typeface="Open Sans Regular" charset="0"/>
+              </a:rPr>
+              <a:t>a1 </a:t>
+            </a:r>
+            <a:r>
+              <a:rPr lang="ru-RU" sz="1000" dirty="0">
+                <a:latin typeface="Open Sans Regular" charset="0"/>
+                <a:ea typeface="Open Sans Regular" charset="0"/>
+                <a:cs typeface="Open Sans Regular" charset="0"/>
+              </a:rPr>
+              <a:t>и </a:t>
+            </a:r>
+            <a:r>
+              <a:rPr lang="en-US" sz="1000" dirty="0">
+                <a:latin typeface="Open Sans Regular" charset="0"/>
+                <a:ea typeface="Open Sans Regular" charset="0"/>
+                <a:cs typeface="Open Sans Regular" charset="0"/>
+              </a:rPr>
+              <a:t>a3 </a:t>
+            </a:r>
+            <a:r>
+              <a:rPr lang="ru-RU" sz="1000" dirty="0">
+                <a:latin typeface="Open Sans Regular" charset="0"/>
+                <a:ea typeface="Open Sans Regular" charset="0"/>
+                <a:cs typeface="Open Sans Regular" charset="0"/>
+              </a:rPr>
+              <a:t>и увеличение </a:t>
+            </a:r>
+            <a:r>
+              <a:rPr lang="en-US" sz="1000" dirty="0">
+                <a:latin typeface="Open Sans Regular" charset="0"/>
+                <a:ea typeface="Open Sans Regular" charset="0"/>
+                <a:cs typeface="Open Sans Regular" charset="0"/>
+              </a:rPr>
+              <a:t>m</a:t>
+            </a:r>
+            <a:r>
+              <a:rPr lang="ru-RU" sz="1000" dirty="0">
+                <a:latin typeface="Open Sans Regular" charset="0"/>
+                <a:ea typeface="Open Sans Regular" charset="0"/>
+                <a:cs typeface="Open Sans Regular" charset="0"/>
+              </a:rPr>
+              <a:t> график будет наоборот: скорость будет падать быстрее</a:t>
+            </a:r>
+            <a:endParaRPr lang="en-US" sz="1000" dirty="0">
+              <a:latin typeface="Open Sans Regular" charset="0"/>
+              <a:ea typeface="Open Sans Regular" charset="0"/>
+              <a:cs typeface="Open Sans Regular" charset="0"/>
+            </a:endParaRPr>
+          </a:p>
+        </p:txBody>
+      </p:sp>
+    </p:spTree>
+    <p:extLst>
+      <p:ext uri="{BB962C8B-B14F-4D97-AF65-F5344CB8AC3E}">
+        <p14:creationId xmlns:p14="http://schemas.microsoft.com/office/powerpoint/2010/main" val="463896229"/>
+      </p:ext>
+    </p:extLst>
+  </p:cSld>
+  <p:clrMapOvr>
+    <a:masterClrMapping/>
+  </p:clrMapOvr>
+  <p:timing>
+    <p:tnLst>
+      <p:par>
+        <p:cTn id="1" dur="indefinite" restart="never" nodeType="tmRoot">
+          <p:childTnLst>
+            <p:seq concurrent="1" nextAc="seek">
+              <p:cTn id="2" dur="indefinite" nodeType="mainSeq">
+                <p:childTnLst>
+                  <p:par>
+                    <p:cTn id="3" fill="hold">
+                      <p:stCondLst>
+                        <p:cond delay="indefinite"/>
+                        <p:cond evt="onBegin" delay="0">
+                          <p:tn val="2"/>
+                        </p:cond>
+                      </p:stCondLst>
+                      <p:childTnLst>
+                        <p:par>
+                          <p:cTn id="4" fill="hold">
+                            <p:stCondLst>
+                              <p:cond delay="0"/>
+                            </p:stCondLst>
+                            <p:childTnLst>
+                              <p:par>
+                                <p:cTn id="5" presetID="10" presetClass="entr" presetSubtype="0" fill="hold" grpId="0" nodeType="withEffect">
+                                  <p:stCondLst>
+                                    <p:cond delay="1950"/>
+                                  </p:stCondLst>
+                                  <p:childTnLst>
+                                    <p:set>
+                                      <p:cBhvr>
+                                        <p:cTn id="6" dur="1" fill="hold">
+                                          <p:stCondLst>
+                                            <p:cond delay="0"/>
+                                          </p:stCondLst>
+                                        </p:cTn>
+                                        <p:tgtEl>
+                                          <p:spTgt spid="5"/>
+                                        </p:tgtEl>
+                                        <p:attrNameLst>
+                                          <p:attrName>style.visibility</p:attrName>
+                                        </p:attrNameLst>
+                                      </p:cBhvr>
+                                      <p:to>
+                                        <p:strVal val="visible"/>
+                                      </p:to>
+                                    </p:set>
+                                    <p:animEffect transition="in" filter="fade">
+                                      <p:cBhvr>
+                                        <p:cTn id="7" dur="250"/>
+                                        <p:tgtEl>
+                                          <p:spTgt spid="5"/>
+                                        </p:tgtEl>
+                                      </p:cBhvr>
+                                    </p:animEffect>
+                                  </p:childTnLst>
+                                </p:cTn>
+                              </p:par>
+                            </p:childTnLst>
+                          </p:cTn>
+                        </p:par>
+                      </p:childTnLst>
+                    </p:cTn>
+                  </p:par>
+                </p:childTnLst>
+              </p:cTn>
+              <p:prevCondLst>
+                <p:cond evt="onPrev" delay="0">
+                  <p:tgtEl>
+                    <p:sldTgt/>
+                  </p:tgtEl>
+                </p:cond>
+              </p:prevCondLst>
+              <p:nextCondLst>
+                <p:cond evt="onNext" delay="0">
+                  <p:tgtEl>
+                    <p:sldTgt/>
+                  </p:tgtEl>
+                </p:cond>
+              </p:nextCondLst>
+            </p:seq>
+          </p:childTnLst>
+        </p:cTn>
+      </p:par>
+    </p:tnLst>
+    <p:bldLst>
+      <p:bldP spid="5" grpId="0"/>
+    </p:bldLst>
+  </p:timing>
+</p:sld>
+</file>
+
+<file path=ppt/slides/slide12.xml><?xml version="1.0" encoding="utf-8"?>
+<p:sld xmlns:a="http://schemas.openxmlformats.org/drawingml/2006/main" xmlns:r="http://schemas.openxmlformats.org/officeDocument/2006/relationships" xmlns:p="http://schemas.openxmlformats.org/presentationml/2006/main">
+  <p:cSld>
+    <p:spTree>
+      <p:nvGrpSpPr>
+        <p:cNvPr id="1" name=""/>
+        <p:cNvGrpSpPr/>
+        <p:nvPr/>
+      </p:nvGrpSpPr>
+      <p:grpSpPr>
+        <a:xfrm>
+          <a:off x="0" y="0"/>
+          <a:ext cx="0" cy="0"/>
+          <a:chOff x="0" y="0"/>
+          <a:chExt cx="0" cy="0"/>
+        </a:xfrm>
+      </p:grpSpPr>
+      <p:sp>
+        <p:nvSpPr>
+          <p:cNvPr id="3" name="Прямоугольник 2">
+            <a:extLst>
+              <a:ext uri="{FF2B5EF4-FFF2-40B4-BE49-F238E27FC236}">
+                <a16:creationId xmlns:a16="http://schemas.microsoft.com/office/drawing/2014/main" id="{635CBD0D-4297-436E-A95E-8C29AFE633BA}"/>
+              </a:ext>
+            </a:extLst>
+          </p:cNvPr>
+          <p:cNvSpPr/>
+          <p:nvPr/>
+        </p:nvSpPr>
+        <p:spPr>
+          <a:xfrm>
+            <a:off x="1429304" y="124287"/>
+            <a:ext cx="1447060" cy="790113"/>
+          </a:xfrm>
+          <a:prstGeom prst="rect">
+            <a:avLst/>
+          </a:prstGeom>
+          <a:solidFill>
+            <a:srgbClr val="001847"/>
+          </a:solidFill>
+          <a:ln>
+            <a:noFill/>
+          </a:ln>
+        </p:spPr>
+        <p:style>
+          <a:lnRef idx="2">
+            <a:schemeClr val="accent1">
+              <a:shade val="50000"/>
+            </a:schemeClr>
+          </a:lnRef>
+          <a:fillRef idx="1">
+            <a:schemeClr val="accent1"/>
+          </a:fillRef>
+          <a:effectRef idx="0">
+            <a:schemeClr val="accent1"/>
+          </a:effectRef>
+          <a:fontRef idx="minor">
+            <a:schemeClr val="lt1"/>
+          </a:fontRef>
+        </p:style>
+        <p:txBody>
+          <a:bodyPr rtlCol="0" anchor="ctr"/>
+          <a:lstStyle/>
+          <a:p>
+            <a:pPr algn="ctr"/>
+            <a:endParaRPr lang="ru-RU"/>
+          </a:p>
+        </p:txBody>
+      </p:sp>
+      <p:sp>
+        <p:nvSpPr>
+          <p:cNvPr id="4" name="Title 9">
+            <a:extLst>
+              <a:ext uri="{FF2B5EF4-FFF2-40B4-BE49-F238E27FC236}">
+                <a16:creationId xmlns:a16="http://schemas.microsoft.com/office/drawing/2014/main" id="{DDB8EC9A-1414-4BA5-A4F6-65911DAC4BE5}"/>
+              </a:ext>
+            </a:extLst>
+          </p:cNvPr>
+          <p:cNvSpPr txBox="1">
+            <a:spLocks/>
+          </p:cNvSpPr>
+          <p:nvPr/>
+        </p:nvSpPr>
+        <p:spPr>
+          <a:xfrm>
+            <a:off x="659537" y="262492"/>
+            <a:ext cx="4229100" cy="1621619"/>
+          </a:xfrm>
+          <a:prstGeom prst="rect">
+            <a:avLst/>
+          </a:prstGeom>
+          <a:effectLst/>
+        </p:spPr>
+        <p:txBody>
+          <a:bodyPr vert="horz" lIns="0" tIns="192024" rIns="0" bIns="0" rtlCol="0" anchor="t" anchorCtr="0">
+            <a:noAutofit/>
+          </a:bodyPr>
+          <a:lstStyle>
+            <a:lvl1pPr algn="l" defTabSz="914318" rtl="0" eaLnBrk="1" latinLnBrk="0" hangingPunct="1">
+              <a:lnSpc>
+                <a:spcPct val="75000"/>
+              </a:lnSpc>
+              <a:spcBef>
+                <a:spcPct val="0"/>
+              </a:spcBef>
+              <a:buNone/>
+              <a:defRPr sz="4400" kern="1200" spc="-151" baseline="0">
+                <a:solidFill>
+                  <a:schemeClr val="tx1"/>
+                </a:solidFill>
+                <a:latin typeface="+mj-lt"/>
+                <a:ea typeface="+mj-ea"/>
+                <a:cs typeface="+mj-cs"/>
+              </a:defRPr>
+            </a:lvl1pPr>
+          </a:lstStyle>
+          <a:p>
+            <a:r>
+              <a:rPr lang="ru-RU" dirty="0"/>
+              <a:t>Разные параметры</a:t>
+            </a:r>
+            <a:br>
+              <a:rPr lang="en-US" dirty="0"/>
+            </a:br>
+            <a:r>
+              <a:rPr lang="ru-RU" sz="2300" dirty="0"/>
+              <a:t>Параметры метода</a:t>
+            </a:r>
+          </a:p>
+        </p:txBody>
+      </p:sp>
+      <p:grpSp>
+        <p:nvGrpSpPr>
+          <p:cNvPr id="20" name="Group 36">
+            <a:extLst>
+              <a:ext uri="{FF2B5EF4-FFF2-40B4-BE49-F238E27FC236}">
+                <a16:creationId xmlns:a16="http://schemas.microsoft.com/office/drawing/2014/main" id="{99EC3789-D9C2-4D4A-B290-F3CC98C6C9DC}"/>
+              </a:ext>
+            </a:extLst>
+          </p:cNvPr>
+          <p:cNvGrpSpPr/>
+          <p:nvPr/>
+        </p:nvGrpSpPr>
+        <p:grpSpPr>
+          <a:xfrm rot="16200000">
+            <a:off x="10531574" y="2809900"/>
+            <a:ext cx="326522" cy="2966937"/>
+            <a:chOff x="6475260" y="3892789"/>
+            <a:chExt cx="326522" cy="2966937"/>
+          </a:xfrm>
+        </p:grpSpPr>
+        <p:sp>
+          <p:nvSpPr>
+            <p:cNvPr id="21" name="Freeform 21">
+              <a:extLst>
+                <a:ext uri="{FF2B5EF4-FFF2-40B4-BE49-F238E27FC236}">
+                  <a16:creationId xmlns:a16="http://schemas.microsoft.com/office/drawing/2014/main" id="{DE637C61-2886-4C63-BFD3-908AD7645DA3}"/>
+                </a:ext>
+              </a:extLst>
+            </p:cNvPr>
+            <p:cNvSpPr>
+              <a:spLocks/>
+            </p:cNvSpPr>
+            <p:nvPr/>
+          </p:nvSpPr>
+          <p:spPr bwMode="auto">
+            <a:xfrm>
+              <a:off x="6475260" y="3892789"/>
+              <a:ext cx="326522" cy="2248626"/>
+            </a:xfrm>
+            <a:custGeom>
+              <a:avLst/>
+              <a:gdLst>
+                <a:gd name="T0" fmla="*/ 291 w 291"/>
+                <a:gd name="T1" fmla="*/ 0 h 2004"/>
+                <a:gd name="T2" fmla="*/ 291 w 291"/>
+                <a:gd name="T3" fmla="*/ 2004 h 2004"/>
+                <a:gd name="T4" fmla="*/ 0 w 291"/>
+                <a:gd name="T5" fmla="*/ 2004 h 2004"/>
+                <a:gd name="T6" fmla="*/ 0 w 291"/>
+                <a:gd name="T7" fmla="*/ 291 h 2004"/>
+                <a:gd name="T8" fmla="*/ 291 w 291"/>
+                <a:gd name="T9" fmla="*/ 0 h 2004"/>
+              </a:gdLst>
+              <a:ahLst/>
+              <a:cxnLst>
+                <a:cxn ang="0">
+                  <a:pos x="T0" y="T1"/>
+                </a:cxn>
+                <a:cxn ang="0">
+                  <a:pos x="T2" y="T3"/>
+                </a:cxn>
+                <a:cxn ang="0">
+                  <a:pos x="T4" y="T5"/>
+                </a:cxn>
+                <a:cxn ang="0">
+                  <a:pos x="T6" y="T7"/>
+                </a:cxn>
+                <a:cxn ang="0">
+                  <a:pos x="T8" y="T9"/>
+                </a:cxn>
+              </a:cxnLst>
+              <a:rect l="0" t="0" r="r" b="b"/>
+              <a:pathLst>
+                <a:path w="291" h="2004">
+                  <a:moveTo>
+                    <a:pt x="291" y="0"/>
+                  </a:moveTo>
+                  <a:lnTo>
+                    <a:pt x="291" y="2004"/>
+                  </a:lnTo>
+                  <a:lnTo>
+                    <a:pt x="0" y="2004"/>
+                  </a:lnTo>
+                  <a:lnTo>
+                    <a:pt x="0" y="291"/>
+                  </a:lnTo>
+                  <a:lnTo>
+                    <a:pt x="291" y="0"/>
+                  </a:lnTo>
+                  <a:close/>
+                </a:path>
+              </a:pathLst>
+            </a:custGeom>
+            <a:solidFill>
+              <a:schemeClr val="accent3">
+                <a:lumMod val="75000"/>
+              </a:schemeClr>
+            </a:solidFill>
+            <a:ln>
+              <a:noFill/>
+            </a:ln>
+          </p:spPr>
+          <p:txBody>
+            <a:bodyPr vert="horz" wrap="square" lIns="91440" tIns="45720" rIns="91440" bIns="45720" numCol="1" anchor="t" anchorCtr="0" compatLnSpc="1">
+              <a:prstTxWarp prst="textNoShape">
+                <a:avLst/>
+              </a:prstTxWarp>
+            </a:bodyPr>
+            <a:lstStyle/>
+            <a:p>
+              <a:endParaRPr lang="en-US" dirty="0">
+                <a:latin typeface="Source Sans Pro" charset="0"/>
+              </a:endParaRPr>
+            </a:p>
+          </p:txBody>
+        </p:sp>
+        <p:sp>
+          <p:nvSpPr>
+            <p:cNvPr id="22" name="Freeform 21">
+              <a:extLst>
+                <a:ext uri="{FF2B5EF4-FFF2-40B4-BE49-F238E27FC236}">
+                  <a16:creationId xmlns:a16="http://schemas.microsoft.com/office/drawing/2014/main" id="{DCA9B42A-2BE3-4F35-9503-328D124406EE}"/>
+                </a:ext>
+              </a:extLst>
+            </p:cNvPr>
+            <p:cNvSpPr>
+              <a:spLocks/>
+            </p:cNvSpPr>
+            <p:nvPr/>
+          </p:nvSpPr>
+          <p:spPr bwMode="auto">
+            <a:xfrm>
+              <a:off x="6475260" y="4611100"/>
+              <a:ext cx="326522" cy="2248626"/>
+            </a:xfrm>
+            <a:custGeom>
+              <a:avLst/>
+              <a:gdLst>
+                <a:gd name="T0" fmla="*/ 291 w 291"/>
+                <a:gd name="T1" fmla="*/ 0 h 2004"/>
+                <a:gd name="T2" fmla="*/ 291 w 291"/>
+                <a:gd name="T3" fmla="*/ 2004 h 2004"/>
+                <a:gd name="T4" fmla="*/ 0 w 291"/>
+                <a:gd name="T5" fmla="*/ 2004 h 2004"/>
+                <a:gd name="T6" fmla="*/ 0 w 291"/>
+                <a:gd name="T7" fmla="*/ 291 h 2004"/>
+                <a:gd name="T8" fmla="*/ 291 w 291"/>
+                <a:gd name="T9" fmla="*/ 0 h 2004"/>
+              </a:gdLst>
+              <a:ahLst/>
+              <a:cxnLst>
+                <a:cxn ang="0">
+                  <a:pos x="T0" y="T1"/>
+                </a:cxn>
+                <a:cxn ang="0">
+                  <a:pos x="T2" y="T3"/>
+                </a:cxn>
+                <a:cxn ang="0">
+                  <a:pos x="T4" y="T5"/>
+                </a:cxn>
+                <a:cxn ang="0">
+                  <a:pos x="T6" y="T7"/>
+                </a:cxn>
+                <a:cxn ang="0">
+                  <a:pos x="T8" y="T9"/>
+                </a:cxn>
+              </a:cxnLst>
+              <a:rect l="0" t="0" r="r" b="b"/>
+              <a:pathLst>
+                <a:path w="291" h="2004">
+                  <a:moveTo>
+                    <a:pt x="291" y="0"/>
+                  </a:moveTo>
+                  <a:lnTo>
+                    <a:pt x="291" y="2004"/>
+                  </a:lnTo>
+                  <a:lnTo>
+                    <a:pt x="0" y="2004"/>
+                  </a:lnTo>
+                  <a:lnTo>
+                    <a:pt x="0" y="291"/>
+                  </a:lnTo>
+                  <a:lnTo>
+                    <a:pt x="291" y="0"/>
+                  </a:lnTo>
+                  <a:close/>
+                </a:path>
+              </a:pathLst>
+            </a:custGeom>
+            <a:solidFill>
+              <a:schemeClr val="accent3">
+                <a:lumMod val="75000"/>
+              </a:schemeClr>
+            </a:solidFill>
+            <a:ln>
+              <a:noFill/>
+            </a:ln>
+          </p:spPr>
+          <p:txBody>
+            <a:bodyPr vert="horz" wrap="square" lIns="91440" tIns="45720" rIns="91440" bIns="45720" numCol="1" anchor="t" anchorCtr="0" compatLnSpc="1">
+              <a:prstTxWarp prst="textNoShape">
+                <a:avLst/>
+              </a:prstTxWarp>
+            </a:bodyPr>
+            <a:lstStyle/>
+            <a:p>
+              <a:endParaRPr lang="en-US" dirty="0">
+                <a:latin typeface="Source Sans Pro" charset="0"/>
+              </a:endParaRPr>
+            </a:p>
+          </p:txBody>
+        </p:sp>
+      </p:grpSp>
+      <p:grpSp>
+        <p:nvGrpSpPr>
+          <p:cNvPr id="23" name="Group 35">
+            <a:extLst>
+              <a:ext uri="{FF2B5EF4-FFF2-40B4-BE49-F238E27FC236}">
+                <a16:creationId xmlns:a16="http://schemas.microsoft.com/office/drawing/2014/main" id="{FCB8527C-2B53-4171-B878-66E158ED5C34}"/>
+              </a:ext>
+            </a:extLst>
+          </p:cNvPr>
+          <p:cNvGrpSpPr/>
+          <p:nvPr/>
+        </p:nvGrpSpPr>
+        <p:grpSpPr>
+          <a:xfrm rot="16200000">
+            <a:off x="8841307" y="3611671"/>
+            <a:ext cx="1049135" cy="642946"/>
+            <a:chOff x="6475260" y="3725824"/>
+            <a:chExt cx="1049135" cy="642946"/>
+          </a:xfrm>
+        </p:grpSpPr>
+        <p:sp>
+          <p:nvSpPr>
+            <p:cNvPr id="24" name="Freeform 23">
+              <a:extLst>
+                <a:ext uri="{FF2B5EF4-FFF2-40B4-BE49-F238E27FC236}">
+                  <a16:creationId xmlns:a16="http://schemas.microsoft.com/office/drawing/2014/main" id="{EC71EBA3-DB79-4F33-869D-76C39B6F8B6A}"/>
+                </a:ext>
+              </a:extLst>
+            </p:cNvPr>
+            <p:cNvSpPr>
+              <a:spLocks/>
+            </p:cNvSpPr>
+            <p:nvPr/>
+          </p:nvSpPr>
+          <p:spPr bwMode="auto">
+            <a:xfrm>
+              <a:off x="6475260" y="3892789"/>
+              <a:ext cx="732711" cy="326522"/>
+            </a:xfrm>
+            <a:custGeom>
+              <a:avLst/>
+              <a:gdLst>
+                <a:gd name="T0" fmla="*/ 653 w 653"/>
+                <a:gd name="T1" fmla="*/ 291 h 291"/>
+                <a:gd name="T2" fmla="*/ 0 w 653"/>
+                <a:gd name="T3" fmla="*/ 291 h 291"/>
+                <a:gd name="T4" fmla="*/ 291 w 653"/>
+                <a:gd name="T5" fmla="*/ 0 h 291"/>
+                <a:gd name="T6" fmla="*/ 653 w 653"/>
+                <a:gd name="T7" fmla="*/ 0 h 291"/>
+                <a:gd name="T8" fmla="*/ 653 w 653"/>
+                <a:gd name="T9" fmla="*/ 291 h 291"/>
+              </a:gdLst>
+              <a:ahLst/>
+              <a:cxnLst>
+                <a:cxn ang="0">
+                  <a:pos x="T0" y="T1"/>
+                </a:cxn>
+                <a:cxn ang="0">
+                  <a:pos x="T2" y="T3"/>
+                </a:cxn>
+                <a:cxn ang="0">
+                  <a:pos x="T4" y="T5"/>
+                </a:cxn>
+                <a:cxn ang="0">
+                  <a:pos x="T6" y="T7"/>
+                </a:cxn>
+                <a:cxn ang="0">
+                  <a:pos x="T8" y="T9"/>
+                </a:cxn>
+              </a:cxnLst>
+              <a:rect l="0" t="0" r="r" b="b"/>
+              <a:pathLst>
+                <a:path w="653" h="291">
+                  <a:moveTo>
+                    <a:pt x="653" y="291"/>
+                  </a:moveTo>
+                  <a:lnTo>
+                    <a:pt x="0" y="291"/>
+                  </a:lnTo>
+                  <a:lnTo>
+                    <a:pt x="291" y="0"/>
+                  </a:lnTo>
+                  <a:lnTo>
+                    <a:pt x="653" y="0"/>
+                  </a:lnTo>
+                  <a:lnTo>
+                    <a:pt x="653" y="291"/>
+                  </a:lnTo>
+                  <a:close/>
+                </a:path>
+              </a:pathLst>
+            </a:custGeom>
+            <a:solidFill>
+              <a:schemeClr val="accent3"/>
+            </a:solidFill>
+            <a:ln>
+              <a:noFill/>
+            </a:ln>
+          </p:spPr>
+          <p:txBody>
+            <a:bodyPr vert="horz" wrap="square" lIns="91440" tIns="45720" rIns="91440" bIns="45720" numCol="1" anchor="t" anchorCtr="0" compatLnSpc="1">
+              <a:prstTxWarp prst="textNoShape">
+                <a:avLst/>
+              </a:prstTxWarp>
+            </a:bodyPr>
+            <a:lstStyle/>
+            <a:p>
+              <a:endParaRPr lang="en-US" dirty="0">
+                <a:latin typeface="Source Sans Pro" charset="0"/>
+              </a:endParaRPr>
+            </a:p>
+          </p:txBody>
+        </p:sp>
+        <p:sp>
+          <p:nvSpPr>
+            <p:cNvPr id="25" name="Freeform 25">
+              <a:extLst>
+                <a:ext uri="{FF2B5EF4-FFF2-40B4-BE49-F238E27FC236}">
+                  <a16:creationId xmlns:a16="http://schemas.microsoft.com/office/drawing/2014/main" id="{89DA3F09-D894-4AFE-9AAF-750CDF716B3C}"/>
+                </a:ext>
+              </a:extLst>
+            </p:cNvPr>
+            <p:cNvSpPr>
+              <a:spLocks/>
+            </p:cNvSpPr>
+            <p:nvPr/>
+          </p:nvSpPr>
+          <p:spPr bwMode="auto">
+            <a:xfrm>
+              <a:off x="7172065" y="3725824"/>
+              <a:ext cx="352330" cy="642946"/>
+            </a:xfrm>
+            <a:custGeom>
+              <a:avLst/>
+              <a:gdLst>
+                <a:gd name="T0" fmla="*/ 314 w 314"/>
+                <a:gd name="T1" fmla="*/ 286 h 573"/>
+                <a:gd name="T2" fmla="*/ 0 w 314"/>
+                <a:gd name="T3" fmla="*/ 0 h 573"/>
+                <a:gd name="T4" fmla="*/ 0 w 314"/>
+                <a:gd name="T5" fmla="*/ 286 h 573"/>
+                <a:gd name="T6" fmla="*/ 0 w 314"/>
+                <a:gd name="T7" fmla="*/ 573 h 573"/>
+                <a:gd name="T8" fmla="*/ 314 w 314"/>
+                <a:gd name="T9" fmla="*/ 286 h 573"/>
+              </a:gdLst>
+              <a:ahLst/>
+              <a:cxnLst>
+                <a:cxn ang="0">
+                  <a:pos x="T0" y="T1"/>
+                </a:cxn>
+                <a:cxn ang="0">
+                  <a:pos x="T2" y="T3"/>
+                </a:cxn>
+                <a:cxn ang="0">
+                  <a:pos x="T4" y="T5"/>
+                </a:cxn>
+                <a:cxn ang="0">
+                  <a:pos x="T6" y="T7"/>
+                </a:cxn>
+                <a:cxn ang="0">
+                  <a:pos x="T8" y="T9"/>
+                </a:cxn>
+              </a:cxnLst>
+              <a:rect l="0" t="0" r="r" b="b"/>
+              <a:pathLst>
+                <a:path w="314" h="573">
+                  <a:moveTo>
+                    <a:pt x="314" y="286"/>
+                  </a:moveTo>
+                  <a:lnTo>
+                    <a:pt x="0" y="0"/>
+                  </a:lnTo>
+                  <a:lnTo>
+                    <a:pt x="0" y="286"/>
+                  </a:lnTo>
+                  <a:lnTo>
+                    <a:pt x="0" y="573"/>
+                  </a:lnTo>
+                  <a:lnTo>
+                    <a:pt x="314" y="286"/>
+                  </a:lnTo>
+                  <a:close/>
+                </a:path>
+              </a:pathLst>
+            </a:custGeom>
+            <a:solidFill>
+              <a:schemeClr val="accent3"/>
+            </a:solidFill>
+            <a:ln>
+              <a:noFill/>
+            </a:ln>
+          </p:spPr>
+          <p:txBody>
+            <a:bodyPr vert="horz" wrap="square" lIns="91440" tIns="45720" rIns="91440" bIns="45720" numCol="1" anchor="t" anchorCtr="0" compatLnSpc="1">
+              <a:prstTxWarp prst="textNoShape">
+                <a:avLst/>
+              </a:prstTxWarp>
+            </a:bodyPr>
+            <a:lstStyle/>
+            <a:p>
+              <a:endParaRPr lang="en-US" dirty="0">
+                <a:latin typeface="Source Sans Pro" charset="0"/>
+              </a:endParaRPr>
+            </a:p>
+          </p:txBody>
+        </p:sp>
+      </p:grpSp>
+      <p:grpSp>
+        <p:nvGrpSpPr>
+          <p:cNvPr id="28" name="Group 36">
+            <a:extLst>
+              <a:ext uri="{FF2B5EF4-FFF2-40B4-BE49-F238E27FC236}">
+                <a16:creationId xmlns:a16="http://schemas.microsoft.com/office/drawing/2014/main" id="{AE8A841B-4C38-4297-A2C5-9E13A7DC21A0}"/>
+              </a:ext>
+            </a:extLst>
+          </p:cNvPr>
+          <p:cNvGrpSpPr/>
+          <p:nvPr/>
+        </p:nvGrpSpPr>
+        <p:grpSpPr>
+          <a:xfrm rot="5400000">
+            <a:off x="1316149" y="2041903"/>
+            <a:ext cx="326522" cy="2966937"/>
+            <a:chOff x="6475260" y="3892789"/>
+            <a:chExt cx="326522" cy="2966937"/>
+          </a:xfrm>
+        </p:grpSpPr>
+        <p:sp>
+          <p:nvSpPr>
+            <p:cNvPr id="29" name="Freeform 21">
+              <a:extLst>
+                <a:ext uri="{FF2B5EF4-FFF2-40B4-BE49-F238E27FC236}">
+                  <a16:creationId xmlns:a16="http://schemas.microsoft.com/office/drawing/2014/main" id="{21528029-2A42-4C1B-8C8D-0C19F2EA80BE}"/>
+                </a:ext>
+              </a:extLst>
+            </p:cNvPr>
+            <p:cNvSpPr>
+              <a:spLocks/>
+            </p:cNvSpPr>
+            <p:nvPr/>
+          </p:nvSpPr>
+          <p:spPr bwMode="auto">
+            <a:xfrm>
+              <a:off x="6475260" y="3892789"/>
+              <a:ext cx="326522" cy="2248626"/>
+            </a:xfrm>
+            <a:custGeom>
+              <a:avLst/>
+              <a:gdLst>
+                <a:gd name="T0" fmla="*/ 291 w 291"/>
+                <a:gd name="T1" fmla="*/ 0 h 2004"/>
+                <a:gd name="T2" fmla="*/ 291 w 291"/>
+                <a:gd name="T3" fmla="*/ 2004 h 2004"/>
+                <a:gd name="T4" fmla="*/ 0 w 291"/>
+                <a:gd name="T5" fmla="*/ 2004 h 2004"/>
+                <a:gd name="T6" fmla="*/ 0 w 291"/>
+                <a:gd name="T7" fmla="*/ 291 h 2004"/>
+                <a:gd name="T8" fmla="*/ 291 w 291"/>
+                <a:gd name="T9" fmla="*/ 0 h 2004"/>
+              </a:gdLst>
+              <a:ahLst/>
+              <a:cxnLst>
+                <a:cxn ang="0">
+                  <a:pos x="T0" y="T1"/>
+                </a:cxn>
+                <a:cxn ang="0">
+                  <a:pos x="T2" y="T3"/>
+                </a:cxn>
+                <a:cxn ang="0">
+                  <a:pos x="T4" y="T5"/>
+                </a:cxn>
+                <a:cxn ang="0">
+                  <a:pos x="T6" y="T7"/>
+                </a:cxn>
+                <a:cxn ang="0">
+                  <a:pos x="T8" y="T9"/>
+                </a:cxn>
+              </a:cxnLst>
+              <a:rect l="0" t="0" r="r" b="b"/>
+              <a:pathLst>
+                <a:path w="291" h="2004">
+                  <a:moveTo>
+                    <a:pt x="291" y="0"/>
+                  </a:moveTo>
+                  <a:lnTo>
+                    <a:pt x="291" y="2004"/>
+                  </a:lnTo>
+                  <a:lnTo>
+                    <a:pt x="0" y="2004"/>
+                  </a:lnTo>
+                  <a:lnTo>
+                    <a:pt x="0" y="291"/>
+                  </a:lnTo>
+                  <a:lnTo>
+                    <a:pt x="291" y="0"/>
+                  </a:lnTo>
+                  <a:close/>
+                </a:path>
+              </a:pathLst>
+            </a:custGeom>
+            <a:solidFill>
+              <a:schemeClr val="accent3">
+                <a:lumMod val="75000"/>
+              </a:schemeClr>
+            </a:solidFill>
+            <a:ln>
+              <a:noFill/>
+            </a:ln>
+          </p:spPr>
+          <p:txBody>
+            <a:bodyPr vert="horz" wrap="square" lIns="91440" tIns="45720" rIns="91440" bIns="45720" numCol="1" anchor="t" anchorCtr="0" compatLnSpc="1">
+              <a:prstTxWarp prst="textNoShape">
+                <a:avLst/>
+              </a:prstTxWarp>
+            </a:bodyPr>
+            <a:lstStyle/>
+            <a:p>
+              <a:endParaRPr lang="en-US" dirty="0">
+                <a:latin typeface="Source Sans Pro" charset="0"/>
+              </a:endParaRPr>
+            </a:p>
+          </p:txBody>
+        </p:sp>
+        <p:sp>
+          <p:nvSpPr>
+            <p:cNvPr id="30" name="Freeform 21">
+              <a:extLst>
+                <a:ext uri="{FF2B5EF4-FFF2-40B4-BE49-F238E27FC236}">
+                  <a16:creationId xmlns:a16="http://schemas.microsoft.com/office/drawing/2014/main" id="{A08A268C-A2E9-49E3-BA43-0A108A05588B}"/>
+                </a:ext>
+              </a:extLst>
+            </p:cNvPr>
+            <p:cNvSpPr>
+              <a:spLocks/>
+            </p:cNvSpPr>
+            <p:nvPr/>
+          </p:nvSpPr>
+          <p:spPr bwMode="auto">
+            <a:xfrm>
+              <a:off x="6475260" y="4611100"/>
+              <a:ext cx="326522" cy="2248626"/>
+            </a:xfrm>
+            <a:custGeom>
+              <a:avLst/>
+              <a:gdLst>
+                <a:gd name="T0" fmla="*/ 291 w 291"/>
+                <a:gd name="T1" fmla="*/ 0 h 2004"/>
+                <a:gd name="T2" fmla="*/ 291 w 291"/>
+                <a:gd name="T3" fmla="*/ 2004 h 2004"/>
+                <a:gd name="T4" fmla="*/ 0 w 291"/>
+                <a:gd name="T5" fmla="*/ 2004 h 2004"/>
+                <a:gd name="T6" fmla="*/ 0 w 291"/>
+                <a:gd name="T7" fmla="*/ 291 h 2004"/>
+                <a:gd name="T8" fmla="*/ 291 w 291"/>
+                <a:gd name="T9" fmla="*/ 0 h 2004"/>
+              </a:gdLst>
+              <a:ahLst/>
+              <a:cxnLst>
+                <a:cxn ang="0">
+                  <a:pos x="T0" y="T1"/>
+                </a:cxn>
+                <a:cxn ang="0">
+                  <a:pos x="T2" y="T3"/>
+                </a:cxn>
+                <a:cxn ang="0">
+                  <a:pos x="T4" y="T5"/>
+                </a:cxn>
+                <a:cxn ang="0">
+                  <a:pos x="T6" y="T7"/>
+                </a:cxn>
+                <a:cxn ang="0">
+                  <a:pos x="T8" y="T9"/>
+                </a:cxn>
+              </a:cxnLst>
+              <a:rect l="0" t="0" r="r" b="b"/>
+              <a:pathLst>
+                <a:path w="291" h="2004">
+                  <a:moveTo>
+                    <a:pt x="291" y="0"/>
+                  </a:moveTo>
+                  <a:lnTo>
+                    <a:pt x="291" y="2004"/>
+                  </a:lnTo>
+                  <a:lnTo>
+                    <a:pt x="0" y="2004"/>
+                  </a:lnTo>
+                  <a:lnTo>
+                    <a:pt x="0" y="291"/>
+                  </a:lnTo>
+                  <a:lnTo>
+                    <a:pt x="291" y="0"/>
+                  </a:lnTo>
+                  <a:close/>
+                </a:path>
+              </a:pathLst>
+            </a:custGeom>
+            <a:solidFill>
+              <a:schemeClr val="accent3">
+                <a:lumMod val="75000"/>
+              </a:schemeClr>
+            </a:solidFill>
+            <a:ln>
+              <a:noFill/>
+            </a:ln>
+          </p:spPr>
+          <p:txBody>
+            <a:bodyPr vert="horz" wrap="square" lIns="91440" tIns="45720" rIns="91440" bIns="45720" numCol="1" anchor="t" anchorCtr="0" compatLnSpc="1">
+              <a:prstTxWarp prst="textNoShape">
+                <a:avLst/>
+              </a:prstTxWarp>
+            </a:bodyPr>
+            <a:lstStyle/>
+            <a:p>
+              <a:endParaRPr lang="en-US" dirty="0">
+                <a:latin typeface="Source Sans Pro" charset="0"/>
+              </a:endParaRPr>
+            </a:p>
+          </p:txBody>
+        </p:sp>
+      </p:grpSp>
+      <p:grpSp>
+        <p:nvGrpSpPr>
+          <p:cNvPr id="31" name="Group 35">
+            <a:extLst>
+              <a:ext uri="{FF2B5EF4-FFF2-40B4-BE49-F238E27FC236}">
+                <a16:creationId xmlns:a16="http://schemas.microsoft.com/office/drawing/2014/main" id="{0FF78407-6A41-4224-AB4C-8A2CCDE53CB2}"/>
+              </a:ext>
+            </a:extLst>
+          </p:cNvPr>
+          <p:cNvGrpSpPr/>
+          <p:nvPr/>
+        </p:nvGrpSpPr>
+        <p:grpSpPr>
+          <a:xfrm rot="5400000">
+            <a:off x="2292681" y="3564319"/>
+            <a:ext cx="1049135" cy="642946"/>
+            <a:chOff x="6475260" y="3725824"/>
+            <a:chExt cx="1049135" cy="642946"/>
+          </a:xfrm>
+        </p:grpSpPr>
+        <p:sp>
+          <p:nvSpPr>
+            <p:cNvPr id="32" name="Freeform 23">
+              <a:extLst>
+                <a:ext uri="{FF2B5EF4-FFF2-40B4-BE49-F238E27FC236}">
+                  <a16:creationId xmlns:a16="http://schemas.microsoft.com/office/drawing/2014/main" id="{3B54B0E0-72E4-4A8D-92A7-A8477EABDFDC}"/>
+                </a:ext>
+              </a:extLst>
+            </p:cNvPr>
+            <p:cNvSpPr>
+              <a:spLocks/>
+            </p:cNvSpPr>
+            <p:nvPr/>
+          </p:nvSpPr>
+          <p:spPr bwMode="auto">
+            <a:xfrm>
+              <a:off x="6475260" y="3892789"/>
+              <a:ext cx="732711" cy="326522"/>
+            </a:xfrm>
+            <a:custGeom>
+              <a:avLst/>
+              <a:gdLst>
+                <a:gd name="T0" fmla="*/ 653 w 653"/>
+                <a:gd name="T1" fmla="*/ 291 h 291"/>
+                <a:gd name="T2" fmla="*/ 0 w 653"/>
+                <a:gd name="T3" fmla="*/ 291 h 291"/>
+                <a:gd name="T4" fmla="*/ 291 w 653"/>
+                <a:gd name="T5" fmla="*/ 0 h 291"/>
+                <a:gd name="T6" fmla="*/ 653 w 653"/>
+                <a:gd name="T7" fmla="*/ 0 h 291"/>
+                <a:gd name="T8" fmla="*/ 653 w 653"/>
+                <a:gd name="T9" fmla="*/ 291 h 291"/>
+              </a:gdLst>
+              <a:ahLst/>
+              <a:cxnLst>
+                <a:cxn ang="0">
+                  <a:pos x="T0" y="T1"/>
+                </a:cxn>
+                <a:cxn ang="0">
+                  <a:pos x="T2" y="T3"/>
+                </a:cxn>
+                <a:cxn ang="0">
+                  <a:pos x="T4" y="T5"/>
+                </a:cxn>
+                <a:cxn ang="0">
+                  <a:pos x="T6" y="T7"/>
+                </a:cxn>
+                <a:cxn ang="0">
+                  <a:pos x="T8" y="T9"/>
+                </a:cxn>
+              </a:cxnLst>
+              <a:rect l="0" t="0" r="r" b="b"/>
+              <a:pathLst>
+                <a:path w="653" h="291">
+                  <a:moveTo>
+                    <a:pt x="653" y="291"/>
+                  </a:moveTo>
+                  <a:lnTo>
+                    <a:pt x="0" y="291"/>
+                  </a:lnTo>
+                  <a:lnTo>
+                    <a:pt x="291" y="0"/>
+                  </a:lnTo>
+                  <a:lnTo>
+                    <a:pt x="653" y="0"/>
+                  </a:lnTo>
+                  <a:lnTo>
+                    <a:pt x="653" y="291"/>
+                  </a:lnTo>
+                  <a:close/>
+                </a:path>
+              </a:pathLst>
+            </a:custGeom>
+            <a:solidFill>
+              <a:schemeClr val="accent3"/>
+            </a:solidFill>
+            <a:ln>
+              <a:noFill/>
+            </a:ln>
+          </p:spPr>
+          <p:txBody>
+            <a:bodyPr vert="horz" wrap="square" lIns="91440" tIns="45720" rIns="91440" bIns="45720" numCol="1" anchor="t" anchorCtr="0" compatLnSpc="1">
+              <a:prstTxWarp prst="textNoShape">
+                <a:avLst/>
+              </a:prstTxWarp>
+            </a:bodyPr>
+            <a:lstStyle/>
+            <a:p>
+              <a:endParaRPr lang="en-US" dirty="0">
+                <a:latin typeface="Source Sans Pro" charset="0"/>
+              </a:endParaRPr>
+            </a:p>
+          </p:txBody>
+        </p:sp>
+        <p:sp>
+          <p:nvSpPr>
+            <p:cNvPr id="33" name="Freeform 25">
+              <a:extLst>
+                <a:ext uri="{FF2B5EF4-FFF2-40B4-BE49-F238E27FC236}">
+                  <a16:creationId xmlns:a16="http://schemas.microsoft.com/office/drawing/2014/main" id="{0A25CFB2-CE59-40E7-B02A-673B5C59D1A2}"/>
+                </a:ext>
+              </a:extLst>
+            </p:cNvPr>
+            <p:cNvSpPr>
+              <a:spLocks/>
+            </p:cNvSpPr>
+            <p:nvPr/>
+          </p:nvSpPr>
+          <p:spPr bwMode="auto">
+            <a:xfrm>
+              <a:off x="7172065" y="3725824"/>
+              <a:ext cx="352330" cy="642946"/>
+            </a:xfrm>
+            <a:custGeom>
+              <a:avLst/>
+              <a:gdLst>
+                <a:gd name="T0" fmla="*/ 314 w 314"/>
+                <a:gd name="T1" fmla="*/ 286 h 573"/>
+                <a:gd name="T2" fmla="*/ 0 w 314"/>
+                <a:gd name="T3" fmla="*/ 0 h 573"/>
+                <a:gd name="T4" fmla="*/ 0 w 314"/>
+                <a:gd name="T5" fmla="*/ 286 h 573"/>
+                <a:gd name="T6" fmla="*/ 0 w 314"/>
+                <a:gd name="T7" fmla="*/ 573 h 573"/>
+                <a:gd name="T8" fmla="*/ 314 w 314"/>
+                <a:gd name="T9" fmla="*/ 286 h 573"/>
+              </a:gdLst>
+              <a:ahLst/>
+              <a:cxnLst>
+                <a:cxn ang="0">
+                  <a:pos x="T0" y="T1"/>
+                </a:cxn>
+                <a:cxn ang="0">
+                  <a:pos x="T2" y="T3"/>
+                </a:cxn>
+                <a:cxn ang="0">
+                  <a:pos x="T4" y="T5"/>
+                </a:cxn>
+                <a:cxn ang="0">
+                  <a:pos x="T6" y="T7"/>
+                </a:cxn>
+                <a:cxn ang="0">
+                  <a:pos x="T8" y="T9"/>
+                </a:cxn>
+              </a:cxnLst>
+              <a:rect l="0" t="0" r="r" b="b"/>
+              <a:pathLst>
+                <a:path w="314" h="573">
+                  <a:moveTo>
+                    <a:pt x="314" y="286"/>
+                  </a:moveTo>
+                  <a:lnTo>
+                    <a:pt x="0" y="0"/>
+                  </a:lnTo>
+                  <a:lnTo>
+                    <a:pt x="0" y="286"/>
+                  </a:lnTo>
+                  <a:lnTo>
+                    <a:pt x="0" y="573"/>
+                  </a:lnTo>
+                  <a:lnTo>
+                    <a:pt x="314" y="286"/>
+                  </a:lnTo>
+                  <a:close/>
+                </a:path>
+              </a:pathLst>
+            </a:custGeom>
+            <a:solidFill>
+              <a:schemeClr val="accent3"/>
+            </a:solidFill>
+            <a:ln>
+              <a:noFill/>
+            </a:ln>
+          </p:spPr>
+          <p:txBody>
+            <a:bodyPr vert="horz" wrap="square" lIns="91440" tIns="45720" rIns="91440" bIns="45720" numCol="1" anchor="t" anchorCtr="0" compatLnSpc="1">
+              <a:prstTxWarp prst="textNoShape">
+                <a:avLst/>
+              </a:prstTxWarp>
+            </a:bodyPr>
+            <a:lstStyle/>
+            <a:p>
+              <a:endParaRPr lang="en-US" dirty="0">
+                <a:latin typeface="Source Sans Pro" charset="0"/>
+              </a:endParaRPr>
+            </a:p>
+          </p:txBody>
+        </p:sp>
+      </p:grpSp>
+      <p:sp>
+        <p:nvSpPr>
+          <p:cNvPr id="36" name="Rectangle 18">
+            <a:extLst>
+              <a:ext uri="{FF2B5EF4-FFF2-40B4-BE49-F238E27FC236}">
+                <a16:creationId xmlns:a16="http://schemas.microsoft.com/office/drawing/2014/main" id="{192A5121-9FB1-4B46-8BC5-368F8070CCE6}"/>
+              </a:ext>
+            </a:extLst>
+          </p:cNvPr>
+          <p:cNvSpPr/>
+          <p:nvPr/>
+        </p:nvSpPr>
+        <p:spPr>
+          <a:xfrm>
+            <a:off x="9687348" y="4803046"/>
+            <a:ext cx="2235200" cy="869277"/>
+          </a:xfrm>
+          <a:prstGeom prst="rect">
+            <a:avLst/>
+          </a:prstGeom>
+        </p:spPr>
+        <p:txBody>
+          <a:bodyPr wrap="square" lIns="121920" rIns="121920" bIns="60960">
+            <a:spAutoFit/>
+          </a:bodyPr>
+          <a:lstStyle/>
+          <a:p>
+            <a:pPr algn="r">
+              <a:lnSpc>
+                <a:spcPct val="120000"/>
+              </a:lnSpc>
+              <a:spcBef>
+                <a:spcPts val="600"/>
+              </a:spcBef>
+            </a:pPr>
+            <a:r>
+              <a:rPr lang="ru-RU" sz="1400" b="1" spc="200" dirty="0">
+                <a:latin typeface="Open Sans Semibold" charset="0"/>
+                <a:ea typeface="Open Sans Semibold" charset="0"/>
+                <a:cs typeface="Open Sans Semibold" charset="0"/>
+              </a:rPr>
+              <a:t>При начальных значениях</a:t>
+            </a:r>
+            <a:endParaRPr lang="en-US" sz="1400" b="1" spc="200" dirty="0">
+              <a:latin typeface="Open Sans Semibold" charset="0"/>
+              <a:ea typeface="Open Sans Semibold" charset="0"/>
+              <a:cs typeface="Open Sans Semibold" charset="0"/>
+            </a:endParaRPr>
+          </a:p>
+          <a:p>
+            <a:pPr algn="r">
+              <a:lnSpc>
+                <a:spcPct val="120000"/>
+              </a:lnSpc>
+              <a:spcBef>
+                <a:spcPts val="600"/>
+              </a:spcBef>
+            </a:pPr>
+            <a:r>
+              <a:rPr lang="en-US" sz="1000" dirty="0">
+                <a:latin typeface="Open Sans Regular" charset="0"/>
+                <a:ea typeface="Open Sans Regular" charset="0"/>
+                <a:cs typeface="Open Sans Regular" charset="0"/>
+              </a:rPr>
+              <a:t>h = 2</a:t>
+            </a:r>
+          </a:p>
+        </p:txBody>
+      </p:sp>
+      <p:sp>
+        <p:nvSpPr>
+          <p:cNvPr id="37" name="Rectangle 18">
+            <a:extLst>
+              <a:ext uri="{FF2B5EF4-FFF2-40B4-BE49-F238E27FC236}">
+                <a16:creationId xmlns:a16="http://schemas.microsoft.com/office/drawing/2014/main" id="{3543802B-7026-4E80-906D-30889325DF71}"/>
+              </a:ext>
+            </a:extLst>
+          </p:cNvPr>
+          <p:cNvSpPr/>
+          <p:nvPr/>
+        </p:nvSpPr>
+        <p:spPr>
+          <a:xfrm>
+            <a:off x="539775" y="1652303"/>
+            <a:ext cx="2235200" cy="869277"/>
+          </a:xfrm>
+          <a:prstGeom prst="rect">
+            <a:avLst/>
+          </a:prstGeom>
+        </p:spPr>
+        <p:txBody>
+          <a:bodyPr wrap="square" lIns="121920" rIns="121920" bIns="60960">
+            <a:spAutoFit/>
+          </a:bodyPr>
+          <a:lstStyle/>
+          <a:p>
+            <a:pPr>
+              <a:lnSpc>
+                <a:spcPct val="120000"/>
+              </a:lnSpc>
+              <a:spcBef>
+                <a:spcPts val="600"/>
+              </a:spcBef>
+            </a:pPr>
+            <a:r>
+              <a:rPr lang="ru-RU" sz="1400" b="1" spc="200" dirty="0">
+                <a:latin typeface="Open Sans Semibold" charset="0"/>
+                <a:ea typeface="Open Sans Semibold" charset="0"/>
+                <a:cs typeface="Open Sans Semibold" charset="0"/>
+              </a:rPr>
+              <a:t>При начальных значениях</a:t>
+            </a:r>
+            <a:endParaRPr lang="en-US" sz="1400" b="1" spc="200" dirty="0">
+              <a:latin typeface="Open Sans Semibold" charset="0"/>
+              <a:ea typeface="Open Sans Semibold" charset="0"/>
+              <a:cs typeface="Open Sans Semibold" charset="0"/>
+            </a:endParaRPr>
+          </a:p>
+          <a:p>
+            <a:pPr>
+              <a:lnSpc>
+                <a:spcPct val="120000"/>
+              </a:lnSpc>
+              <a:spcBef>
+                <a:spcPts val="600"/>
+              </a:spcBef>
+            </a:pPr>
+            <a:r>
+              <a:rPr lang="en-US" sz="1000" dirty="0">
+                <a:latin typeface="Open Sans Regular" charset="0"/>
+                <a:ea typeface="Open Sans Regular" charset="0"/>
+                <a:cs typeface="Open Sans Regular" charset="0"/>
+              </a:rPr>
+              <a:t>h = 1e-20</a:t>
+            </a:r>
+          </a:p>
+        </p:txBody>
+      </p:sp>
+      <p:pic>
+        <p:nvPicPr>
+          <p:cNvPr id="5" name="Рисунок 4">
+            <a:extLst>
+              <a:ext uri="{FF2B5EF4-FFF2-40B4-BE49-F238E27FC236}">
+                <a16:creationId xmlns:a16="http://schemas.microsoft.com/office/drawing/2014/main" id="{912399B2-466E-4A26-A54B-5DBFE2B681FC}"/>
+              </a:ext>
+            </a:extLst>
+          </p:cNvPr>
+          <p:cNvPicPr>
+            <a:picLocks noChangeAspect="1"/>
+          </p:cNvPicPr>
+          <p:nvPr/>
+        </p:nvPicPr>
+        <p:blipFill rotWithShape="1">
+          <a:blip r:embed="rId2">
+            <a:extLst>
+              <a:ext uri="{28A0092B-C50C-407E-A947-70E740481C1C}">
+                <a14:useLocalDpi xmlns:a14="http://schemas.microsoft.com/office/drawing/2010/main" val="0"/>
+              </a:ext>
+            </a:extLst>
+          </a:blip>
+          <a:srcRect t="60223"/>
+          <a:stretch/>
+        </p:blipFill>
+        <p:spPr>
+          <a:xfrm>
+            <a:off x="3477775" y="980318"/>
+            <a:ext cx="8174450" cy="2176787"/>
+          </a:xfrm>
+          <a:prstGeom prst="rect">
+            <a:avLst/>
+          </a:prstGeom>
+        </p:spPr>
+      </p:pic>
+      <p:pic>
+        <p:nvPicPr>
+          <p:cNvPr id="7" name="Рисунок 6">
+            <a:extLst>
+              <a:ext uri="{FF2B5EF4-FFF2-40B4-BE49-F238E27FC236}">
+                <a16:creationId xmlns:a16="http://schemas.microsoft.com/office/drawing/2014/main" id="{D405AF5A-2FC2-46B6-9476-5F4755CE2153}"/>
+              </a:ext>
+            </a:extLst>
+          </p:cNvPr>
+          <p:cNvPicPr>
+            <a:picLocks noChangeAspect="1"/>
+          </p:cNvPicPr>
+          <p:nvPr/>
+        </p:nvPicPr>
+        <p:blipFill rotWithShape="1">
+          <a:blip r:embed="rId3">
+            <a:extLst>
+              <a:ext uri="{28A0092B-C50C-407E-A947-70E740481C1C}">
+                <a14:useLocalDpi xmlns:a14="http://schemas.microsoft.com/office/drawing/2010/main" val="0"/>
+              </a:ext>
+            </a:extLst>
+          </a:blip>
+          <a:srcRect t="59453"/>
+          <a:stretch/>
+        </p:blipFill>
+        <p:spPr>
+          <a:xfrm>
+            <a:off x="659537" y="4521913"/>
+            <a:ext cx="8083620" cy="2188601"/>
+          </a:xfrm>
+          <a:prstGeom prst="rect">
+            <a:avLst/>
+          </a:prstGeom>
+        </p:spPr>
+      </p:pic>
+    </p:spTree>
+    <p:extLst>
+      <p:ext uri="{BB962C8B-B14F-4D97-AF65-F5344CB8AC3E}">
+        <p14:creationId xmlns:p14="http://schemas.microsoft.com/office/powerpoint/2010/main" val="1876882993"/>
+      </p:ext>
+    </p:extLst>
+  </p:cSld>
+  <p:clrMapOvr>
+    <a:masterClrMapping/>
+  </p:clrMapOvr>
+  <p:timing>
+    <p:tnLst>
+      <p:par>
+        <p:cTn id="1" dur="indefinite" restart="never" nodeType="tmRoot">
+          <p:childTnLst>
+            <p:seq concurrent="1" nextAc="seek">
+              <p:cTn id="2" dur="indefinite" nodeType="mainSeq">
+                <p:childTnLst>
+                  <p:par>
+                    <p:cTn id="3" fill="hold">
+                      <p:stCondLst>
+                        <p:cond delay="indefinite"/>
+                        <p:cond evt="onBegin" delay="0">
+                          <p:tn val="2"/>
+                        </p:cond>
+                      </p:stCondLst>
+                      <p:childTnLst>
+                        <p:par>
+                          <p:cTn id="4" fill="hold">
+                            <p:stCondLst>
+                              <p:cond delay="0"/>
+                            </p:stCondLst>
+                            <p:childTnLst>
+                              <p:par>
+                                <p:cTn id="5" presetID="22" presetClass="entr" presetSubtype="4" fill="hold" nodeType="withEffect">
+                                  <p:stCondLst>
+                                    <p:cond delay="1500"/>
+                                  </p:stCondLst>
+                                  <p:childTnLst>
+                                    <p:set>
+                                      <p:cBhvr>
+                                        <p:cTn id="6" dur="1" fill="hold">
+                                          <p:stCondLst>
+                                            <p:cond delay="0"/>
+                                          </p:stCondLst>
+                                        </p:cTn>
+                                        <p:tgtEl>
+                                          <p:spTgt spid="20"/>
+                                        </p:tgtEl>
+                                        <p:attrNameLst>
+                                          <p:attrName>style.visibility</p:attrName>
+                                        </p:attrNameLst>
+                                      </p:cBhvr>
+                                      <p:to>
+                                        <p:strVal val="visible"/>
+                                      </p:to>
+                                    </p:set>
+                                    <p:animEffect transition="in" filter="wipe(down)">
+                                      <p:cBhvr>
+                                        <p:cTn id="7" dur="500"/>
+                                        <p:tgtEl>
+                                          <p:spTgt spid="20"/>
+                                        </p:tgtEl>
+                                      </p:cBhvr>
+                                    </p:animEffect>
+                                  </p:childTnLst>
+                                </p:cTn>
+                              </p:par>
+                              <p:par>
+                                <p:cTn id="8" presetID="22" presetClass="entr" presetSubtype="8" fill="hold" nodeType="withEffect">
+                                  <p:stCondLst>
+                                    <p:cond delay="1750"/>
+                                  </p:stCondLst>
+                                  <p:childTnLst>
+                                    <p:set>
+                                      <p:cBhvr>
+                                        <p:cTn id="9" dur="1" fill="hold">
+                                          <p:stCondLst>
+                                            <p:cond delay="0"/>
+                                          </p:stCondLst>
+                                        </p:cTn>
+                                        <p:tgtEl>
+                                          <p:spTgt spid="23"/>
+                                        </p:tgtEl>
+                                        <p:attrNameLst>
+                                          <p:attrName>style.visibility</p:attrName>
+                                        </p:attrNameLst>
+                                      </p:cBhvr>
+                                      <p:to>
+                                        <p:strVal val="visible"/>
+                                      </p:to>
+                                    </p:set>
+                                    <p:animEffect transition="in" filter="wipe(left)">
+                                      <p:cBhvr>
+                                        <p:cTn id="10" dur="500"/>
+                                        <p:tgtEl>
+                                          <p:spTgt spid="23"/>
+                                        </p:tgtEl>
+                                      </p:cBhvr>
+                                    </p:animEffect>
+                                  </p:childTnLst>
+                                </p:cTn>
+                              </p:par>
+                              <p:par>
+                                <p:cTn id="11" presetID="22" presetClass="entr" presetSubtype="4" fill="hold" nodeType="withEffect">
+                                  <p:stCondLst>
+                                    <p:cond delay="1500"/>
+                                  </p:stCondLst>
+                                  <p:childTnLst>
+                                    <p:set>
+                                      <p:cBhvr>
+                                        <p:cTn id="12" dur="1" fill="hold">
+                                          <p:stCondLst>
+                                            <p:cond delay="0"/>
+                                          </p:stCondLst>
+                                        </p:cTn>
+                                        <p:tgtEl>
+                                          <p:spTgt spid="28"/>
+                                        </p:tgtEl>
+                                        <p:attrNameLst>
+                                          <p:attrName>style.visibility</p:attrName>
+                                        </p:attrNameLst>
+                                      </p:cBhvr>
+                                      <p:to>
+                                        <p:strVal val="visible"/>
+                                      </p:to>
+                                    </p:set>
+                                    <p:animEffect transition="in" filter="wipe(down)">
+                                      <p:cBhvr>
+                                        <p:cTn id="13" dur="500"/>
+                                        <p:tgtEl>
+                                          <p:spTgt spid="28"/>
+                                        </p:tgtEl>
+                                      </p:cBhvr>
+                                    </p:animEffect>
+                                  </p:childTnLst>
+                                </p:cTn>
+                              </p:par>
+                              <p:par>
+                                <p:cTn id="14" presetID="22" presetClass="entr" presetSubtype="8" fill="hold" nodeType="withEffect">
+                                  <p:stCondLst>
+                                    <p:cond delay="1750"/>
+                                  </p:stCondLst>
+                                  <p:childTnLst>
+                                    <p:set>
+                                      <p:cBhvr>
+                                        <p:cTn id="15" dur="1" fill="hold">
+                                          <p:stCondLst>
+                                            <p:cond delay="0"/>
+                                          </p:stCondLst>
+                                        </p:cTn>
+                                        <p:tgtEl>
+                                          <p:spTgt spid="31"/>
+                                        </p:tgtEl>
+                                        <p:attrNameLst>
+                                          <p:attrName>style.visibility</p:attrName>
+                                        </p:attrNameLst>
+                                      </p:cBhvr>
+                                      <p:to>
+                                        <p:strVal val="visible"/>
+                                      </p:to>
+                                    </p:set>
+                                    <p:animEffect transition="in" filter="wipe(left)">
+                                      <p:cBhvr>
+                                        <p:cTn id="16" dur="500"/>
+                                        <p:tgtEl>
+                                          <p:spTgt spid="31"/>
+                                        </p:tgtEl>
+                                      </p:cBhvr>
+                                    </p:animEffect>
+                                  </p:childTnLst>
+                                </p:cTn>
+                              </p:par>
+                              <p:par>
+                                <p:cTn id="17" presetID="10" presetClass="entr" presetSubtype="0" fill="hold" grpId="0" nodeType="withEffect">
+                                  <p:stCondLst>
+                                    <p:cond delay="1950"/>
+                                  </p:stCondLst>
+                                  <p:childTnLst>
+                                    <p:set>
+                                      <p:cBhvr>
+                                        <p:cTn id="18" dur="1" fill="hold">
+                                          <p:stCondLst>
+                                            <p:cond delay="0"/>
+                                          </p:stCondLst>
+                                        </p:cTn>
+                                        <p:tgtEl>
+                                          <p:spTgt spid="36"/>
+                                        </p:tgtEl>
+                                        <p:attrNameLst>
+                                          <p:attrName>style.visibility</p:attrName>
+                                        </p:attrNameLst>
+                                      </p:cBhvr>
+                                      <p:to>
+                                        <p:strVal val="visible"/>
+                                      </p:to>
+                                    </p:set>
+                                    <p:animEffect transition="in" filter="fade">
+                                      <p:cBhvr>
+                                        <p:cTn id="19" dur="250"/>
+                                        <p:tgtEl>
+                                          <p:spTgt spid="36"/>
+                                        </p:tgtEl>
+                                      </p:cBhvr>
+                                    </p:animEffect>
+                                  </p:childTnLst>
+                                </p:cTn>
+                              </p:par>
+                              <p:par>
+                                <p:cTn id="20" presetID="10" presetClass="entr" presetSubtype="0" fill="hold" grpId="0" nodeType="withEffect">
+                                  <p:stCondLst>
+                                    <p:cond delay="1950"/>
+                                  </p:stCondLst>
+                                  <p:childTnLst>
+                                    <p:set>
+                                      <p:cBhvr>
+                                        <p:cTn id="21" dur="1" fill="hold">
+                                          <p:stCondLst>
+                                            <p:cond delay="0"/>
+                                          </p:stCondLst>
+                                        </p:cTn>
+                                        <p:tgtEl>
+                                          <p:spTgt spid="37"/>
+                                        </p:tgtEl>
+                                        <p:attrNameLst>
+                                          <p:attrName>style.visibility</p:attrName>
+                                        </p:attrNameLst>
+                                      </p:cBhvr>
+                                      <p:to>
+                                        <p:strVal val="visible"/>
+                                      </p:to>
+                                    </p:set>
+                                    <p:animEffect transition="in" filter="fade">
+                                      <p:cBhvr>
+                                        <p:cTn id="22" dur="250"/>
+                                        <p:tgtEl>
+                                          <p:spTgt spid="37"/>
+                                        </p:tgtEl>
+                                      </p:cBhvr>
+                                    </p:animEffect>
+                                  </p:childTnLst>
+                                </p:cTn>
+                              </p:par>
+                            </p:childTnLst>
+                          </p:cTn>
+                        </p:par>
+                      </p:childTnLst>
+                    </p:cTn>
+                  </p:par>
+                </p:childTnLst>
+              </p:cTn>
+              <p:prevCondLst>
+                <p:cond evt="onPrev" delay="0">
+                  <p:tgtEl>
+                    <p:sldTgt/>
+                  </p:tgtEl>
+                </p:cond>
+              </p:prevCondLst>
+              <p:nextCondLst>
+                <p:cond evt="onNext" delay="0">
+                  <p:tgtEl>
+                    <p:sldTgt/>
+                  </p:tgtEl>
+                </p:cond>
+              </p:nextCondLst>
+            </p:seq>
+          </p:childTnLst>
+        </p:cTn>
+      </p:par>
+    </p:tnLst>
+    <p:bldLst>
+      <p:bldP spid="36" grpId="0"/>
+      <p:bldP spid="37" grpId="0"/>
+    </p:bldLst>
+  </p:timing>
+</p:sld>
+</file>
+
+<file path=ppt/slides/slide13.xml><?xml version="1.0" encoding="utf-8"?>
+<p:sld xmlns:a="http://schemas.openxmlformats.org/drawingml/2006/main" xmlns:r="http://schemas.openxmlformats.org/officeDocument/2006/relationships" xmlns:p="http://schemas.openxmlformats.org/presentationml/2006/main">
+  <p:cSld>
+    <p:spTree>
+      <p:nvGrpSpPr>
+        <p:cNvPr id="1" name=""/>
+        <p:cNvGrpSpPr/>
+        <p:nvPr/>
+      </p:nvGrpSpPr>
+      <p:grpSpPr>
+        <a:xfrm>
+          <a:off x="0" y="0"/>
+          <a:ext cx="0" cy="0"/>
+          <a:chOff x="0" y="0"/>
+          <a:chExt cx="0" cy="0"/>
+        </a:xfrm>
+      </p:grpSpPr>
+      <p:sp>
+        <p:nvSpPr>
+          <p:cNvPr id="3" name="Прямоугольник 2">
+            <a:extLst>
+              <a:ext uri="{FF2B5EF4-FFF2-40B4-BE49-F238E27FC236}">
+                <a16:creationId xmlns:a16="http://schemas.microsoft.com/office/drawing/2014/main" id="{CB94F085-43C4-4C81-9C52-04F6AA7E4C97}"/>
+              </a:ext>
+            </a:extLst>
+          </p:cNvPr>
+          <p:cNvSpPr/>
+          <p:nvPr/>
+        </p:nvSpPr>
+        <p:spPr>
+          <a:xfrm>
+            <a:off x="1429304" y="124287"/>
+            <a:ext cx="1447060" cy="790113"/>
+          </a:xfrm>
+          <a:prstGeom prst="rect">
+            <a:avLst/>
+          </a:prstGeom>
+          <a:solidFill>
+            <a:srgbClr val="001847"/>
+          </a:solidFill>
+          <a:ln>
+            <a:noFill/>
+          </a:ln>
+        </p:spPr>
+        <p:style>
+          <a:lnRef idx="2">
+            <a:schemeClr val="accent1">
+              <a:shade val="50000"/>
+            </a:schemeClr>
+          </a:lnRef>
+          <a:fillRef idx="1">
+            <a:schemeClr val="accent1"/>
+          </a:fillRef>
+          <a:effectRef idx="0">
+            <a:schemeClr val="accent1"/>
+          </a:effectRef>
+          <a:fontRef idx="minor">
+            <a:schemeClr val="lt1"/>
+          </a:fontRef>
+        </p:style>
+        <p:txBody>
+          <a:bodyPr rtlCol="0" anchor="ctr"/>
+          <a:lstStyle/>
+          <a:p>
+            <a:pPr algn="ctr"/>
+            <a:endParaRPr lang="ru-RU"/>
+          </a:p>
+        </p:txBody>
+      </p:sp>
+      <p:sp>
+        <p:nvSpPr>
+          <p:cNvPr id="4" name="Title 9">
+            <a:extLst>
+              <a:ext uri="{FF2B5EF4-FFF2-40B4-BE49-F238E27FC236}">
+                <a16:creationId xmlns:a16="http://schemas.microsoft.com/office/drawing/2014/main" id="{4222AF78-AA94-46D7-BC24-6718D00A2DE4}"/>
+              </a:ext>
+            </a:extLst>
+          </p:cNvPr>
+          <p:cNvSpPr txBox="1">
+            <a:spLocks/>
+          </p:cNvSpPr>
+          <p:nvPr/>
+        </p:nvSpPr>
+        <p:spPr>
+          <a:xfrm>
+            <a:off x="659537" y="262492"/>
+            <a:ext cx="4229100" cy="1621619"/>
+          </a:xfrm>
+          <a:prstGeom prst="rect">
+            <a:avLst/>
+          </a:prstGeom>
+          <a:effectLst/>
+        </p:spPr>
+        <p:txBody>
+          <a:bodyPr vert="horz" lIns="0" tIns="192024" rIns="0" bIns="0" rtlCol="0" anchor="t" anchorCtr="0">
+            <a:noAutofit/>
+          </a:bodyPr>
+          <a:lstStyle>
+            <a:lvl1pPr algn="l" defTabSz="914318" rtl="0" eaLnBrk="1" latinLnBrk="0" hangingPunct="1">
+              <a:lnSpc>
+                <a:spcPct val="75000"/>
+              </a:lnSpc>
+              <a:spcBef>
+                <a:spcPct val="0"/>
+              </a:spcBef>
+              <a:buNone/>
+              <a:defRPr sz="4400" kern="1200" spc="-151" baseline="0">
+                <a:solidFill>
+                  <a:schemeClr val="tx1"/>
+                </a:solidFill>
+                <a:latin typeface="+mj-lt"/>
+                <a:ea typeface="+mj-ea"/>
+                <a:cs typeface="+mj-cs"/>
+              </a:defRPr>
+            </a:lvl1pPr>
+          </a:lstStyle>
+          <a:p>
+            <a:r>
+              <a:rPr lang="ru-RU" dirty="0"/>
+              <a:t>Разные параметры</a:t>
+            </a:r>
+            <a:br>
+              <a:rPr lang="en-US" dirty="0"/>
+            </a:br>
+            <a:r>
+              <a:rPr lang="ru-RU" sz="2300" dirty="0"/>
+              <a:t>Параметры метода</a:t>
+            </a:r>
+          </a:p>
+        </p:txBody>
+      </p:sp>
+      <p:sp>
+        <p:nvSpPr>
+          <p:cNvPr id="5" name="Rectangle 18">
+            <a:extLst>
+              <a:ext uri="{FF2B5EF4-FFF2-40B4-BE49-F238E27FC236}">
+                <a16:creationId xmlns:a16="http://schemas.microsoft.com/office/drawing/2014/main" id="{3E2C6A0A-EBEF-439C-B51A-AECA2F358630}"/>
+              </a:ext>
+            </a:extLst>
+          </p:cNvPr>
+          <p:cNvSpPr/>
+          <p:nvPr/>
+        </p:nvSpPr>
+        <p:spPr>
+          <a:xfrm>
+            <a:off x="4341674" y="2492685"/>
+            <a:ext cx="3508652" cy="1611018"/>
+          </a:xfrm>
+          <a:prstGeom prst="rect">
+            <a:avLst/>
+          </a:prstGeom>
+        </p:spPr>
+        <p:txBody>
+          <a:bodyPr wrap="square" lIns="121920" rIns="121920" bIns="60960">
+            <a:spAutoFit/>
+          </a:bodyPr>
+          <a:lstStyle/>
+          <a:p>
+            <a:pPr algn="ctr">
+              <a:lnSpc>
+                <a:spcPct val="120000"/>
+              </a:lnSpc>
+              <a:spcBef>
+                <a:spcPts val="600"/>
+              </a:spcBef>
+            </a:pPr>
+            <a:r>
+              <a:rPr lang="ru-RU" sz="1400" b="1" spc="200" dirty="0">
+                <a:latin typeface="Open Sans Semibold" charset="0"/>
+                <a:ea typeface="Open Sans Semibold" charset="0"/>
+                <a:cs typeface="Open Sans Semibold" charset="0"/>
+              </a:rPr>
+              <a:t>Вывод</a:t>
+            </a:r>
+            <a:endParaRPr lang="en-US" sz="1400" b="1" spc="200" dirty="0">
+              <a:latin typeface="Open Sans Semibold" charset="0"/>
+              <a:ea typeface="Open Sans Semibold" charset="0"/>
+              <a:cs typeface="Open Sans Semibold" charset="0"/>
+            </a:endParaRPr>
+          </a:p>
+          <a:p>
+            <a:pPr algn="ctr">
+              <a:lnSpc>
+                <a:spcPct val="120000"/>
+              </a:lnSpc>
+              <a:spcBef>
+                <a:spcPts val="600"/>
+              </a:spcBef>
+            </a:pPr>
+            <a:r>
+              <a:rPr lang="ru-RU" sz="1000" dirty="0">
+                <a:latin typeface="Open Sans Regular" charset="0"/>
+                <a:ea typeface="Open Sans Regular" charset="0"/>
+                <a:cs typeface="Open Sans Regular" charset="0"/>
+              </a:rPr>
+              <a:t>Если мы сильно уменьшим шаг, то программа будет считать с этим шагом</a:t>
+            </a:r>
+          </a:p>
+          <a:p>
+            <a:pPr algn="ctr">
+              <a:lnSpc>
+                <a:spcPct val="120000"/>
+              </a:lnSpc>
+              <a:spcBef>
+                <a:spcPts val="600"/>
+              </a:spcBef>
+            </a:pPr>
+            <a:r>
+              <a:rPr lang="ru-RU" sz="1000" dirty="0">
+                <a:latin typeface="Open Sans Regular" charset="0"/>
+                <a:ea typeface="Open Sans Regular" charset="0"/>
+                <a:cs typeface="Open Sans Regular" charset="0"/>
+              </a:rPr>
+              <a:t>Если наоборот сильно увеличим, то программа будет уменьшать шаг до тех пор, пока не найдет достаточно малый шаг для подсчетов (так как в начале у нас очень «крутая» траектория)</a:t>
+            </a:r>
+            <a:endParaRPr lang="en-US" sz="1000" dirty="0">
+              <a:latin typeface="Open Sans Regular" charset="0"/>
+              <a:ea typeface="Open Sans Regular" charset="0"/>
+              <a:cs typeface="Open Sans Regular" charset="0"/>
+            </a:endParaRPr>
+          </a:p>
+        </p:txBody>
+      </p:sp>
+    </p:spTree>
+    <p:extLst>
+      <p:ext uri="{BB962C8B-B14F-4D97-AF65-F5344CB8AC3E}">
+        <p14:creationId xmlns:p14="http://schemas.microsoft.com/office/powerpoint/2010/main" val="2168798679"/>
+      </p:ext>
+    </p:extLst>
+  </p:cSld>
+  <p:clrMapOvr>
+    <a:masterClrMapping/>
+  </p:clrMapOvr>
+  <p:timing>
+    <p:tnLst>
+      <p:par>
+        <p:cTn id="1" dur="indefinite" restart="never" nodeType="tmRoot">
+          <p:childTnLst>
+            <p:seq concurrent="1" nextAc="seek">
+              <p:cTn id="2" dur="indefinite" nodeType="mainSeq">
+                <p:childTnLst>
+                  <p:par>
+                    <p:cTn id="3" fill="hold">
+                      <p:stCondLst>
+                        <p:cond delay="indefinite"/>
+                        <p:cond evt="onBegin" delay="0">
+                          <p:tn val="2"/>
+                        </p:cond>
+                      </p:stCondLst>
+                      <p:childTnLst>
+                        <p:par>
+                          <p:cTn id="4" fill="hold">
+                            <p:stCondLst>
+                              <p:cond delay="0"/>
+                            </p:stCondLst>
+                            <p:childTnLst>
+                              <p:par>
+                                <p:cTn id="5" presetID="10" presetClass="entr" presetSubtype="0" fill="hold" grpId="0" nodeType="withEffect">
+                                  <p:stCondLst>
+                                    <p:cond delay="1950"/>
+                                  </p:stCondLst>
+                                  <p:childTnLst>
+                                    <p:set>
+                                      <p:cBhvr>
+                                        <p:cTn id="6" dur="1" fill="hold">
+                                          <p:stCondLst>
+                                            <p:cond delay="0"/>
+                                          </p:stCondLst>
+                                        </p:cTn>
+                                        <p:tgtEl>
+                                          <p:spTgt spid="5"/>
+                                        </p:tgtEl>
+                                        <p:attrNameLst>
+                                          <p:attrName>style.visibility</p:attrName>
+                                        </p:attrNameLst>
+                                      </p:cBhvr>
+                                      <p:to>
+                                        <p:strVal val="visible"/>
+                                      </p:to>
+                                    </p:set>
+                                    <p:animEffect transition="in" filter="fade">
+                                      <p:cBhvr>
+                                        <p:cTn id="7" dur="250"/>
+                                        <p:tgtEl>
+                                          <p:spTgt spid="5"/>
+                                        </p:tgtEl>
+                                      </p:cBhvr>
+                                    </p:animEffect>
+                                  </p:childTnLst>
+                                </p:cTn>
+                              </p:par>
+                            </p:childTnLst>
+                          </p:cTn>
+                        </p:par>
+                      </p:childTnLst>
+                    </p:cTn>
+                  </p:par>
+                </p:childTnLst>
+              </p:cTn>
+              <p:prevCondLst>
+                <p:cond evt="onPrev" delay="0">
+                  <p:tgtEl>
+                    <p:sldTgt/>
+                  </p:tgtEl>
+                </p:cond>
+              </p:prevCondLst>
+              <p:nextCondLst>
+                <p:cond evt="onNext" delay="0">
+                  <p:tgtEl>
+                    <p:sldTgt/>
+                  </p:tgtEl>
+                </p:cond>
+              </p:nextCondLst>
+            </p:seq>
+          </p:childTnLst>
+        </p:cTn>
+      </p:par>
+    </p:tnLst>
+    <p:bldLst>
+      <p:bldP spid="5" grpId="0"/>
+    </p:bldLst>
+  </p:timing>
+</p:sld>
+</file>
+
+<file path=ppt/slides/slide14.xml><?xml version="1.0" encoding="utf-8"?>
+<p:sld xmlns:a="http://schemas.openxmlformats.org/drawingml/2006/main" xmlns:r="http://schemas.openxmlformats.org/officeDocument/2006/relationships" xmlns:p="http://schemas.openxmlformats.org/presentationml/2006/main">
+  <p:cSld>
+    <p:spTree>
+      <p:nvGrpSpPr>
+        <p:cNvPr id="1" name=""/>
+        <p:cNvGrpSpPr/>
+        <p:nvPr/>
+      </p:nvGrpSpPr>
+      <p:grpSpPr>
+        <a:xfrm>
+          <a:off x="0" y="0"/>
+          <a:ext cx="0" cy="0"/>
+          <a:chOff x="0" y="0"/>
+          <a:chExt cx="0" cy="0"/>
+        </a:xfrm>
+      </p:grpSpPr>
+      <p:sp>
+        <p:nvSpPr>
+          <p:cNvPr id="3" name="Прямоугольник 2">
+            <a:extLst>
+              <a:ext uri="{FF2B5EF4-FFF2-40B4-BE49-F238E27FC236}">
+                <a16:creationId xmlns:a16="http://schemas.microsoft.com/office/drawing/2014/main" id="{635CBD0D-4297-436E-A95E-8C29AFE633BA}"/>
+              </a:ext>
+            </a:extLst>
+          </p:cNvPr>
+          <p:cNvSpPr/>
+          <p:nvPr/>
+        </p:nvSpPr>
+        <p:spPr>
+          <a:xfrm>
+            <a:off x="1429304" y="124287"/>
+            <a:ext cx="1447060" cy="790113"/>
+          </a:xfrm>
+          <a:prstGeom prst="rect">
+            <a:avLst/>
+          </a:prstGeom>
+          <a:solidFill>
+            <a:srgbClr val="001847"/>
+          </a:solidFill>
+          <a:ln>
+            <a:noFill/>
+          </a:ln>
+        </p:spPr>
+        <p:style>
+          <a:lnRef idx="2">
+            <a:schemeClr val="accent1">
+              <a:shade val="50000"/>
+            </a:schemeClr>
+          </a:lnRef>
+          <a:fillRef idx="1">
+            <a:schemeClr val="accent1"/>
+          </a:fillRef>
+          <a:effectRef idx="0">
+            <a:schemeClr val="accent1"/>
+          </a:effectRef>
+          <a:fontRef idx="minor">
+            <a:schemeClr val="lt1"/>
+          </a:fontRef>
+        </p:style>
+        <p:txBody>
+          <a:bodyPr rtlCol="0" anchor="ctr"/>
+          <a:lstStyle/>
+          <a:p>
+            <a:pPr algn="ctr"/>
+            <a:endParaRPr lang="ru-RU"/>
+          </a:p>
+        </p:txBody>
+      </p:sp>
+      <p:sp>
+        <p:nvSpPr>
+          <p:cNvPr id="4" name="Title 9">
+            <a:extLst>
+              <a:ext uri="{FF2B5EF4-FFF2-40B4-BE49-F238E27FC236}">
+                <a16:creationId xmlns:a16="http://schemas.microsoft.com/office/drawing/2014/main" id="{DDB8EC9A-1414-4BA5-A4F6-65911DAC4BE5}"/>
+              </a:ext>
+            </a:extLst>
+          </p:cNvPr>
+          <p:cNvSpPr txBox="1">
+            <a:spLocks/>
+          </p:cNvSpPr>
+          <p:nvPr/>
+        </p:nvSpPr>
+        <p:spPr>
+          <a:xfrm>
+            <a:off x="659537" y="262492"/>
+            <a:ext cx="4229100" cy="1621619"/>
+          </a:xfrm>
+          <a:prstGeom prst="rect">
+            <a:avLst/>
+          </a:prstGeom>
+          <a:effectLst/>
+        </p:spPr>
+        <p:txBody>
+          <a:bodyPr vert="horz" lIns="0" tIns="192024" rIns="0" bIns="0" rtlCol="0" anchor="t" anchorCtr="0">
+            <a:noAutofit/>
+          </a:bodyPr>
+          <a:lstStyle>
+            <a:lvl1pPr algn="l" defTabSz="914318" rtl="0" eaLnBrk="1" latinLnBrk="0" hangingPunct="1">
+              <a:lnSpc>
+                <a:spcPct val="75000"/>
+              </a:lnSpc>
+              <a:spcBef>
+                <a:spcPct val="0"/>
+              </a:spcBef>
+              <a:buNone/>
+              <a:defRPr sz="4400" kern="1200" spc="-151" baseline="0">
+                <a:solidFill>
+                  <a:schemeClr val="tx1"/>
+                </a:solidFill>
+                <a:latin typeface="+mj-lt"/>
+                <a:ea typeface="+mj-ea"/>
+                <a:cs typeface="+mj-cs"/>
+              </a:defRPr>
+            </a:lvl1pPr>
+          </a:lstStyle>
+          <a:p>
+            <a:r>
+              <a:rPr lang="ru-RU" dirty="0"/>
+              <a:t>Разные параметры</a:t>
+            </a:r>
+            <a:br>
+              <a:rPr lang="en-US" dirty="0"/>
+            </a:br>
+            <a:r>
+              <a:rPr lang="ru-RU" sz="2300" dirty="0"/>
+              <a:t>Параметры контроля</a:t>
+            </a:r>
+          </a:p>
+        </p:txBody>
+      </p:sp>
+      <p:grpSp>
+        <p:nvGrpSpPr>
+          <p:cNvPr id="20" name="Group 36">
+            <a:extLst>
+              <a:ext uri="{FF2B5EF4-FFF2-40B4-BE49-F238E27FC236}">
+                <a16:creationId xmlns:a16="http://schemas.microsoft.com/office/drawing/2014/main" id="{99EC3789-D9C2-4D4A-B290-F3CC98C6C9DC}"/>
+              </a:ext>
+            </a:extLst>
+          </p:cNvPr>
+          <p:cNvGrpSpPr/>
+          <p:nvPr/>
+        </p:nvGrpSpPr>
+        <p:grpSpPr>
+          <a:xfrm rot="16200000">
+            <a:off x="10531574" y="2809900"/>
+            <a:ext cx="326522" cy="2966937"/>
+            <a:chOff x="6475260" y="3892789"/>
+            <a:chExt cx="326522" cy="2966937"/>
+          </a:xfrm>
+        </p:grpSpPr>
+        <p:sp>
+          <p:nvSpPr>
+            <p:cNvPr id="21" name="Freeform 21">
+              <a:extLst>
+                <a:ext uri="{FF2B5EF4-FFF2-40B4-BE49-F238E27FC236}">
+                  <a16:creationId xmlns:a16="http://schemas.microsoft.com/office/drawing/2014/main" id="{DE637C61-2886-4C63-BFD3-908AD7645DA3}"/>
+                </a:ext>
+              </a:extLst>
+            </p:cNvPr>
+            <p:cNvSpPr>
+              <a:spLocks/>
+            </p:cNvSpPr>
+            <p:nvPr/>
+          </p:nvSpPr>
+          <p:spPr bwMode="auto">
+            <a:xfrm>
+              <a:off x="6475260" y="3892789"/>
+              <a:ext cx="326522" cy="2248626"/>
+            </a:xfrm>
+            <a:custGeom>
+              <a:avLst/>
+              <a:gdLst>
+                <a:gd name="T0" fmla="*/ 291 w 291"/>
+                <a:gd name="T1" fmla="*/ 0 h 2004"/>
+                <a:gd name="T2" fmla="*/ 291 w 291"/>
+                <a:gd name="T3" fmla="*/ 2004 h 2004"/>
+                <a:gd name="T4" fmla="*/ 0 w 291"/>
+                <a:gd name="T5" fmla="*/ 2004 h 2004"/>
+                <a:gd name="T6" fmla="*/ 0 w 291"/>
+                <a:gd name="T7" fmla="*/ 291 h 2004"/>
+                <a:gd name="T8" fmla="*/ 291 w 291"/>
+                <a:gd name="T9" fmla="*/ 0 h 2004"/>
+              </a:gdLst>
+              <a:ahLst/>
+              <a:cxnLst>
+                <a:cxn ang="0">
+                  <a:pos x="T0" y="T1"/>
+                </a:cxn>
+                <a:cxn ang="0">
+                  <a:pos x="T2" y="T3"/>
+                </a:cxn>
+                <a:cxn ang="0">
+                  <a:pos x="T4" y="T5"/>
+                </a:cxn>
+                <a:cxn ang="0">
+                  <a:pos x="T6" y="T7"/>
+                </a:cxn>
+                <a:cxn ang="0">
+                  <a:pos x="T8" y="T9"/>
+                </a:cxn>
+              </a:cxnLst>
+              <a:rect l="0" t="0" r="r" b="b"/>
+              <a:pathLst>
+                <a:path w="291" h="2004">
+                  <a:moveTo>
+                    <a:pt x="291" y="0"/>
+                  </a:moveTo>
+                  <a:lnTo>
+                    <a:pt x="291" y="2004"/>
+                  </a:lnTo>
+                  <a:lnTo>
+                    <a:pt x="0" y="2004"/>
+                  </a:lnTo>
+                  <a:lnTo>
+                    <a:pt x="0" y="291"/>
+                  </a:lnTo>
+                  <a:lnTo>
+                    <a:pt x="291" y="0"/>
+                  </a:lnTo>
+                  <a:close/>
+                </a:path>
+              </a:pathLst>
+            </a:custGeom>
+            <a:solidFill>
+              <a:schemeClr val="accent3">
+                <a:lumMod val="75000"/>
+              </a:schemeClr>
+            </a:solidFill>
+            <a:ln>
+              <a:noFill/>
+            </a:ln>
+          </p:spPr>
+          <p:txBody>
+            <a:bodyPr vert="horz" wrap="square" lIns="91440" tIns="45720" rIns="91440" bIns="45720" numCol="1" anchor="t" anchorCtr="0" compatLnSpc="1">
+              <a:prstTxWarp prst="textNoShape">
+                <a:avLst/>
+              </a:prstTxWarp>
+            </a:bodyPr>
+            <a:lstStyle/>
+            <a:p>
+              <a:endParaRPr lang="en-US" dirty="0">
+                <a:latin typeface="Source Sans Pro" charset="0"/>
+              </a:endParaRPr>
+            </a:p>
+          </p:txBody>
+        </p:sp>
+        <p:sp>
+          <p:nvSpPr>
+            <p:cNvPr id="22" name="Freeform 21">
+              <a:extLst>
+                <a:ext uri="{FF2B5EF4-FFF2-40B4-BE49-F238E27FC236}">
+                  <a16:creationId xmlns:a16="http://schemas.microsoft.com/office/drawing/2014/main" id="{DCA9B42A-2BE3-4F35-9503-328D124406EE}"/>
+                </a:ext>
+              </a:extLst>
+            </p:cNvPr>
+            <p:cNvSpPr>
+              <a:spLocks/>
+            </p:cNvSpPr>
+            <p:nvPr/>
+          </p:nvSpPr>
+          <p:spPr bwMode="auto">
+            <a:xfrm>
+              <a:off x="6475260" y="4611100"/>
+              <a:ext cx="326522" cy="2248626"/>
+            </a:xfrm>
+            <a:custGeom>
+              <a:avLst/>
+              <a:gdLst>
+                <a:gd name="T0" fmla="*/ 291 w 291"/>
+                <a:gd name="T1" fmla="*/ 0 h 2004"/>
+                <a:gd name="T2" fmla="*/ 291 w 291"/>
+                <a:gd name="T3" fmla="*/ 2004 h 2004"/>
+                <a:gd name="T4" fmla="*/ 0 w 291"/>
+                <a:gd name="T5" fmla="*/ 2004 h 2004"/>
+                <a:gd name="T6" fmla="*/ 0 w 291"/>
+                <a:gd name="T7" fmla="*/ 291 h 2004"/>
+                <a:gd name="T8" fmla="*/ 291 w 291"/>
+                <a:gd name="T9" fmla="*/ 0 h 2004"/>
+              </a:gdLst>
+              <a:ahLst/>
+              <a:cxnLst>
+                <a:cxn ang="0">
+                  <a:pos x="T0" y="T1"/>
+                </a:cxn>
+                <a:cxn ang="0">
+                  <a:pos x="T2" y="T3"/>
+                </a:cxn>
+                <a:cxn ang="0">
+                  <a:pos x="T4" y="T5"/>
+                </a:cxn>
+                <a:cxn ang="0">
+                  <a:pos x="T6" y="T7"/>
+                </a:cxn>
+                <a:cxn ang="0">
+                  <a:pos x="T8" y="T9"/>
+                </a:cxn>
+              </a:cxnLst>
+              <a:rect l="0" t="0" r="r" b="b"/>
+              <a:pathLst>
+                <a:path w="291" h="2004">
+                  <a:moveTo>
+                    <a:pt x="291" y="0"/>
+                  </a:moveTo>
+                  <a:lnTo>
+                    <a:pt x="291" y="2004"/>
+                  </a:lnTo>
+                  <a:lnTo>
+                    <a:pt x="0" y="2004"/>
+                  </a:lnTo>
+                  <a:lnTo>
+                    <a:pt x="0" y="291"/>
+                  </a:lnTo>
+                  <a:lnTo>
+                    <a:pt x="291" y="0"/>
+                  </a:lnTo>
+                  <a:close/>
+                </a:path>
+              </a:pathLst>
+            </a:custGeom>
+            <a:solidFill>
+              <a:schemeClr val="accent3">
+                <a:lumMod val="75000"/>
+              </a:schemeClr>
+            </a:solidFill>
+            <a:ln>
+              <a:noFill/>
+            </a:ln>
+          </p:spPr>
+          <p:txBody>
+            <a:bodyPr vert="horz" wrap="square" lIns="91440" tIns="45720" rIns="91440" bIns="45720" numCol="1" anchor="t" anchorCtr="0" compatLnSpc="1">
+              <a:prstTxWarp prst="textNoShape">
+                <a:avLst/>
+              </a:prstTxWarp>
+            </a:bodyPr>
+            <a:lstStyle/>
+            <a:p>
+              <a:endParaRPr lang="en-US" dirty="0">
+                <a:latin typeface="Source Sans Pro" charset="0"/>
+              </a:endParaRPr>
+            </a:p>
+          </p:txBody>
+        </p:sp>
+      </p:grpSp>
+      <p:grpSp>
+        <p:nvGrpSpPr>
+          <p:cNvPr id="23" name="Group 35">
+            <a:extLst>
+              <a:ext uri="{FF2B5EF4-FFF2-40B4-BE49-F238E27FC236}">
+                <a16:creationId xmlns:a16="http://schemas.microsoft.com/office/drawing/2014/main" id="{FCB8527C-2B53-4171-B878-66E158ED5C34}"/>
+              </a:ext>
+            </a:extLst>
+          </p:cNvPr>
+          <p:cNvGrpSpPr/>
+          <p:nvPr/>
+        </p:nvGrpSpPr>
+        <p:grpSpPr>
+          <a:xfrm rot="16200000">
+            <a:off x="8841307" y="3611671"/>
+            <a:ext cx="1049135" cy="642946"/>
+            <a:chOff x="6475260" y="3725824"/>
+            <a:chExt cx="1049135" cy="642946"/>
+          </a:xfrm>
+        </p:grpSpPr>
+        <p:sp>
+          <p:nvSpPr>
+            <p:cNvPr id="24" name="Freeform 23">
+              <a:extLst>
+                <a:ext uri="{FF2B5EF4-FFF2-40B4-BE49-F238E27FC236}">
+                  <a16:creationId xmlns:a16="http://schemas.microsoft.com/office/drawing/2014/main" id="{EC71EBA3-DB79-4F33-869D-76C39B6F8B6A}"/>
+                </a:ext>
+              </a:extLst>
+            </p:cNvPr>
+            <p:cNvSpPr>
+              <a:spLocks/>
+            </p:cNvSpPr>
+            <p:nvPr/>
+          </p:nvSpPr>
+          <p:spPr bwMode="auto">
+            <a:xfrm>
+              <a:off x="6475260" y="3892789"/>
+              <a:ext cx="732711" cy="326522"/>
+            </a:xfrm>
+            <a:custGeom>
+              <a:avLst/>
+              <a:gdLst>
+                <a:gd name="T0" fmla="*/ 653 w 653"/>
+                <a:gd name="T1" fmla="*/ 291 h 291"/>
+                <a:gd name="T2" fmla="*/ 0 w 653"/>
+                <a:gd name="T3" fmla="*/ 291 h 291"/>
+                <a:gd name="T4" fmla="*/ 291 w 653"/>
+                <a:gd name="T5" fmla="*/ 0 h 291"/>
+                <a:gd name="T6" fmla="*/ 653 w 653"/>
+                <a:gd name="T7" fmla="*/ 0 h 291"/>
+                <a:gd name="T8" fmla="*/ 653 w 653"/>
+                <a:gd name="T9" fmla="*/ 291 h 291"/>
+              </a:gdLst>
+              <a:ahLst/>
+              <a:cxnLst>
+                <a:cxn ang="0">
+                  <a:pos x="T0" y="T1"/>
+                </a:cxn>
+                <a:cxn ang="0">
+                  <a:pos x="T2" y="T3"/>
+                </a:cxn>
+                <a:cxn ang="0">
+                  <a:pos x="T4" y="T5"/>
+                </a:cxn>
+                <a:cxn ang="0">
+                  <a:pos x="T6" y="T7"/>
+                </a:cxn>
+                <a:cxn ang="0">
+                  <a:pos x="T8" y="T9"/>
+                </a:cxn>
+              </a:cxnLst>
+              <a:rect l="0" t="0" r="r" b="b"/>
+              <a:pathLst>
+                <a:path w="653" h="291">
+                  <a:moveTo>
+                    <a:pt x="653" y="291"/>
+                  </a:moveTo>
+                  <a:lnTo>
+                    <a:pt x="0" y="291"/>
+                  </a:lnTo>
+                  <a:lnTo>
+                    <a:pt x="291" y="0"/>
+                  </a:lnTo>
+                  <a:lnTo>
+                    <a:pt x="653" y="0"/>
+                  </a:lnTo>
+                  <a:lnTo>
+                    <a:pt x="653" y="291"/>
+                  </a:lnTo>
+                  <a:close/>
+                </a:path>
+              </a:pathLst>
+            </a:custGeom>
+            <a:solidFill>
+              <a:schemeClr val="accent3"/>
+            </a:solidFill>
+            <a:ln>
+              <a:noFill/>
+            </a:ln>
+          </p:spPr>
+          <p:txBody>
+            <a:bodyPr vert="horz" wrap="square" lIns="91440" tIns="45720" rIns="91440" bIns="45720" numCol="1" anchor="t" anchorCtr="0" compatLnSpc="1">
+              <a:prstTxWarp prst="textNoShape">
+                <a:avLst/>
+              </a:prstTxWarp>
+            </a:bodyPr>
+            <a:lstStyle/>
+            <a:p>
+              <a:endParaRPr lang="en-US" dirty="0">
+                <a:latin typeface="Source Sans Pro" charset="0"/>
+              </a:endParaRPr>
+            </a:p>
+          </p:txBody>
+        </p:sp>
+        <p:sp>
+          <p:nvSpPr>
+            <p:cNvPr id="25" name="Freeform 25">
+              <a:extLst>
+                <a:ext uri="{FF2B5EF4-FFF2-40B4-BE49-F238E27FC236}">
+                  <a16:creationId xmlns:a16="http://schemas.microsoft.com/office/drawing/2014/main" id="{89DA3F09-D894-4AFE-9AAF-750CDF716B3C}"/>
+                </a:ext>
+              </a:extLst>
+            </p:cNvPr>
+            <p:cNvSpPr>
+              <a:spLocks/>
+            </p:cNvSpPr>
+            <p:nvPr/>
+          </p:nvSpPr>
+          <p:spPr bwMode="auto">
+            <a:xfrm>
+              <a:off x="7172065" y="3725824"/>
+              <a:ext cx="352330" cy="642946"/>
+            </a:xfrm>
+            <a:custGeom>
+              <a:avLst/>
+              <a:gdLst>
+                <a:gd name="T0" fmla="*/ 314 w 314"/>
+                <a:gd name="T1" fmla="*/ 286 h 573"/>
+                <a:gd name="T2" fmla="*/ 0 w 314"/>
+                <a:gd name="T3" fmla="*/ 0 h 573"/>
+                <a:gd name="T4" fmla="*/ 0 w 314"/>
+                <a:gd name="T5" fmla="*/ 286 h 573"/>
+                <a:gd name="T6" fmla="*/ 0 w 314"/>
+                <a:gd name="T7" fmla="*/ 573 h 573"/>
+                <a:gd name="T8" fmla="*/ 314 w 314"/>
+                <a:gd name="T9" fmla="*/ 286 h 573"/>
+              </a:gdLst>
+              <a:ahLst/>
+              <a:cxnLst>
+                <a:cxn ang="0">
+                  <a:pos x="T0" y="T1"/>
+                </a:cxn>
+                <a:cxn ang="0">
+                  <a:pos x="T2" y="T3"/>
+                </a:cxn>
+                <a:cxn ang="0">
+                  <a:pos x="T4" y="T5"/>
+                </a:cxn>
+                <a:cxn ang="0">
+                  <a:pos x="T6" y="T7"/>
+                </a:cxn>
+                <a:cxn ang="0">
+                  <a:pos x="T8" y="T9"/>
+                </a:cxn>
+              </a:cxnLst>
+              <a:rect l="0" t="0" r="r" b="b"/>
+              <a:pathLst>
+                <a:path w="314" h="573">
+                  <a:moveTo>
+                    <a:pt x="314" y="286"/>
+                  </a:moveTo>
+                  <a:lnTo>
+                    <a:pt x="0" y="0"/>
+                  </a:lnTo>
+                  <a:lnTo>
+                    <a:pt x="0" y="286"/>
+                  </a:lnTo>
+                  <a:lnTo>
+                    <a:pt x="0" y="573"/>
+                  </a:lnTo>
+                  <a:lnTo>
+                    <a:pt x="314" y="286"/>
+                  </a:lnTo>
+                  <a:close/>
+                </a:path>
+              </a:pathLst>
+            </a:custGeom>
+            <a:solidFill>
+              <a:schemeClr val="accent3"/>
+            </a:solidFill>
+            <a:ln>
+              <a:noFill/>
+            </a:ln>
+          </p:spPr>
+          <p:txBody>
+            <a:bodyPr vert="horz" wrap="square" lIns="91440" tIns="45720" rIns="91440" bIns="45720" numCol="1" anchor="t" anchorCtr="0" compatLnSpc="1">
+              <a:prstTxWarp prst="textNoShape">
+                <a:avLst/>
+              </a:prstTxWarp>
+            </a:bodyPr>
+            <a:lstStyle/>
+            <a:p>
+              <a:endParaRPr lang="en-US" dirty="0">
+                <a:latin typeface="Source Sans Pro" charset="0"/>
+              </a:endParaRPr>
+            </a:p>
+          </p:txBody>
+        </p:sp>
+      </p:grpSp>
+      <p:grpSp>
+        <p:nvGrpSpPr>
+          <p:cNvPr id="28" name="Group 36">
+            <a:extLst>
+              <a:ext uri="{FF2B5EF4-FFF2-40B4-BE49-F238E27FC236}">
+                <a16:creationId xmlns:a16="http://schemas.microsoft.com/office/drawing/2014/main" id="{AE8A841B-4C38-4297-A2C5-9E13A7DC21A0}"/>
+              </a:ext>
+            </a:extLst>
+          </p:cNvPr>
+          <p:cNvGrpSpPr/>
+          <p:nvPr/>
+        </p:nvGrpSpPr>
+        <p:grpSpPr>
+          <a:xfrm rot="5400000">
+            <a:off x="1316149" y="2041903"/>
+            <a:ext cx="326522" cy="2966937"/>
+            <a:chOff x="6475260" y="3892789"/>
+            <a:chExt cx="326522" cy="2966937"/>
+          </a:xfrm>
+        </p:grpSpPr>
+        <p:sp>
+          <p:nvSpPr>
+            <p:cNvPr id="29" name="Freeform 21">
+              <a:extLst>
+                <a:ext uri="{FF2B5EF4-FFF2-40B4-BE49-F238E27FC236}">
+                  <a16:creationId xmlns:a16="http://schemas.microsoft.com/office/drawing/2014/main" id="{21528029-2A42-4C1B-8C8D-0C19F2EA80BE}"/>
+                </a:ext>
+              </a:extLst>
+            </p:cNvPr>
+            <p:cNvSpPr>
+              <a:spLocks/>
+            </p:cNvSpPr>
+            <p:nvPr/>
+          </p:nvSpPr>
+          <p:spPr bwMode="auto">
+            <a:xfrm>
+              <a:off x="6475260" y="3892789"/>
+              <a:ext cx="326522" cy="2248626"/>
+            </a:xfrm>
+            <a:custGeom>
+              <a:avLst/>
+              <a:gdLst>
+                <a:gd name="T0" fmla="*/ 291 w 291"/>
+                <a:gd name="T1" fmla="*/ 0 h 2004"/>
+                <a:gd name="T2" fmla="*/ 291 w 291"/>
+                <a:gd name="T3" fmla="*/ 2004 h 2004"/>
+                <a:gd name="T4" fmla="*/ 0 w 291"/>
+                <a:gd name="T5" fmla="*/ 2004 h 2004"/>
+                <a:gd name="T6" fmla="*/ 0 w 291"/>
+                <a:gd name="T7" fmla="*/ 291 h 2004"/>
+                <a:gd name="T8" fmla="*/ 291 w 291"/>
+                <a:gd name="T9" fmla="*/ 0 h 2004"/>
+              </a:gdLst>
+              <a:ahLst/>
+              <a:cxnLst>
+                <a:cxn ang="0">
+                  <a:pos x="T0" y="T1"/>
+                </a:cxn>
+                <a:cxn ang="0">
+                  <a:pos x="T2" y="T3"/>
+                </a:cxn>
+                <a:cxn ang="0">
+                  <a:pos x="T4" y="T5"/>
+                </a:cxn>
+                <a:cxn ang="0">
+                  <a:pos x="T6" y="T7"/>
+                </a:cxn>
+                <a:cxn ang="0">
+                  <a:pos x="T8" y="T9"/>
+                </a:cxn>
+              </a:cxnLst>
+              <a:rect l="0" t="0" r="r" b="b"/>
+              <a:pathLst>
+                <a:path w="291" h="2004">
+                  <a:moveTo>
+                    <a:pt x="291" y="0"/>
+                  </a:moveTo>
+                  <a:lnTo>
+                    <a:pt x="291" y="2004"/>
+                  </a:lnTo>
+                  <a:lnTo>
+                    <a:pt x="0" y="2004"/>
+                  </a:lnTo>
+                  <a:lnTo>
+                    <a:pt x="0" y="291"/>
+                  </a:lnTo>
+                  <a:lnTo>
+                    <a:pt x="291" y="0"/>
+                  </a:lnTo>
+                  <a:close/>
+                </a:path>
+              </a:pathLst>
+            </a:custGeom>
+            <a:solidFill>
+              <a:schemeClr val="accent3">
+                <a:lumMod val="75000"/>
+              </a:schemeClr>
+            </a:solidFill>
+            <a:ln>
+              <a:noFill/>
+            </a:ln>
+          </p:spPr>
+          <p:txBody>
+            <a:bodyPr vert="horz" wrap="square" lIns="91440" tIns="45720" rIns="91440" bIns="45720" numCol="1" anchor="t" anchorCtr="0" compatLnSpc="1">
+              <a:prstTxWarp prst="textNoShape">
+                <a:avLst/>
+              </a:prstTxWarp>
+            </a:bodyPr>
+            <a:lstStyle/>
+            <a:p>
+              <a:endParaRPr lang="en-US" dirty="0">
+                <a:latin typeface="Source Sans Pro" charset="0"/>
+              </a:endParaRPr>
+            </a:p>
+          </p:txBody>
+        </p:sp>
+        <p:sp>
+          <p:nvSpPr>
+            <p:cNvPr id="30" name="Freeform 21">
+              <a:extLst>
+                <a:ext uri="{FF2B5EF4-FFF2-40B4-BE49-F238E27FC236}">
+                  <a16:creationId xmlns:a16="http://schemas.microsoft.com/office/drawing/2014/main" id="{A08A268C-A2E9-49E3-BA43-0A108A05588B}"/>
+                </a:ext>
+              </a:extLst>
+            </p:cNvPr>
+            <p:cNvSpPr>
+              <a:spLocks/>
+            </p:cNvSpPr>
+            <p:nvPr/>
+          </p:nvSpPr>
+          <p:spPr bwMode="auto">
+            <a:xfrm>
+              <a:off x="6475260" y="4611100"/>
+              <a:ext cx="326522" cy="2248626"/>
+            </a:xfrm>
+            <a:custGeom>
+              <a:avLst/>
+              <a:gdLst>
+                <a:gd name="T0" fmla="*/ 291 w 291"/>
+                <a:gd name="T1" fmla="*/ 0 h 2004"/>
+                <a:gd name="T2" fmla="*/ 291 w 291"/>
+                <a:gd name="T3" fmla="*/ 2004 h 2004"/>
+                <a:gd name="T4" fmla="*/ 0 w 291"/>
+                <a:gd name="T5" fmla="*/ 2004 h 2004"/>
+                <a:gd name="T6" fmla="*/ 0 w 291"/>
+                <a:gd name="T7" fmla="*/ 291 h 2004"/>
+                <a:gd name="T8" fmla="*/ 291 w 291"/>
+                <a:gd name="T9" fmla="*/ 0 h 2004"/>
+              </a:gdLst>
+              <a:ahLst/>
+              <a:cxnLst>
+                <a:cxn ang="0">
+                  <a:pos x="T0" y="T1"/>
+                </a:cxn>
+                <a:cxn ang="0">
+                  <a:pos x="T2" y="T3"/>
+                </a:cxn>
+                <a:cxn ang="0">
+                  <a:pos x="T4" y="T5"/>
+                </a:cxn>
+                <a:cxn ang="0">
+                  <a:pos x="T6" y="T7"/>
+                </a:cxn>
+                <a:cxn ang="0">
+                  <a:pos x="T8" y="T9"/>
+                </a:cxn>
+              </a:cxnLst>
+              <a:rect l="0" t="0" r="r" b="b"/>
+              <a:pathLst>
+                <a:path w="291" h="2004">
+                  <a:moveTo>
+                    <a:pt x="291" y="0"/>
+                  </a:moveTo>
+                  <a:lnTo>
+                    <a:pt x="291" y="2004"/>
+                  </a:lnTo>
+                  <a:lnTo>
+                    <a:pt x="0" y="2004"/>
+                  </a:lnTo>
+                  <a:lnTo>
+                    <a:pt x="0" y="291"/>
+                  </a:lnTo>
+                  <a:lnTo>
+                    <a:pt x="291" y="0"/>
+                  </a:lnTo>
+                  <a:close/>
+                </a:path>
+              </a:pathLst>
+            </a:custGeom>
+            <a:solidFill>
+              <a:schemeClr val="accent3">
+                <a:lumMod val="75000"/>
+              </a:schemeClr>
+            </a:solidFill>
+            <a:ln>
+              <a:noFill/>
+            </a:ln>
+          </p:spPr>
+          <p:txBody>
+            <a:bodyPr vert="horz" wrap="square" lIns="91440" tIns="45720" rIns="91440" bIns="45720" numCol="1" anchor="t" anchorCtr="0" compatLnSpc="1">
+              <a:prstTxWarp prst="textNoShape">
+                <a:avLst/>
+              </a:prstTxWarp>
+            </a:bodyPr>
+            <a:lstStyle/>
+            <a:p>
+              <a:endParaRPr lang="en-US" dirty="0">
+                <a:latin typeface="Source Sans Pro" charset="0"/>
+              </a:endParaRPr>
+            </a:p>
+          </p:txBody>
+        </p:sp>
+      </p:grpSp>
+      <p:grpSp>
+        <p:nvGrpSpPr>
+          <p:cNvPr id="31" name="Group 35">
+            <a:extLst>
+              <a:ext uri="{FF2B5EF4-FFF2-40B4-BE49-F238E27FC236}">
+                <a16:creationId xmlns:a16="http://schemas.microsoft.com/office/drawing/2014/main" id="{0FF78407-6A41-4224-AB4C-8A2CCDE53CB2}"/>
+              </a:ext>
+            </a:extLst>
+          </p:cNvPr>
+          <p:cNvGrpSpPr/>
+          <p:nvPr/>
+        </p:nvGrpSpPr>
+        <p:grpSpPr>
+          <a:xfrm rot="5400000">
+            <a:off x="2292681" y="3564319"/>
+            <a:ext cx="1049135" cy="642946"/>
+            <a:chOff x="6475260" y="3725824"/>
+            <a:chExt cx="1049135" cy="642946"/>
+          </a:xfrm>
+        </p:grpSpPr>
+        <p:sp>
+          <p:nvSpPr>
+            <p:cNvPr id="32" name="Freeform 23">
+              <a:extLst>
+                <a:ext uri="{FF2B5EF4-FFF2-40B4-BE49-F238E27FC236}">
+                  <a16:creationId xmlns:a16="http://schemas.microsoft.com/office/drawing/2014/main" id="{3B54B0E0-72E4-4A8D-92A7-A8477EABDFDC}"/>
+                </a:ext>
+              </a:extLst>
+            </p:cNvPr>
+            <p:cNvSpPr>
+              <a:spLocks/>
+            </p:cNvSpPr>
+            <p:nvPr/>
+          </p:nvSpPr>
+          <p:spPr bwMode="auto">
+            <a:xfrm>
+              <a:off x="6475260" y="3892789"/>
+              <a:ext cx="732711" cy="326522"/>
+            </a:xfrm>
+            <a:custGeom>
+              <a:avLst/>
+              <a:gdLst>
+                <a:gd name="T0" fmla="*/ 653 w 653"/>
+                <a:gd name="T1" fmla="*/ 291 h 291"/>
+                <a:gd name="T2" fmla="*/ 0 w 653"/>
+                <a:gd name="T3" fmla="*/ 291 h 291"/>
+                <a:gd name="T4" fmla="*/ 291 w 653"/>
+                <a:gd name="T5" fmla="*/ 0 h 291"/>
+                <a:gd name="T6" fmla="*/ 653 w 653"/>
+                <a:gd name="T7" fmla="*/ 0 h 291"/>
+                <a:gd name="T8" fmla="*/ 653 w 653"/>
+                <a:gd name="T9" fmla="*/ 291 h 291"/>
+              </a:gdLst>
+              <a:ahLst/>
+              <a:cxnLst>
+                <a:cxn ang="0">
+                  <a:pos x="T0" y="T1"/>
+                </a:cxn>
+                <a:cxn ang="0">
+                  <a:pos x="T2" y="T3"/>
+                </a:cxn>
+                <a:cxn ang="0">
+                  <a:pos x="T4" y="T5"/>
+                </a:cxn>
+                <a:cxn ang="0">
+                  <a:pos x="T6" y="T7"/>
+                </a:cxn>
+                <a:cxn ang="0">
+                  <a:pos x="T8" y="T9"/>
+                </a:cxn>
+              </a:cxnLst>
+              <a:rect l="0" t="0" r="r" b="b"/>
+              <a:pathLst>
+                <a:path w="653" h="291">
+                  <a:moveTo>
+                    <a:pt x="653" y="291"/>
+                  </a:moveTo>
+                  <a:lnTo>
+                    <a:pt x="0" y="291"/>
+                  </a:lnTo>
+                  <a:lnTo>
+                    <a:pt x="291" y="0"/>
+                  </a:lnTo>
+                  <a:lnTo>
+                    <a:pt x="653" y="0"/>
+                  </a:lnTo>
+                  <a:lnTo>
+                    <a:pt x="653" y="291"/>
+                  </a:lnTo>
+                  <a:close/>
+                </a:path>
+              </a:pathLst>
+            </a:custGeom>
+            <a:solidFill>
+              <a:schemeClr val="accent3"/>
+            </a:solidFill>
+            <a:ln>
+              <a:noFill/>
+            </a:ln>
+          </p:spPr>
+          <p:txBody>
+            <a:bodyPr vert="horz" wrap="square" lIns="91440" tIns="45720" rIns="91440" bIns="45720" numCol="1" anchor="t" anchorCtr="0" compatLnSpc="1">
+              <a:prstTxWarp prst="textNoShape">
+                <a:avLst/>
+              </a:prstTxWarp>
+            </a:bodyPr>
+            <a:lstStyle/>
+            <a:p>
+              <a:endParaRPr lang="en-US" dirty="0">
+                <a:latin typeface="Source Sans Pro" charset="0"/>
+              </a:endParaRPr>
+            </a:p>
+          </p:txBody>
+        </p:sp>
+        <p:sp>
+          <p:nvSpPr>
+            <p:cNvPr id="33" name="Freeform 25">
+              <a:extLst>
+                <a:ext uri="{FF2B5EF4-FFF2-40B4-BE49-F238E27FC236}">
+                  <a16:creationId xmlns:a16="http://schemas.microsoft.com/office/drawing/2014/main" id="{0A25CFB2-CE59-40E7-B02A-673B5C59D1A2}"/>
+                </a:ext>
+              </a:extLst>
+            </p:cNvPr>
+            <p:cNvSpPr>
+              <a:spLocks/>
+            </p:cNvSpPr>
+            <p:nvPr/>
+          </p:nvSpPr>
+          <p:spPr bwMode="auto">
+            <a:xfrm>
+              <a:off x="7172065" y="3725824"/>
+              <a:ext cx="352330" cy="642946"/>
+            </a:xfrm>
+            <a:custGeom>
+              <a:avLst/>
+              <a:gdLst>
+                <a:gd name="T0" fmla="*/ 314 w 314"/>
+                <a:gd name="T1" fmla="*/ 286 h 573"/>
+                <a:gd name="T2" fmla="*/ 0 w 314"/>
+                <a:gd name="T3" fmla="*/ 0 h 573"/>
+                <a:gd name="T4" fmla="*/ 0 w 314"/>
+                <a:gd name="T5" fmla="*/ 286 h 573"/>
+                <a:gd name="T6" fmla="*/ 0 w 314"/>
+                <a:gd name="T7" fmla="*/ 573 h 573"/>
+                <a:gd name="T8" fmla="*/ 314 w 314"/>
+                <a:gd name="T9" fmla="*/ 286 h 573"/>
+              </a:gdLst>
+              <a:ahLst/>
+              <a:cxnLst>
+                <a:cxn ang="0">
+                  <a:pos x="T0" y="T1"/>
+                </a:cxn>
+                <a:cxn ang="0">
+                  <a:pos x="T2" y="T3"/>
+                </a:cxn>
+                <a:cxn ang="0">
+                  <a:pos x="T4" y="T5"/>
+                </a:cxn>
+                <a:cxn ang="0">
+                  <a:pos x="T6" y="T7"/>
+                </a:cxn>
+                <a:cxn ang="0">
+                  <a:pos x="T8" y="T9"/>
+                </a:cxn>
+              </a:cxnLst>
+              <a:rect l="0" t="0" r="r" b="b"/>
+              <a:pathLst>
+                <a:path w="314" h="573">
+                  <a:moveTo>
+                    <a:pt x="314" y="286"/>
+                  </a:moveTo>
+                  <a:lnTo>
+                    <a:pt x="0" y="0"/>
+                  </a:lnTo>
+                  <a:lnTo>
+                    <a:pt x="0" y="286"/>
+                  </a:lnTo>
+                  <a:lnTo>
+                    <a:pt x="0" y="573"/>
+                  </a:lnTo>
+                  <a:lnTo>
+                    <a:pt x="314" y="286"/>
+                  </a:lnTo>
+                  <a:close/>
+                </a:path>
+              </a:pathLst>
+            </a:custGeom>
+            <a:solidFill>
+              <a:schemeClr val="accent3"/>
+            </a:solidFill>
+            <a:ln>
+              <a:noFill/>
+            </a:ln>
+          </p:spPr>
+          <p:txBody>
+            <a:bodyPr vert="horz" wrap="square" lIns="91440" tIns="45720" rIns="91440" bIns="45720" numCol="1" anchor="t" anchorCtr="0" compatLnSpc="1">
+              <a:prstTxWarp prst="textNoShape">
+                <a:avLst/>
+              </a:prstTxWarp>
+            </a:bodyPr>
+            <a:lstStyle/>
+            <a:p>
+              <a:endParaRPr lang="en-US" dirty="0">
+                <a:latin typeface="Source Sans Pro" charset="0"/>
+              </a:endParaRPr>
+            </a:p>
+          </p:txBody>
+        </p:sp>
+      </p:grpSp>
+      <p:sp>
+        <p:nvSpPr>
+          <p:cNvPr id="36" name="Rectangle 18">
+            <a:extLst>
+              <a:ext uri="{FF2B5EF4-FFF2-40B4-BE49-F238E27FC236}">
+                <a16:creationId xmlns:a16="http://schemas.microsoft.com/office/drawing/2014/main" id="{192A5121-9FB1-4B46-8BC5-368F8070CCE6}"/>
+              </a:ext>
+            </a:extLst>
+          </p:cNvPr>
+          <p:cNvSpPr/>
+          <p:nvPr/>
+        </p:nvSpPr>
+        <p:spPr>
+          <a:xfrm>
+            <a:off x="9687348" y="4803046"/>
+            <a:ext cx="2235200" cy="869277"/>
+          </a:xfrm>
+          <a:prstGeom prst="rect">
+            <a:avLst/>
+          </a:prstGeom>
+        </p:spPr>
+        <p:txBody>
+          <a:bodyPr wrap="square" lIns="121920" rIns="121920" bIns="60960">
+            <a:spAutoFit/>
+          </a:bodyPr>
+          <a:lstStyle/>
+          <a:p>
+            <a:pPr algn="r">
+              <a:lnSpc>
+                <a:spcPct val="120000"/>
+              </a:lnSpc>
+              <a:spcBef>
+                <a:spcPts val="600"/>
+              </a:spcBef>
+            </a:pPr>
+            <a:r>
+              <a:rPr lang="ru-RU" sz="1400" b="1" spc="200" dirty="0">
+                <a:latin typeface="Open Sans Semibold" charset="0"/>
+                <a:ea typeface="Open Sans Semibold" charset="0"/>
+                <a:cs typeface="Open Sans Semibold" charset="0"/>
+              </a:rPr>
+              <a:t>При начальных значениях</a:t>
+            </a:r>
+            <a:endParaRPr lang="en-US" sz="1400" b="1" spc="200" dirty="0">
+              <a:latin typeface="Open Sans Semibold" charset="0"/>
+              <a:ea typeface="Open Sans Semibold" charset="0"/>
+              <a:cs typeface="Open Sans Semibold" charset="0"/>
+            </a:endParaRPr>
+          </a:p>
+          <a:p>
+            <a:pPr algn="r">
+              <a:lnSpc>
+                <a:spcPct val="120000"/>
+              </a:lnSpc>
+              <a:spcBef>
+                <a:spcPts val="600"/>
+              </a:spcBef>
+            </a:pPr>
+            <a:r>
+              <a:rPr lang="en-US" sz="1000" dirty="0">
+                <a:latin typeface="Open Sans Regular" charset="0"/>
+                <a:ea typeface="Open Sans Regular" charset="0"/>
+                <a:cs typeface="Open Sans Regular" charset="0"/>
+              </a:rPr>
+              <a:t>E</a:t>
+            </a:r>
+            <a:r>
+              <a:rPr lang="ru-RU" sz="1000" dirty="0" err="1">
+                <a:latin typeface="Open Sans Regular" charset="0"/>
+                <a:ea typeface="Open Sans Regular" charset="0"/>
+                <a:cs typeface="Open Sans Regular" charset="0"/>
+              </a:rPr>
+              <a:t>гр</a:t>
+            </a:r>
+            <a:r>
+              <a:rPr lang="ru-RU" sz="1000" dirty="0">
+                <a:latin typeface="Open Sans Regular" charset="0"/>
+                <a:ea typeface="Open Sans Regular" charset="0"/>
+                <a:cs typeface="Open Sans Regular" charset="0"/>
+              </a:rPr>
+              <a:t> = 0.00005 </a:t>
+            </a:r>
+            <a:endParaRPr lang="en-US" sz="1000" dirty="0">
+              <a:latin typeface="Open Sans Regular" charset="0"/>
+              <a:ea typeface="Open Sans Regular" charset="0"/>
+              <a:cs typeface="Open Sans Regular" charset="0"/>
+            </a:endParaRPr>
+          </a:p>
+        </p:txBody>
+      </p:sp>
+      <p:sp>
+        <p:nvSpPr>
+          <p:cNvPr id="37" name="Rectangle 18">
+            <a:extLst>
+              <a:ext uri="{FF2B5EF4-FFF2-40B4-BE49-F238E27FC236}">
+                <a16:creationId xmlns:a16="http://schemas.microsoft.com/office/drawing/2014/main" id="{3543802B-7026-4E80-906D-30889325DF71}"/>
+              </a:ext>
+            </a:extLst>
+          </p:cNvPr>
+          <p:cNvSpPr/>
+          <p:nvPr/>
+        </p:nvSpPr>
+        <p:spPr>
+          <a:xfrm>
+            <a:off x="539775" y="1652303"/>
+            <a:ext cx="2235200" cy="869277"/>
+          </a:xfrm>
+          <a:prstGeom prst="rect">
+            <a:avLst/>
+          </a:prstGeom>
+        </p:spPr>
+        <p:txBody>
+          <a:bodyPr wrap="square" lIns="121920" rIns="121920" bIns="60960">
+            <a:spAutoFit/>
+          </a:bodyPr>
+          <a:lstStyle/>
+          <a:p>
+            <a:pPr>
+              <a:lnSpc>
+                <a:spcPct val="120000"/>
+              </a:lnSpc>
+              <a:spcBef>
+                <a:spcPts val="600"/>
+              </a:spcBef>
+            </a:pPr>
+            <a:r>
+              <a:rPr lang="ru-RU" sz="1400" b="1" spc="200" dirty="0">
+                <a:latin typeface="Open Sans Semibold" charset="0"/>
+                <a:ea typeface="Open Sans Semibold" charset="0"/>
+                <a:cs typeface="Open Sans Semibold" charset="0"/>
+              </a:rPr>
+              <a:t>При начальных значениях</a:t>
+            </a:r>
+            <a:endParaRPr lang="en-US" sz="1400" b="1" spc="200" dirty="0">
+              <a:latin typeface="Open Sans Semibold" charset="0"/>
+              <a:ea typeface="Open Sans Semibold" charset="0"/>
+              <a:cs typeface="Open Sans Semibold" charset="0"/>
+            </a:endParaRPr>
+          </a:p>
+          <a:p>
+            <a:pPr>
+              <a:lnSpc>
+                <a:spcPct val="120000"/>
+              </a:lnSpc>
+              <a:spcBef>
+                <a:spcPts val="600"/>
+              </a:spcBef>
+            </a:pPr>
+            <a:r>
+              <a:rPr lang="en-US" sz="1000" dirty="0">
+                <a:latin typeface="Open Sans Regular" charset="0"/>
+                <a:ea typeface="Open Sans Regular" charset="0"/>
+                <a:cs typeface="Open Sans Regular" charset="0"/>
+              </a:rPr>
+              <a:t>E</a:t>
+            </a:r>
+            <a:r>
+              <a:rPr lang="ru-RU" sz="1000" dirty="0" err="1">
+                <a:latin typeface="Open Sans Regular" charset="0"/>
+                <a:ea typeface="Open Sans Regular" charset="0"/>
+                <a:cs typeface="Open Sans Regular" charset="0"/>
+              </a:rPr>
+              <a:t>гр</a:t>
+            </a:r>
+            <a:r>
+              <a:rPr lang="ru-RU" sz="1000" dirty="0">
+                <a:latin typeface="Open Sans Regular" charset="0"/>
+                <a:ea typeface="Open Sans Regular" charset="0"/>
+                <a:cs typeface="Open Sans Regular" charset="0"/>
+              </a:rPr>
+              <a:t> = 5</a:t>
+            </a:r>
+            <a:endParaRPr lang="en-US" sz="1000" dirty="0">
+              <a:latin typeface="Open Sans Regular" charset="0"/>
+              <a:ea typeface="Open Sans Regular" charset="0"/>
+              <a:cs typeface="Open Sans Regular" charset="0"/>
+            </a:endParaRPr>
+          </a:p>
+        </p:txBody>
+      </p:sp>
+      <p:pic>
+        <p:nvPicPr>
+          <p:cNvPr id="6" name="Рисунок 5">
+            <a:extLst>
+              <a:ext uri="{FF2B5EF4-FFF2-40B4-BE49-F238E27FC236}">
+                <a16:creationId xmlns:a16="http://schemas.microsoft.com/office/drawing/2014/main" id="{CED57C6F-96B8-43D4-8932-E6589614D456}"/>
+              </a:ext>
+            </a:extLst>
+          </p:cNvPr>
+          <p:cNvPicPr>
+            <a:picLocks noChangeAspect="1"/>
+          </p:cNvPicPr>
+          <p:nvPr/>
+        </p:nvPicPr>
+        <p:blipFill rotWithShape="1">
+          <a:blip r:embed="rId2">
+            <a:extLst>
+              <a:ext uri="{28A0092B-C50C-407E-A947-70E740481C1C}">
+                <a14:useLocalDpi xmlns:a14="http://schemas.microsoft.com/office/drawing/2010/main" val="0"/>
+              </a:ext>
+            </a:extLst>
+          </a:blip>
+          <a:srcRect l="60158" t="60223"/>
+          <a:stretch/>
+        </p:blipFill>
+        <p:spPr>
+          <a:xfrm>
+            <a:off x="1093759" y="4529163"/>
+            <a:ext cx="3362432" cy="2245191"/>
+          </a:xfrm>
+          <a:prstGeom prst="rect">
+            <a:avLst/>
+          </a:prstGeom>
+        </p:spPr>
+      </p:pic>
+      <p:pic>
+        <p:nvPicPr>
+          <p:cNvPr id="9" name="Рисунок 8">
+            <a:extLst>
+              <a:ext uri="{FF2B5EF4-FFF2-40B4-BE49-F238E27FC236}">
+                <a16:creationId xmlns:a16="http://schemas.microsoft.com/office/drawing/2014/main" id="{1E07CFA9-8B99-4DD4-8387-93A77468AD9A}"/>
+              </a:ext>
+            </a:extLst>
+          </p:cNvPr>
+          <p:cNvPicPr>
+            <a:picLocks noChangeAspect="1"/>
+          </p:cNvPicPr>
+          <p:nvPr/>
+        </p:nvPicPr>
+        <p:blipFill rotWithShape="1">
+          <a:blip r:embed="rId3">
+            <a:extLst>
+              <a:ext uri="{28A0092B-C50C-407E-A947-70E740481C1C}">
+                <a14:useLocalDpi xmlns:a14="http://schemas.microsoft.com/office/drawing/2010/main" val="0"/>
+              </a:ext>
+            </a:extLst>
+          </a:blip>
+          <a:srcRect l="60228" t="59172"/>
+          <a:stretch/>
+        </p:blipFill>
+        <p:spPr>
+          <a:xfrm>
+            <a:off x="7652552" y="605199"/>
+            <a:ext cx="3379509" cy="2356085"/>
+          </a:xfrm>
+          <a:prstGeom prst="rect">
+            <a:avLst/>
+          </a:prstGeom>
+        </p:spPr>
+      </p:pic>
+    </p:spTree>
+    <p:extLst>
+      <p:ext uri="{BB962C8B-B14F-4D97-AF65-F5344CB8AC3E}">
+        <p14:creationId xmlns:p14="http://schemas.microsoft.com/office/powerpoint/2010/main" val="327084973"/>
+      </p:ext>
+    </p:extLst>
+  </p:cSld>
+  <p:clrMapOvr>
+    <a:masterClrMapping/>
+  </p:clrMapOvr>
+  <p:timing>
+    <p:tnLst>
+      <p:par>
+        <p:cTn id="1" dur="indefinite" restart="never" nodeType="tmRoot">
+          <p:childTnLst>
+            <p:seq concurrent="1" nextAc="seek">
+              <p:cTn id="2" dur="indefinite" nodeType="mainSeq">
+                <p:childTnLst>
+                  <p:par>
+                    <p:cTn id="3" fill="hold">
+                      <p:stCondLst>
+                        <p:cond delay="indefinite"/>
+                        <p:cond evt="onBegin" delay="0">
+                          <p:tn val="2"/>
+                        </p:cond>
+                      </p:stCondLst>
+                      <p:childTnLst>
+                        <p:par>
+                          <p:cTn id="4" fill="hold">
+                            <p:stCondLst>
+                              <p:cond delay="0"/>
+                            </p:stCondLst>
+                            <p:childTnLst>
+                              <p:par>
+                                <p:cTn id="5" presetID="22" presetClass="entr" presetSubtype="4" fill="hold" nodeType="withEffect">
+                                  <p:stCondLst>
+                                    <p:cond delay="1500"/>
+                                  </p:stCondLst>
+                                  <p:childTnLst>
+                                    <p:set>
+                                      <p:cBhvr>
+                                        <p:cTn id="6" dur="1" fill="hold">
+                                          <p:stCondLst>
+                                            <p:cond delay="0"/>
+                                          </p:stCondLst>
+                                        </p:cTn>
+                                        <p:tgtEl>
+                                          <p:spTgt spid="20"/>
+                                        </p:tgtEl>
+                                        <p:attrNameLst>
+                                          <p:attrName>style.visibility</p:attrName>
+                                        </p:attrNameLst>
+                                      </p:cBhvr>
+                                      <p:to>
+                                        <p:strVal val="visible"/>
+                                      </p:to>
+                                    </p:set>
+                                    <p:animEffect transition="in" filter="wipe(down)">
+                                      <p:cBhvr>
+                                        <p:cTn id="7" dur="500"/>
+                                        <p:tgtEl>
+                                          <p:spTgt spid="20"/>
+                                        </p:tgtEl>
+                                      </p:cBhvr>
+                                    </p:animEffect>
+                                  </p:childTnLst>
+                                </p:cTn>
+                              </p:par>
+                              <p:par>
+                                <p:cTn id="8" presetID="22" presetClass="entr" presetSubtype="8" fill="hold" nodeType="withEffect">
+                                  <p:stCondLst>
+                                    <p:cond delay="1750"/>
+                                  </p:stCondLst>
+                                  <p:childTnLst>
+                                    <p:set>
+                                      <p:cBhvr>
+                                        <p:cTn id="9" dur="1" fill="hold">
+                                          <p:stCondLst>
+                                            <p:cond delay="0"/>
+                                          </p:stCondLst>
+                                        </p:cTn>
+                                        <p:tgtEl>
+                                          <p:spTgt spid="23"/>
+                                        </p:tgtEl>
+                                        <p:attrNameLst>
+                                          <p:attrName>style.visibility</p:attrName>
+                                        </p:attrNameLst>
+                                      </p:cBhvr>
+                                      <p:to>
+                                        <p:strVal val="visible"/>
+                                      </p:to>
+                                    </p:set>
+                                    <p:animEffect transition="in" filter="wipe(left)">
+                                      <p:cBhvr>
+                                        <p:cTn id="10" dur="500"/>
+                                        <p:tgtEl>
+                                          <p:spTgt spid="23"/>
+                                        </p:tgtEl>
+                                      </p:cBhvr>
+                                    </p:animEffect>
+                                  </p:childTnLst>
+                                </p:cTn>
+                              </p:par>
+                              <p:par>
+                                <p:cTn id="11" presetID="22" presetClass="entr" presetSubtype="4" fill="hold" nodeType="withEffect">
+                                  <p:stCondLst>
+                                    <p:cond delay="1500"/>
+                                  </p:stCondLst>
+                                  <p:childTnLst>
+                                    <p:set>
+                                      <p:cBhvr>
+                                        <p:cTn id="12" dur="1" fill="hold">
+                                          <p:stCondLst>
+                                            <p:cond delay="0"/>
+                                          </p:stCondLst>
+                                        </p:cTn>
+                                        <p:tgtEl>
+                                          <p:spTgt spid="28"/>
+                                        </p:tgtEl>
+                                        <p:attrNameLst>
+                                          <p:attrName>style.visibility</p:attrName>
+                                        </p:attrNameLst>
+                                      </p:cBhvr>
+                                      <p:to>
+                                        <p:strVal val="visible"/>
+                                      </p:to>
+                                    </p:set>
+                                    <p:animEffect transition="in" filter="wipe(down)">
+                                      <p:cBhvr>
+                                        <p:cTn id="13" dur="500"/>
+                                        <p:tgtEl>
+                                          <p:spTgt spid="28"/>
+                                        </p:tgtEl>
+                                      </p:cBhvr>
+                                    </p:animEffect>
+                                  </p:childTnLst>
+                                </p:cTn>
+                              </p:par>
+                              <p:par>
+                                <p:cTn id="14" presetID="22" presetClass="entr" presetSubtype="8" fill="hold" nodeType="withEffect">
+                                  <p:stCondLst>
+                                    <p:cond delay="1750"/>
+                                  </p:stCondLst>
+                                  <p:childTnLst>
+                                    <p:set>
+                                      <p:cBhvr>
+                                        <p:cTn id="15" dur="1" fill="hold">
+                                          <p:stCondLst>
+                                            <p:cond delay="0"/>
+                                          </p:stCondLst>
+                                        </p:cTn>
+                                        <p:tgtEl>
+                                          <p:spTgt spid="31"/>
+                                        </p:tgtEl>
+                                        <p:attrNameLst>
+                                          <p:attrName>style.visibility</p:attrName>
+                                        </p:attrNameLst>
+                                      </p:cBhvr>
+                                      <p:to>
+                                        <p:strVal val="visible"/>
+                                      </p:to>
+                                    </p:set>
+                                    <p:animEffect transition="in" filter="wipe(left)">
+                                      <p:cBhvr>
+                                        <p:cTn id="16" dur="500"/>
+                                        <p:tgtEl>
+                                          <p:spTgt spid="31"/>
+                                        </p:tgtEl>
+                                      </p:cBhvr>
+                                    </p:animEffect>
+                                  </p:childTnLst>
+                                </p:cTn>
+                              </p:par>
+                              <p:par>
+                                <p:cTn id="17" presetID="10" presetClass="entr" presetSubtype="0" fill="hold" grpId="0" nodeType="withEffect">
+                                  <p:stCondLst>
+                                    <p:cond delay="1950"/>
+                                  </p:stCondLst>
+                                  <p:childTnLst>
+                                    <p:set>
+                                      <p:cBhvr>
+                                        <p:cTn id="18" dur="1" fill="hold">
+                                          <p:stCondLst>
+                                            <p:cond delay="0"/>
+                                          </p:stCondLst>
+                                        </p:cTn>
+                                        <p:tgtEl>
+                                          <p:spTgt spid="36"/>
+                                        </p:tgtEl>
+                                        <p:attrNameLst>
+                                          <p:attrName>style.visibility</p:attrName>
+                                        </p:attrNameLst>
+                                      </p:cBhvr>
+                                      <p:to>
+                                        <p:strVal val="visible"/>
+                                      </p:to>
+                                    </p:set>
+                                    <p:animEffect transition="in" filter="fade">
+                                      <p:cBhvr>
+                                        <p:cTn id="19" dur="250"/>
+                                        <p:tgtEl>
+                                          <p:spTgt spid="36"/>
+                                        </p:tgtEl>
+                                      </p:cBhvr>
+                                    </p:animEffect>
+                                  </p:childTnLst>
+                                </p:cTn>
+                              </p:par>
+                              <p:par>
+                                <p:cTn id="20" presetID="10" presetClass="entr" presetSubtype="0" fill="hold" grpId="0" nodeType="withEffect">
+                                  <p:stCondLst>
+                                    <p:cond delay="1950"/>
+                                  </p:stCondLst>
+                                  <p:childTnLst>
+                                    <p:set>
+                                      <p:cBhvr>
+                                        <p:cTn id="21" dur="1" fill="hold">
+                                          <p:stCondLst>
+                                            <p:cond delay="0"/>
+                                          </p:stCondLst>
+                                        </p:cTn>
+                                        <p:tgtEl>
+                                          <p:spTgt spid="37"/>
+                                        </p:tgtEl>
+                                        <p:attrNameLst>
+                                          <p:attrName>style.visibility</p:attrName>
+                                        </p:attrNameLst>
+                                      </p:cBhvr>
+                                      <p:to>
+                                        <p:strVal val="visible"/>
+                                      </p:to>
+                                    </p:set>
+                                    <p:animEffect transition="in" filter="fade">
+                                      <p:cBhvr>
+                                        <p:cTn id="22" dur="250"/>
+                                        <p:tgtEl>
+                                          <p:spTgt spid="37"/>
+                                        </p:tgtEl>
+                                      </p:cBhvr>
+                                    </p:animEffect>
+                                  </p:childTnLst>
+                                </p:cTn>
+                              </p:par>
+                            </p:childTnLst>
+                          </p:cTn>
+                        </p:par>
+                      </p:childTnLst>
+                    </p:cTn>
+                  </p:par>
+                </p:childTnLst>
+              </p:cTn>
+              <p:prevCondLst>
+                <p:cond evt="onPrev" delay="0">
+                  <p:tgtEl>
+                    <p:sldTgt/>
+                  </p:tgtEl>
+                </p:cond>
+              </p:prevCondLst>
+              <p:nextCondLst>
+                <p:cond evt="onNext" delay="0">
+                  <p:tgtEl>
+                    <p:sldTgt/>
+                  </p:tgtEl>
+                </p:cond>
+              </p:nextCondLst>
+            </p:seq>
+          </p:childTnLst>
+        </p:cTn>
+      </p:par>
+    </p:tnLst>
+    <p:bldLst>
+      <p:bldP spid="36" grpId="0"/>
+      <p:bldP spid="37" grpId="0"/>
+    </p:bldLst>
+  </p:timing>
+</p:sld>
+</file>
+
+<file path=ppt/slides/slide15.xml><?xml version="1.0" encoding="utf-8"?>
+<p:sld xmlns:a="http://schemas.openxmlformats.org/drawingml/2006/main" xmlns:r="http://schemas.openxmlformats.org/officeDocument/2006/relationships" xmlns:p="http://schemas.openxmlformats.org/presentationml/2006/main">
+  <p:cSld>
+    <p:spTree>
+      <p:nvGrpSpPr>
+        <p:cNvPr id="1" name=""/>
+        <p:cNvGrpSpPr/>
+        <p:nvPr/>
+      </p:nvGrpSpPr>
+      <p:grpSpPr>
+        <a:xfrm>
+          <a:off x="0" y="0"/>
+          <a:ext cx="0" cy="0"/>
+          <a:chOff x="0" y="0"/>
+          <a:chExt cx="0" cy="0"/>
+        </a:xfrm>
+      </p:grpSpPr>
+      <p:sp>
+        <p:nvSpPr>
+          <p:cNvPr id="3" name="Прямоугольник 2">
+            <a:extLst>
+              <a:ext uri="{FF2B5EF4-FFF2-40B4-BE49-F238E27FC236}">
+                <a16:creationId xmlns:a16="http://schemas.microsoft.com/office/drawing/2014/main" id="{CB94F085-43C4-4C81-9C52-04F6AA7E4C97}"/>
+              </a:ext>
+            </a:extLst>
+          </p:cNvPr>
+          <p:cNvSpPr/>
+          <p:nvPr/>
+        </p:nvSpPr>
+        <p:spPr>
+          <a:xfrm>
+            <a:off x="1429304" y="124287"/>
+            <a:ext cx="1447060" cy="790113"/>
+          </a:xfrm>
+          <a:prstGeom prst="rect">
+            <a:avLst/>
+          </a:prstGeom>
+          <a:solidFill>
+            <a:srgbClr val="001847"/>
+          </a:solidFill>
+          <a:ln>
+            <a:noFill/>
+          </a:ln>
+        </p:spPr>
+        <p:style>
+          <a:lnRef idx="2">
+            <a:schemeClr val="accent1">
+              <a:shade val="50000"/>
+            </a:schemeClr>
+          </a:lnRef>
+          <a:fillRef idx="1">
+            <a:schemeClr val="accent1"/>
+          </a:fillRef>
+          <a:effectRef idx="0">
+            <a:schemeClr val="accent1"/>
+          </a:effectRef>
+          <a:fontRef idx="minor">
+            <a:schemeClr val="lt1"/>
+          </a:fontRef>
+        </p:style>
+        <p:txBody>
+          <a:bodyPr rtlCol="0" anchor="ctr"/>
+          <a:lstStyle/>
+          <a:p>
+            <a:pPr algn="ctr"/>
+            <a:endParaRPr lang="ru-RU"/>
+          </a:p>
+        </p:txBody>
+      </p:sp>
+      <p:sp>
+        <p:nvSpPr>
+          <p:cNvPr id="4" name="Title 9">
+            <a:extLst>
+              <a:ext uri="{FF2B5EF4-FFF2-40B4-BE49-F238E27FC236}">
+                <a16:creationId xmlns:a16="http://schemas.microsoft.com/office/drawing/2014/main" id="{4222AF78-AA94-46D7-BC24-6718D00A2DE4}"/>
+              </a:ext>
+            </a:extLst>
+          </p:cNvPr>
+          <p:cNvSpPr txBox="1">
+            <a:spLocks/>
+          </p:cNvSpPr>
+          <p:nvPr/>
+        </p:nvSpPr>
+        <p:spPr>
+          <a:xfrm>
+            <a:off x="659537" y="262492"/>
+            <a:ext cx="4229100" cy="1621619"/>
+          </a:xfrm>
+          <a:prstGeom prst="rect">
+            <a:avLst/>
+          </a:prstGeom>
+          <a:effectLst/>
+        </p:spPr>
+        <p:txBody>
+          <a:bodyPr vert="horz" lIns="0" tIns="192024" rIns="0" bIns="0" rtlCol="0" anchor="t" anchorCtr="0">
+            <a:noAutofit/>
+          </a:bodyPr>
+          <a:lstStyle>
+            <a:lvl1pPr algn="l" defTabSz="914318" rtl="0" eaLnBrk="1" latinLnBrk="0" hangingPunct="1">
+              <a:lnSpc>
+                <a:spcPct val="75000"/>
+              </a:lnSpc>
+              <a:spcBef>
+                <a:spcPct val="0"/>
+              </a:spcBef>
+              <a:buNone/>
+              <a:defRPr sz="4400" kern="1200" spc="-151" baseline="0">
+                <a:solidFill>
+                  <a:schemeClr val="tx1"/>
+                </a:solidFill>
+                <a:latin typeface="+mj-lt"/>
+                <a:ea typeface="+mj-ea"/>
+                <a:cs typeface="+mj-cs"/>
+              </a:defRPr>
+            </a:lvl1pPr>
+          </a:lstStyle>
+          <a:p>
+            <a:r>
+              <a:rPr lang="ru-RU" dirty="0"/>
+              <a:t>Разные параметры</a:t>
+            </a:r>
+            <a:br>
+              <a:rPr lang="en-US" dirty="0"/>
+            </a:br>
+            <a:r>
+              <a:rPr lang="ru-RU" sz="2300" dirty="0"/>
+              <a:t>Параметры контроля</a:t>
+            </a:r>
+          </a:p>
+        </p:txBody>
+      </p:sp>
+      <p:sp>
+        <p:nvSpPr>
+          <p:cNvPr id="5" name="Rectangle 18">
+            <a:extLst>
+              <a:ext uri="{FF2B5EF4-FFF2-40B4-BE49-F238E27FC236}">
+                <a16:creationId xmlns:a16="http://schemas.microsoft.com/office/drawing/2014/main" id="{3E2C6A0A-EBEF-439C-B51A-AECA2F358630}"/>
+              </a:ext>
+            </a:extLst>
+          </p:cNvPr>
+          <p:cNvSpPr/>
+          <p:nvPr/>
+        </p:nvSpPr>
+        <p:spPr>
+          <a:xfrm>
+            <a:off x="4341674" y="2492685"/>
+            <a:ext cx="3508652" cy="1241687"/>
+          </a:xfrm>
+          <a:prstGeom prst="rect">
+            <a:avLst/>
+          </a:prstGeom>
+        </p:spPr>
+        <p:txBody>
+          <a:bodyPr wrap="square" lIns="121920" rIns="121920" bIns="60960">
+            <a:spAutoFit/>
+          </a:bodyPr>
+          <a:lstStyle/>
+          <a:p>
+            <a:pPr algn="ctr">
+              <a:lnSpc>
+                <a:spcPct val="120000"/>
+              </a:lnSpc>
+              <a:spcBef>
+                <a:spcPts val="600"/>
+              </a:spcBef>
+            </a:pPr>
+            <a:r>
+              <a:rPr lang="ru-RU" sz="1400" b="1" spc="200" dirty="0">
+                <a:latin typeface="Open Sans Semibold" charset="0"/>
+                <a:ea typeface="Open Sans Semibold" charset="0"/>
+                <a:cs typeface="Open Sans Semibold" charset="0"/>
+              </a:rPr>
+              <a:t>Вывод</a:t>
+            </a:r>
+            <a:endParaRPr lang="en-US" sz="1400" b="1" spc="200" dirty="0">
+              <a:latin typeface="Open Sans Semibold" charset="0"/>
+              <a:ea typeface="Open Sans Semibold" charset="0"/>
+              <a:cs typeface="Open Sans Semibold" charset="0"/>
+            </a:endParaRPr>
+          </a:p>
+          <a:p>
+            <a:pPr algn="ctr">
+              <a:lnSpc>
+                <a:spcPct val="120000"/>
+              </a:lnSpc>
+              <a:spcBef>
+                <a:spcPts val="600"/>
+              </a:spcBef>
+            </a:pPr>
+            <a:r>
+              <a:rPr lang="ru-RU" sz="1000" dirty="0">
+                <a:latin typeface="Open Sans Regular" charset="0"/>
+                <a:ea typeface="Open Sans Regular" charset="0"/>
+                <a:cs typeface="Open Sans Regular" charset="0"/>
+              </a:rPr>
+              <a:t>Если увеличить погрешность для границы </a:t>
+            </a:r>
+            <a:r>
+              <a:rPr lang="en-US" sz="1000" dirty="0">
+                <a:latin typeface="Open Sans Regular" charset="0"/>
+                <a:ea typeface="Open Sans Regular" charset="0"/>
+                <a:cs typeface="Open Sans Regular" charset="0"/>
+              </a:rPr>
+              <a:t>b</a:t>
+            </a:r>
+            <a:r>
+              <a:rPr lang="ru-RU" sz="1000" dirty="0">
+                <a:latin typeface="Open Sans Regular" charset="0"/>
+                <a:ea typeface="Open Sans Regular" charset="0"/>
+                <a:cs typeface="Open Sans Regular" charset="0"/>
+              </a:rPr>
+              <a:t>, то траектория будет считаться дольше</a:t>
+            </a:r>
+          </a:p>
+          <a:p>
+            <a:pPr algn="ctr">
+              <a:lnSpc>
+                <a:spcPct val="120000"/>
+              </a:lnSpc>
+              <a:spcBef>
+                <a:spcPts val="600"/>
+              </a:spcBef>
+            </a:pPr>
+            <a:r>
+              <a:rPr lang="ru-RU" sz="1000" dirty="0">
+                <a:latin typeface="Open Sans Regular" charset="0"/>
+                <a:ea typeface="Open Sans Regular" charset="0"/>
+                <a:cs typeface="Open Sans Regular" charset="0"/>
+              </a:rPr>
+              <a:t>Если уменьшать погрешность, то траектория будет считаться короче</a:t>
+            </a:r>
+            <a:endParaRPr lang="en-US" sz="1000" dirty="0">
+              <a:latin typeface="Open Sans Regular" charset="0"/>
+              <a:ea typeface="Open Sans Regular" charset="0"/>
+              <a:cs typeface="Open Sans Regular" charset="0"/>
+            </a:endParaRPr>
+          </a:p>
+        </p:txBody>
+      </p:sp>
+    </p:spTree>
+    <p:extLst>
+      <p:ext uri="{BB962C8B-B14F-4D97-AF65-F5344CB8AC3E}">
+        <p14:creationId xmlns:p14="http://schemas.microsoft.com/office/powerpoint/2010/main" val="2596950094"/>
+      </p:ext>
+    </p:extLst>
+  </p:cSld>
+  <p:clrMapOvr>
+    <a:masterClrMapping/>
+  </p:clrMapOvr>
+  <p:timing>
+    <p:tnLst>
+      <p:par>
+        <p:cTn id="1" dur="indefinite" restart="never" nodeType="tmRoot">
+          <p:childTnLst>
+            <p:seq concurrent="1" nextAc="seek">
+              <p:cTn id="2" dur="indefinite" nodeType="mainSeq">
+                <p:childTnLst>
+                  <p:par>
+                    <p:cTn id="3" fill="hold">
+                      <p:stCondLst>
+                        <p:cond delay="indefinite"/>
+                        <p:cond evt="onBegin" delay="0">
+                          <p:tn val="2"/>
+                        </p:cond>
+                      </p:stCondLst>
+                      <p:childTnLst>
+                        <p:par>
+                          <p:cTn id="4" fill="hold">
+                            <p:stCondLst>
+                              <p:cond delay="0"/>
+                            </p:stCondLst>
+                            <p:childTnLst>
+                              <p:par>
+                                <p:cTn id="5" presetID="10" presetClass="entr" presetSubtype="0" fill="hold" grpId="0" nodeType="withEffect">
+                                  <p:stCondLst>
+                                    <p:cond delay="1950"/>
+                                  </p:stCondLst>
+                                  <p:childTnLst>
+                                    <p:set>
+                                      <p:cBhvr>
+                                        <p:cTn id="6" dur="1" fill="hold">
+                                          <p:stCondLst>
+                                            <p:cond delay="0"/>
+                                          </p:stCondLst>
+                                        </p:cTn>
+                                        <p:tgtEl>
+                                          <p:spTgt spid="5"/>
+                                        </p:tgtEl>
+                                        <p:attrNameLst>
+                                          <p:attrName>style.visibility</p:attrName>
+                                        </p:attrNameLst>
+                                      </p:cBhvr>
+                                      <p:to>
+                                        <p:strVal val="visible"/>
+                                      </p:to>
+                                    </p:set>
+                                    <p:animEffect transition="in" filter="fade">
+                                      <p:cBhvr>
+                                        <p:cTn id="7" dur="250"/>
+                                        <p:tgtEl>
+                                          <p:spTgt spid="5"/>
+                                        </p:tgtEl>
+                                      </p:cBhvr>
+                                    </p:animEffect>
+                                  </p:childTnLst>
+                                </p:cTn>
+                              </p:par>
+                            </p:childTnLst>
+                          </p:cTn>
+                        </p:par>
+                      </p:childTnLst>
+                    </p:cTn>
+                  </p:par>
+                </p:childTnLst>
+              </p:cTn>
+              <p:prevCondLst>
+                <p:cond evt="onPrev" delay="0">
+                  <p:tgtEl>
+                    <p:sldTgt/>
+                  </p:tgtEl>
+                </p:cond>
+              </p:prevCondLst>
+              <p:nextCondLst>
+                <p:cond evt="onNext" delay="0">
+                  <p:tgtEl>
+                    <p:sldTgt/>
+                  </p:tgtEl>
+                </p:cond>
+              </p:nextCondLst>
+            </p:seq>
+          </p:childTnLst>
+        </p:cTn>
+      </p:par>
+    </p:tnLst>
+    <p:bldLst>
+      <p:bldP spid="5" grpId="0"/>
+    </p:bldLst>
+  </p:timing>
+</p:sld>
+</file>
+
+<file path=ppt/slides/slide16.xml><?xml version="1.0" encoding="utf-8"?>
+<p:sld xmlns:a="http://schemas.openxmlformats.org/drawingml/2006/main" xmlns:r="http://schemas.openxmlformats.org/officeDocument/2006/relationships" xmlns:p="http://schemas.openxmlformats.org/presentationml/2006/main">
+  <p:cSld>
+    <p:spTree>
+      <p:nvGrpSpPr>
+        <p:cNvPr id="1" name=""/>
+        <p:cNvGrpSpPr/>
+        <p:nvPr/>
+      </p:nvGrpSpPr>
+      <p:grpSpPr>
+        <a:xfrm>
+          <a:off x="0" y="0"/>
+          <a:ext cx="0" cy="0"/>
+          <a:chOff x="0" y="0"/>
+          <a:chExt cx="0" cy="0"/>
+        </a:xfrm>
+      </p:grpSpPr>
+      <p:sp>
+        <p:nvSpPr>
+          <p:cNvPr id="3" name="Прямоугольник 2">
+            <a:extLst>
+              <a:ext uri="{FF2B5EF4-FFF2-40B4-BE49-F238E27FC236}">
+                <a16:creationId xmlns:a16="http://schemas.microsoft.com/office/drawing/2014/main" id="{CB94F085-43C4-4C81-9C52-04F6AA7E4C97}"/>
+              </a:ext>
+            </a:extLst>
+          </p:cNvPr>
+          <p:cNvSpPr/>
+          <p:nvPr/>
+        </p:nvSpPr>
+        <p:spPr>
+          <a:xfrm>
+            <a:off x="1429304" y="124287"/>
+            <a:ext cx="1447060" cy="790113"/>
+          </a:xfrm>
+          <a:prstGeom prst="rect">
+            <a:avLst/>
+          </a:prstGeom>
+          <a:solidFill>
+            <a:srgbClr val="001847"/>
+          </a:solidFill>
+          <a:ln>
+            <a:noFill/>
+          </a:ln>
+        </p:spPr>
+        <p:style>
+          <a:lnRef idx="2">
+            <a:schemeClr val="accent1">
+              <a:shade val="50000"/>
+            </a:schemeClr>
+          </a:lnRef>
+          <a:fillRef idx="1">
+            <a:schemeClr val="accent1"/>
+          </a:fillRef>
+          <a:effectRef idx="0">
+            <a:schemeClr val="accent1"/>
+          </a:effectRef>
+          <a:fontRef idx="minor">
+            <a:schemeClr val="lt1"/>
+          </a:fontRef>
+        </p:style>
+        <p:txBody>
+          <a:bodyPr rtlCol="0" anchor="ctr"/>
+          <a:lstStyle/>
+          <a:p>
+            <a:pPr algn="ctr"/>
+            <a:endParaRPr lang="ru-RU"/>
+          </a:p>
+        </p:txBody>
+      </p:sp>
+      <p:sp>
+        <p:nvSpPr>
+          <p:cNvPr id="4" name="Title 9">
+            <a:extLst>
+              <a:ext uri="{FF2B5EF4-FFF2-40B4-BE49-F238E27FC236}">
+                <a16:creationId xmlns:a16="http://schemas.microsoft.com/office/drawing/2014/main" id="{4222AF78-AA94-46D7-BC24-6718D00A2DE4}"/>
+              </a:ext>
+            </a:extLst>
+          </p:cNvPr>
+          <p:cNvSpPr txBox="1">
+            <a:spLocks/>
+          </p:cNvSpPr>
+          <p:nvPr/>
+        </p:nvSpPr>
+        <p:spPr>
+          <a:xfrm>
+            <a:off x="659537" y="262492"/>
+            <a:ext cx="4229100" cy="1621619"/>
+          </a:xfrm>
+          <a:prstGeom prst="rect">
+            <a:avLst/>
+          </a:prstGeom>
+          <a:effectLst/>
+        </p:spPr>
+        <p:txBody>
+          <a:bodyPr vert="horz" lIns="0" tIns="192024" rIns="0" bIns="0" rtlCol="0" anchor="t" anchorCtr="0">
+            <a:noAutofit/>
+          </a:bodyPr>
+          <a:lstStyle>
+            <a:lvl1pPr algn="l" defTabSz="914318" rtl="0" eaLnBrk="1" latinLnBrk="0" hangingPunct="1">
+              <a:lnSpc>
+                <a:spcPct val="75000"/>
+              </a:lnSpc>
+              <a:spcBef>
+                <a:spcPct val="0"/>
+              </a:spcBef>
+              <a:buNone/>
+              <a:defRPr sz="4400" kern="1200" spc="-151" baseline="0">
+                <a:solidFill>
+                  <a:schemeClr val="tx1"/>
+                </a:solidFill>
+                <a:latin typeface="+mj-lt"/>
+                <a:ea typeface="+mj-ea"/>
+                <a:cs typeface="+mj-cs"/>
+              </a:defRPr>
+            </a:lvl1pPr>
+          </a:lstStyle>
+          <a:p>
+            <a:r>
+              <a:rPr lang="ru-RU" dirty="0"/>
+              <a:t>Разные параметры</a:t>
+            </a:r>
+            <a:br>
+              <a:rPr lang="en-US" dirty="0"/>
+            </a:br>
+            <a:r>
+              <a:rPr lang="ru-RU" sz="2300" dirty="0"/>
+              <a:t>Параметры контроля</a:t>
+            </a:r>
+          </a:p>
+        </p:txBody>
+      </p:sp>
+      <p:sp>
+        <p:nvSpPr>
+          <p:cNvPr id="5" name="Rectangle 18">
+            <a:extLst>
+              <a:ext uri="{FF2B5EF4-FFF2-40B4-BE49-F238E27FC236}">
+                <a16:creationId xmlns:a16="http://schemas.microsoft.com/office/drawing/2014/main" id="{3E2C6A0A-EBEF-439C-B51A-AECA2F358630}"/>
+              </a:ext>
+            </a:extLst>
+          </p:cNvPr>
+          <p:cNvSpPr/>
+          <p:nvPr/>
+        </p:nvSpPr>
+        <p:spPr>
+          <a:xfrm>
+            <a:off x="4341674" y="2492685"/>
+            <a:ext cx="3508652" cy="1980350"/>
+          </a:xfrm>
+          <a:prstGeom prst="rect">
+            <a:avLst/>
+          </a:prstGeom>
+        </p:spPr>
+        <p:txBody>
+          <a:bodyPr wrap="square" lIns="121920" rIns="121920" bIns="60960">
+            <a:spAutoFit/>
+          </a:bodyPr>
+          <a:lstStyle/>
+          <a:p>
+            <a:pPr algn="ctr">
+              <a:lnSpc>
+                <a:spcPct val="120000"/>
+              </a:lnSpc>
+              <a:spcBef>
+                <a:spcPts val="600"/>
+              </a:spcBef>
+            </a:pPr>
+            <a:r>
+              <a:rPr lang="ru-RU" sz="1400" b="1" spc="200" dirty="0">
+                <a:latin typeface="Open Sans Semibold" charset="0"/>
+                <a:ea typeface="Open Sans Semibold" charset="0"/>
+                <a:cs typeface="Open Sans Semibold" charset="0"/>
+              </a:rPr>
+              <a:t>Вывод</a:t>
+            </a:r>
+            <a:endParaRPr lang="en-US" sz="1400" b="1" spc="200" dirty="0">
+              <a:latin typeface="Open Sans Semibold" charset="0"/>
+              <a:ea typeface="Open Sans Semibold" charset="0"/>
+              <a:cs typeface="Open Sans Semibold" charset="0"/>
+            </a:endParaRPr>
+          </a:p>
+          <a:p>
+            <a:pPr algn="ctr">
+              <a:lnSpc>
+                <a:spcPct val="120000"/>
+              </a:lnSpc>
+              <a:spcBef>
+                <a:spcPts val="600"/>
+              </a:spcBef>
+            </a:pPr>
+            <a:r>
+              <a:rPr lang="ru-RU" sz="1000" dirty="0">
+                <a:latin typeface="Open Sans Regular" charset="0"/>
+                <a:ea typeface="Open Sans Regular" charset="0"/>
+                <a:cs typeface="Open Sans Regular" charset="0"/>
+              </a:rPr>
+              <a:t>Если мы увеличим ЛП, то программа будет находить траекторию за меньшее кол-во шагов и, соответственно, траектория будет дальше от истинной траектории</a:t>
+            </a:r>
+          </a:p>
+          <a:p>
+            <a:pPr algn="ctr">
+              <a:lnSpc>
+                <a:spcPct val="120000"/>
+              </a:lnSpc>
+              <a:spcBef>
+                <a:spcPts val="600"/>
+              </a:spcBef>
+            </a:pPr>
+            <a:r>
+              <a:rPr lang="ru-RU" sz="1000" dirty="0">
+                <a:latin typeface="Open Sans Regular" charset="0"/>
+                <a:ea typeface="Open Sans Regular" charset="0"/>
+                <a:cs typeface="Open Sans Regular" charset="0"/>
+              </a:rPr>
+              <a:t>Если мы уменьшим ЛП, то программа будет находить траекторию за большее кол-во шагов и, соответственно, траектория будет ближе к истинной траектории</a:t>
+            </a:r>
+          </a:p>
+        </p:txBody>
+      </p:sp>
+      <p:sp>
+        <p:nvSpPr>
+          <p:cNvPr id="6" name="Rectangle 18">
+            <a:extLst>
+              <a:ext uri="{FF2B5EF4-FFF2-40B4-BE49-F238E27FC236}">
+                <a16:creationId xmlns:a16="http://schemas.microsoft.com/office/drawing/2014/main" id="{9758DA5C-A047-4162-8858-AF280C8C917A}"/>
+              </a:ext>
+            </a:extLst>
+          </p:cNvPr>
+          <p:cNvSpPr/>
+          <p:nvPr/>
+        </p:nvSpPr>
+        <p:spPr>
+          <a:xfrm>
+            <a:off x="161278" y="6028650"/>
+            <a:ext cx="11869444" cy="610745"/>
+          </a:xfrm>
+          <a:prstGeom prst="rect">
+            <a:avLst/>
+          </a:prstGeom>
+        </p:spPr>
+        <p:txBody>
+          <a:bodyPr wrap="square" lIns="121920" rIns="121920" bIns="60960">
+            <a:spAutoFit/>
+          </a:bodyPr>
+          <a:lstStyle/>
+          <a:p>
+            <a:pPr algn="ctr">
+              <a:lnSpc>
+                <a:spcPct val="120000"/>
+              </a:lnSpc>
+              <a:spcBef>
+                <a:spcPts val="600"/>
+              </a:spcBef>
+            </a:pPr>
+            <a:r>
+              <a:rPr lang="en-US" sz="1400" b="1" spc="200" dirty="0">
+                <a:latin typeface="Open Sans Semibold" charset="0"/>
+                <a:ea typeface="Open Sans Semibold" charset="0"/>
+                <a:cs typeface="Open Sans Semibold" charset="0"/>
+              </a:rPr>
+              <a:t>p.s.</a:t>
+            </a:r>
+          </a:p>
+          <a:p>
+            <a:pPr algn="ctr">
+              <a:lnSpc>
+                <a:spcPct val="120000"/>
+              </a:lnSpc>
+              <a:spcBef>
+                <a:spcPts val="600"/>
+              </a:spcBef>
+            </a:pPr>
+            <a:r>
+              <a:rPr lang="ru-RU" sz="1000" dirty="0">
+                <a:latin typeface="Open Sans Regular" charset="0"/>
+                <a:ea typeface="Open Sans Regular" charset="0"/>
+                <a:cs typeface="Open Sans Regular" charset="0"/>
+              </a:rPr>
+              <a:t>На графике не видно разницы, поэтому без них</a:t>
+            </a:r>
+          </a:p>
+        </p:txBody>
+      </p:sp>
+    </p:spTree>
+    <p:extLst>
+      <p:ext uri="{BB962C8B-B14F-4D97-AF65-F5344CB8AC3E}">
+        <p14:creationId xmlns:p14="http://schemas.microsoft.com/office/powerpoint/2010/main" val="2828193881"/>
+      </p:ext>
+    </p:extLst>
+  </p:cSld>
+  <p:clrMapOvr>
+    <a:masterClrMapping/>
+  </p:clrMapOvr>
+  <p:timing>
+    <p:tnLst>
+      <p:par>
+        <p:cTn id="1" dur="indefinite" restart="never" nodeType="tmRoot">
+          <p:childTnLst>
+            <p:seq concurrent="1" nextAc="seek">
+              <p:cTn id="2" dur="indefinite" nodeType="mainSeq">
+                <p:childTnLst>
+                  <p:par>
+                    <p:cTn id="3" fill="hold">
+                      <p:stCondLst>
+                        <p:cond delay="indefinite"/>
+                        <p:cond evt="onBegin" delay="0">
+                          <p:tn val="2"/>
+                        </p:cond>
+                      </p:stCondLst>
+                      <p:childTnLst>
+                        <p:par>
+                          <p:cTn id="4" fill="hold">
+                            <p:stCondLst>
+                              <p:cond delay="0"/>
+                            </p:stCondLst>
+                            <p:childTnLst>
+                              <p:par>
+                                <p:cTn id="5" presetID="10" presetClass="entr" presetSubtype="0" fill="hold" grpId="0" nodeType="withEffect">
+                                  <p:stCondLst>
+                                    <p:cond delay="1950"/>
+                                  </p:stCondLst>
+                                  <p:childTnLst>
+                                    <p:set>
+                                      <p:cBhvr>
+                                        <p:cTn id="6" dur="1" fill="hold">
+                                          <p:stCondLst>
+                                            <p:cond delay="0"/>
+                                          </p:stCondLst>
+                                        </p:cTn>
+                                        <p:tgtEl>
+                                          <p:spTgt spid="5"/>
+                                        </p:tgtEl>
+                                        <p:attrNameLst>
+                                          <p:attrName>style.visibility</p:attrName>
+                                        </p:attrNameLst>
+                                      </p:cBhvr>
+                                      <p:to>
+                                        <p:strVal val="visible"/>
+                                      </p:to>
+                                    </p:set>
+                                    <p:animEffect transition="in" filter="fade">
+                                      <p:cBhvr>
+                                        <p:cTn id="7" dur="250"/>
+                                        <p:tgtEl>
+                                          <p:spTgt spid="5"/>
+                                        </p:tgtEl>
+                                      </p:cBhvr>
+                                    </p:animEffect>
+                                  </p:childTnLst>
+                                </p:cTn>
+                              </p:par>
+                              <p:par>
+                                <p:cTn id="8" presetID="10" presetClass="entr" presetSubtype="0" fill="hold" grpId="0" nodeType="withEffect">
+                                  <p:stCondLst>
+                                    <p:cond delay="1950"/>
+                                  </p:stCondLst>
+                                  <p:childTnLst>
+                                    <p:set>
+                                      <p:cBhvr>
+                                        <p:cTn id="9" dur="1" fill="hold">
+                                          <p:stCondLst>
+                                            <p:cond delay="0"/>
+                                          </p:stCondLst>
+                                        </p:cTn>
+                                        <p:tgtEl>
+                                          <p:spTgt spid="6"/>
+                                        </p:tgtEl>
+                                        <p:attrNameLst>
+                                          <p:attrName>style.visibility</p:attrName>
+                                        </p:attrNameLst>
+                                      </p:cBhvr>
+                                      <p:to>
+                                        <p:strVal val="visible"/>
+                                      </p:to>
+                                    </p:set>
+                                    <p:animEffect transition="in" filter="fade">
+                                      <p:cBhvr>
+                                        <p:cTn id="10" dur="250"/>
+                                        <p:tgtEl>
+                                          <p:spTgt spid="6"/>
+                                        </p:tgtEl>
+                                      </p:cBhvr>
+                                    </p:animEffect>
+                                  </p:childTnLst>
+                                </p:cTn>
+                              </p:par>
+                            </p:childTnLst>
+                          </p:cTn>
+                        </p:par>
+                      </p:childTnLst>
+                    </p:cTn>
+                  </p:par>
+                </p:childTnLst>
+              </p:cTn>
+              <p:prevCondLst>
+                <p:cond evt="onPrev" delay="0">
+                  <p:tgtEl>
+                    <p:sldTgt/>
+                  </p:tgtEl>
+                </p:cond>
+              </p:prevCondLst>
+              <p:nextCondLst>
+                <p:cond evt="onNext" delay="0">
+                  <p:tgtEl>
+                    <p:sldTgt/>
+                  </p:tgtEl>
+                </p:cond>
+              </p:nextCondLst>
+            </p:seq>
+          </p:childTnLst>
+        </p:cTn>
+      </p:par>
+    </p:tnLst>
+    <p:bldLst>
+      <p:bldP spid="5" grpId="0"/>
+      <p:bldP spid="6" grpId="0"/>
+    </p:bldLst>
+  </p:timing>
+</p:sld>
+</file>
+
+<file path=ppt/slides/slide17.xml><?xml version="1.0" encoding="utf-8"?>
+<p:sld xmlns:a="http://schemas.openxmlformats.org/drawingml/2006/main" xmlns:r="http://schemas.openxmlformats.org/officeDocument/2006/relationships" xmlns:p="http://schemas.openxmlformats.org/presentationml/2006/main">
+  <p:cSld>
+    <p:spTree>
+      <p:nvGrpSpPr>
+        <p:cNvPr id="1" name=""/>
+        <p:cNvGrpSpPr/>
+        <p:nvPr/>
+      </p:nvGrpSpPr>
+      <p:grpSpPr>
+        <a:xfrm>
+          <a:off x="0" y="0"/>
+          <a:ext cx="0" cy="0"/>
+          <a:chOff x="0" y="0"/>
+          <a:chExt cx="0" cy="0"/>
+        </a:xfrm>
+      </p:grpSpPr>
+      <p:sp>
+        <p:nvSpPr>
+          <p:cNvPr id="3" name="Прямоугольник 2">
+            <a:extLst>
+              <a:ext uri="{FF2B5EF4-FFF2-40B4-BE49-F238E27FC236}">
                 <a16:creationId xmlns:a16="http://schemas.microsoft.com/office/drawing/2014/main" id="{E5691308-0DA9-46A1-A48A-502BD9396A11}"/>
               </a:ext>
             </a:extLst>
@@ -2468,7 +8494,7 @@
 </p:sld>
 </file>
 
-<file path=ppt/slides/slide11.xml><?xml version="1.0" encoding="utf-8"?>
+<file path=ppt/slides/slide18.xml><?xml version="1.0" encoding="utf-8"?>
 <p:sld xmlns:a="http://schemas.openxmlformats.org/drawingml/2006/main" xmlns:r="http://schemas.openxmlformats.org/officeDocument/2006/relationships" xmlns:p="http://schemas.openxmlformats.org/presentationml/2006/main">
   <p:cSld>
     <p:spTree>
@@ -2661,7 +8687,7 @@
 </p:sld>
 </file>
 
-<file path=ppt/slides/slide12.xml><?xml version="1.0" encoding="utf-8"?>
+<file path=ppt/slides/slide19.xml><?xml version="1.0" encoding="utf-8"?>
 <p:sld xmlns:a="http://schemas.openxmlformats.org/drawingml/2006/main" xmlns:r="http://schemas.openxmlformats.org/officeDocument/2006/relationships" xmlns:p="http://schemas.openxmlformats.org/presentationml/2006/main">
   <p:cSld>
     <p:spTree>
@@ -2854,7 +8880,182 @@
 </p:sld>
 </file>
 
-<file path=ppt/slides/slide13.xml><?xml version="1.0" encoding="utf-8"?>
+<file path=ppt/slides/slide2.xml><?xml version="1.0" encoding="utf-8"?>
+<p:sld xmlns:a="http://schemas.openxmlformats.org/drawingml/2006/main" xmlns:r="http://schemas.openxmlformats.org/officeDocument/2006/relationships" xmlns:p="http://schemas.openxmlformats.org/presentationml/2006/main">
+  <p:cSld>
+    <p:spTree>
+      <p:nvGrpSpPr>
+        <p:cNvPr id="1" name=""/>
+        <p:cNvGrpSpPr/>
+        <p:nvPr/>
+      </p:nvGrpSpPr>
+      <p:grpSpPr>
+        <a:xfrm>
+          <a:off x="0" y="0"/>
+          <a:ext cx="0" cy="0"/>
+          <a:chOff x="0" y="0"/>
+          <a:chExt cx="0" cy="0"/>
+        </a:xfrm>
+      </p:grpSpPr>
+      <p:sp>
+        <p:nvSpPr>
+          <p:cNvPr id="3" name="Прямоугольник 2">
+            <a:extLst>
+              <a:ext uri="{FF2B5EF4-FFF2-40B4-BE49-F238E27FC236}">
+                <a16:creationId xmlns:a16="http://schemas.microsoft.com/office/drawing/2014/main" id="{1E742CBE-1E4E-46FA-9D47-EBFCD892A70D}"/>
+              </a:ext>
+            </a:extLst>
+          </p:cNvPr>
+          <p:cNvSpPr/>
+          <p:nvPr/>
+        </p:nvSpPr>
+        <p:spPr>
+          <a:xfrm>
+            <a:off x="1429304" y="124287"/>
+            <a:ext cx="1447060" cy="790113"/>
+          </a:xfrm>
+          <a:prstGeom prst="rect">
+            <a:avLst/>
+          </a:prstGeom>
+          <a:solidFill>
+            <a:srgbClr val="001847"/>
+          </a:solidFill>
+          <a:ln>
+            <a:noFill/>
+          </a:ln>
+        </p:spPr>
+        <p:style>
+          <a:lnRef idx="2">
+            <a:schemeClr val="accent1">
+              <a:shade val="50000"/>
+            </a:schemeClr>
+          </a:lnRef>
+          <a:fillRef idx="1">
+            <a:schemeClr val="accent1"/>
+          </a:fillRef>
+          <a:effectRef idx="0">
+            <a:schemeClr val="accent1"/>
+          </a:effectRef>
+          <a:fontRef idx="minor">
+            <a:schemeClr val="lt1"/>
+          </a:fontRef>
+        </p:style>
+        <p:txBody>
+          <a:bodyPr rtlCol="0" anchor="ctr"/>
+          <a:lstStyle/>
+          <a:p>
+            <a:pPr algn="ctr"/>
+            <a:endParaRPr lang="ru-RU"/>
+          </a:p>
+        </p:txBody>
+      </p:sp>
+      <p:pic>
+        <p:nvPicPr>
+          <p:cNvPr id="4" name="Рисунок 3">
+            <a:extLst>
+              <a:ext uri="{FF2B5EF4-FFF2-40B4-BE49-F238E27FC236}">
+                <a16:creationId xmlns:a16="http://schemas.microsoft.com/office/drawing/2014/main" id="{22B71B56-D8E5-4861-A14B-D8AF84550090}"/>
+              </a:ext>
+            </a:extLst>
+          </p:cNvPr>
+          <p:cNvPicPr>
+            <a:picLocks noChangeAspect="1"/>
+          </p:cNvPicPr>
+          <p:nvPr/>
+        </p:nvPicPr>
+        <p:blipFill>
+          <a:blip r:embed="rId2"/>
+          <a:stretch>
+            <a:fillRect/>
+          </a:stretch>
+        </p:blipFill>
+        <p:spPr>
+          <a:xfrm>
+            <a:off x="3510567" y="914400"/>
+            <a:ext cx="8021896" cy="5358275"/>
+          </a:xfrm>
+          <a:prstGeom prst="rect">
+            <a:avLst/>
+          </a:prstGeom>
+        </p:spPr>
+      </p:pic>
+      <p:sp>
+        <p:nvSpPr>
+          <p:cNvPr id="9" name="Title 9">
+            <a:extLst>
+              <a:ext uri="{FF2B5EF4-FFF2-40B4-BE49-F238E27FC236}">
+                <a16:creationId xmlns:a16="http://schemas.microsoft.com/office/drawing/2014/main" id="{70BF0D2E-91F6-4140-BD91-665B273FD7A1}"/>
+              </a:ext>
+            </a:extLst>
+          </p:cNvPr>
+          <p:cNvSpPr txBox="1">
+            <a:spLocks/>
+          </p:cNvSpPr>
+          <p:nvPr/>
+        </p:nvSpPr>
+        <p:spPr>
+          <a:xfrm>
+            <a:off x="659537" y="262492"/>
+            <a:ext cx="4229100" cy="1621619"/>
+          </a:xfrm>
+          <a:prstGeom prst="rect">
+            <a:avLst/>
+          </a:prstGeom>
+          <a:effectLst/>
+        </p:spPr>
+        <p:txBody>
+          <a:bodyPr vert="horz" lIns="0" tIns="192024" rIns="0" bIns="0" rtlCol="0" anchor="t" anchorCtr="0">
+            <a:noAutofit/>
+          </a:bodyPr>
+          <a:lstStyle>
+            <a:lvl1pPr algn="l" defTabSz="914318" rtl="0" eaLnBrk="1" latinLnBrk="0" hangingPunct="1">
+              <a:lnSpc>
+                <a:spcPct val="75000"/>
+              </a:lnSpc>
+              <a:spcBef>
+                <a:spcPct val="0"/>
+              </a:spcBef>
+              <a:buNone/>
+              <a:defRPr sz="4400" kern="1200" spc="-151" baseline="0">
+                <a:solidFill>
+                  <a:schemeClr val="tx1"/>
+                </a:solidFill>
+                <a:latin typeface="+mj-lt"/>
+                <a:ea typeface="+mj-ea"/>
+                <a:cs typeface="+mj-cs"/>
+              </a:defRPr>
+            </a:lvl1pPr>
+          </a:lstStyle>
+          <a:p>
+            <a:r>
+              <a:rPr lang="ru-RU" dirty="0"/>
+              <a:t>интерфейс</a:t>
+            </a:r>
+            <a:br>
+              <a:rPr lang="en-US" dirty="0"/>
+            </a:br>
+            <a:r>
+              <a:rPr lang="ru-RU" sz="2300" dirty="0"/>
+              <a:t>общий вид</a:t>
+            </a:r>
+            <a:endParaRPr lang="en-US" sz="2300" dirty="0"/>
+          </a:p>
+        </p:txBody>
+      </p:sp>
+    </p:spTree>
+    <p:extLst>
+      <p:ext uri="{BB962C8B-B14F-4D97-AF65-F5344CB8AC3E}">
+        <p14:creationId xmlns:p14="http://schemas.microsoft.com/office/powerpoint/2010/main" val="2729307817"/>
+      </p:ext>
+    </p:extLst>
+  </p:cSld>
+  <p:clrMapOvr>
+    <a:masterClrMapping/>
+  </p:clrMapOvr>
+</p:sld>
+</file>
+
+<file path=ppt/slides/slide20.xml><?xml version="1.0" encoding="utf-8"?>
 <p:sld xmlns:a="http://schemas.openxmlformats.org/drawingml/2006/main" xmlns:r="http://schemas.openxmlformats.org/officeDocument/2006/relationships" xmlns:p="http://schemas.openxmlformats.org/presentationml/2006/main">
   <p:cSld>
     <p:spTree>
@@ -3077,7 +9278,7 @@
 </p:sld>
 </file>
 
-<file path=ppt/slides/slide14.xml><?xml version="1.0" encoding="utf-8"?>
+<file path=ppt/slides/slide21.xml><?xml version="1.0" encoding="utf-8"?>
 <p:sld xmlns:a="http://schemas.openxmlformats.org/drawingml/2006/main" xmlns:r="http://schemas.openxmlformats.org/officeDocument/2006/relationships" xmlns:p="http://schemas.openxmlformats.org/presentationml/2006/main">
   <p:cSld>
     <p:spTree>
@@ -3265,7 +9466,7 @@
 </p:sld>
 </file>
 
-<file path=ppt/slides/slide15.xml><?xml version="1.0" encoding="utf-8"?>
+<file path=ppt/slides/slide22.xml><?xml version="1.0" encoding="utf-8"?>
 <p:sld xmlns:a="http://schemas.openxmlformats.org/drawingml/2006/main" xmlns:r="http://schemas.openxmlformats.org/officeDocument/2006/relationships" xmlns:p="http://schemas.openxmlformats.org/presentationml/2006/main">
   <p:cSld>
     <p:spTree>
@@ -3453,7 +9654,7 @@
 </p:sld>
 </file>
 
-<file path=ppt/slides/slide16.xml><?xml version="1.0" encoding="utf-8"?>
+<file path=ppt/slides/slide23.xml><?xml version="1.0" encoding="utf-8"?>
 <p:sld xmlns:a="http://schemas.openxmlformats.org/drawingml/2006/main" xmlns:r="http://schemas.openxmlformats.org/officeDocument/2006/relationships" xmlns:p="http://schemas.openxmlformats.org/presentationml/2006/main">
   <p:cSld>
     <p:spTree>
@@ -3641,7 +9842,7 @@
 </p:sld>
 </file>
 
-<file path=ppt/slides/slide17.xml><?xml version="1.0" encoding="utf-8"?>
+<file path=ppt/slides/slide24.xml><?xml version="1.0" encoding="utf-8"?>
 <p:sld xmlns:a="http://schemas.openxmlformats.org/drawingml/2006/main" xmlns:r="http://schemas.openxmlformats.org/officeDocument/2006/relationships" xmlns:p="http://schemas.openxmlformats.org/presentationml/2006/main">
   <p:cSld>
     <p:spTree>
@@ -3829,7 +10030,7 @@
 </p:sld>
 </file>
 
-<file path=ppt/slides/slide18.xml><?xml version="1.0" encoding="utf-8"?>
+<file path=ppt/slides/slide25.xml><?xml version="1.0" encoding="utf-8"?>
 <p:sld xmlns:a="http://schemas.openxmlformats.org/drawingml/2006/main" xmlns:r="http://schemas.openxmlformats.org/officeDocument/2006/relationships" xmlns:p="http://schemas.openxmlformats.org/presentationml/2006/main">
   <p:cSld>
     <p:spTree>
@@ -4008,181 +10209,6 @@
     <p:extLst>
       <p:ext uri="{BB962C8B-B14F-4D97-AF65-F5344CB8AC3E}">
         <p14:creationId xmlns:p14="http://schemas.microsoft.com/office/powerpoint/2010/main" val="1364811444"/>
-      </p:ext>
-    </p:extLst>
-  </p:cSld>
-  <p:clrMapOvr>
-    <a:masterClrMapping/>
-  </p:clrMapOvr>
-</p:sld>
-</file>
-
-<file path=ppt/slides/slide2.xml><?xml version="1.0" encoding="utf-8"?>
-<p:sld xmlns:a="http://schemas.openxmlformats.org/drawingml/2006/main" xmlns:r="http://schemas.openxmlformats.org/officeDocument/2006/relationships" xmlns:p="http://schemas.openxmlformats.org/presentationml/2006/main">
-  <p:cSld>
-    <p:spTree>
-      <p:nvGrpSpPr>
-        <p:cNvPr id="1" name=""/>
-        <p:cNvGrpSpPr/>
-        <p:nvPr/>
-      </p:nvGrpSpPr>
-      <p:grpSpPr>
-        <a:xfrm>
-          <a:off x="0" y="0"/>
-          <a:ext cx="0" cy="0"/>
-          <a:chOff x="0" y="0"/>
-          <a:chExt cx="0" cy="0"/>
-        </a:xfrm>
-      </p:grpSpPr>
-      <p:sp>
-        <p:nvSpPr>
-          <p:cNvPr id="3" name="Прямоугольник 2">
-            <a:extLst>
-              <a:ext uri="{FF2B5EF4-FFF2-40B4-BE49-F238E27FC236}">
-                <a16:creationId xmlns:a16="http://schemas.microsoft.com/office/drawing/2014/main" id="{1E742CBE-1E4E-46FA-9D47-EBFCD892A70D}"/>
-              </a:ext>
-            </a:extLst>
-          </p:cNvPr>
-          <p:cNvSpPr/>
-          <p:nvPr/>
-        </p:nvSpPr>
-        <p:spPr>
-          <a:xfrm>
-            <a:off x="1429304" y="124287"/>
-            <a:ext cx="1447060" cy="790113"/>
-          </a:xfrm>
-          <a:prstGeom prst="rect">
-            <a:avLst/>
-          </a:prstGeom>
-          <a:solidFill>
-            <a:srgbClr val="001847"/>
-          </a:solidFill>
-          <a:ln>
-            <a:noFill/>
-          </a:ln>
-        </p:spPr>
-        <p:style>
-          <a:lnRef idx="2">
-            <a:schemeClr val="accent1">
-              <a:shade val="50000"/>
-            </a:schemeClr>
-          </a:lnRef>
-          <a:fillRef idx="1">
-            <a:schemeClr val="accent1"/>
-          </a:fillRef>
-          <a:effectRef idx="0">
-            <a:schemeClr val="accent1"/>
-          </a:effectRef>
-          <a:fontRef idx="minor">
-            <a:schemeClr val="lt1"/>
-          </a:fontRef>
-        </p:style>
-        <p:txBody>
-          <a:bodyPr rtlCol="0" anchor="ctr"/>
-          <a:lstStyle/>
-          <a:p>
-            <a:pPr algn="ctr"/>
-            <a:endParaRPr lang="ru-RU"/>
-          </a:p>
-        </p:txBody>
-      </p:sp>
-      <p:pic>
-        <p:nvPicPr>
-          <p:cNvPr id="4" name="Рисунок 3">
-            <a:extLst>
-              <a:ext uri="{FF2B5EF4-FFF2-40B4-BE49-F238E27FC236}">
-                <a16:creationId xmlns:a16="http://schemas.microsoft.com/office/drawing/2014/main" id="{22B71B56-D8E5-4861-A14B-D8AF84550090}"/>
-              </a:ext>
-            </a:extLst>
-          </p:cNvPr>
-          <p:cNvPicPr>
-            <a:picLocks noChangeAspect="1"/>
-          </p:cNvPicPr>
-          <p:nvPr/>
-        </p:nvPicPr>
-        <p:blipFill>
-          <a:blip r:embed="rId2"/>
-          <a:stretch>
-            <a:fillRect/>
-          </a:stretch>
-        </p:blipFill>
-        <p:spPr>
-          <a:xfrm>
-            <a:off x="3510567" y="914400"/>
-            <a:ext cx="8021896" cy="5358275"/>
-          </a:xfrm>
-          <a:prstGeom prst="rect">
-            <a:avLst/>
-          </a:prstGeom>
-        </p:spPr>
-      </p:pic>
-      <p:sp>
-        <p:nvSpPr>
-          <p:cNvPr id="9" name="Title 9">
-            <a:extLst>
-              <a:ext uri="{FF2B5EF4-FFF2-40B4-BE49-F238E27FC236}">
-                <a16:creationId xmlns:a16="http://schemas.microsoft.com/office/drawing/2014/main" id="{70BF0D2E-91F6-4140-BD91-665B273FD7A1}"/>
-              </a:ext>
-            </a:extLst>
-          </p:cNvPr>
-          <p:cNvSpPr txBox="1">
-            <a:spLocks/>
-          </p:cNvSpPr>
-          <p:nvPr/>
-        </p:nvSpPr>
-        <p:spPr>
-          <a:xfrm>
-            <a:off x="659537" y="262492"/>
-            <a:ext cx="4229100" cy="1621619"/>
-          </a:xfrm>
-          <a:prstGeom prst="rect">
-            <a:avLst/>
-          </a:prstGeom>
-          <a:effectLst/>
-        </p:spPr>
-        <p:txBody>
-          <a:bodyPr vert="horz" lIns="0" tIns="192024" rIns="0" bIns="0" rtlCol="0" anchor="t" anchorCtr="0">
-            <a:noAutofit/>
-          </a:bodyPr>
-          <a:lstStyle>
-            <a:lvl1pPr algn="l" defTabSz="914318" rtl="0" eaLnBrk="1" latinLnBrk="0" hangingPunct="1">
-              <a:lnSpc>
-                <a:spcPct val="75000"/>
-              </a:lnSpc>
-              <a:spcBef>
-                <a:spcPct val="0"/>
-              </a:spcBef>
-              <a:buNone/>
-              <a:defRPr sz="4400" kern="1200" spc="-151" baseline="0">
-                <a:solidFill>
-                  <a:schemeClr val="tx1"/>
-                </a:solidFill>
-                <a:latin typeface="+mj-lt"/>
-                <a:ea typeface="+mj-ea"/>
-                <a:cs typeface="+mj-cs"/>
-              </a:defRPr>
-            </a:lvl1pPr>
-          </a:lstStyle>
-          <a:p>
-            <a:r>
-              <a:rPr lang="ru-RU" dirty="0"/>
-              <a:t>интерфейс</a:t>
-            </a:r>
-            <a:br>
-              <a:rPr lang="en-US" dirty="0"/>
-            </a:br>
-            <a:r>
-              <a:rPr lang="ru-RU" sz="2300" dirty="0"/>
-              <a:t>общий вид</a:t>
-            </a:r>
-            <a:endParaRPr lang="en-US" sz="2300" dirty="0"/>
-          </a:p>
-        </p:txBody>
-      </p:sp>
-    </p:spTree>
-    <p:extLst>
-      <p:ext uri="{BB962C8B-B14F-4D97-AF65-F5344CB8AC3E}">
-        <p14:creationId xmlns:p14="http://schemas.microsoft.com/office/powerpoint/2010/main" val="2729307817"/>
       </p:ext>
     </p:extLst>
   </p:cSld>
@@ -11933,8 +17959,8 @@
   <p:clrMapOvr>
     <a:masterClrMapping/>
   </p:clrMapOvr>
-  <mc:AlternateContent xmlns:mc="http://schemas.openxmlformats.org/markup-compatibility/2006">
-    <mc:Choice xmlns:p14="http://schemas.microsoft.com/office/powerpoint/2010/main" Requires="p14">
+  <mc:AlternateContent xmlns:mc="http://schemas.openxmlformats.org/markup-compatibility/2006" xmlns:p14="http://schemas.microsoft.com/office/powerpoint/2010/main">
+    <mc:Choice Requires="p14">
       <p:timing>
         <p:tnLst>
           <p:par>
@@ -12565,7 +18591,7 @@
         </p:bldLst>
       </p:timing>
     </mc:Choice>
-    <mc:Fallback>
+    <mc:Fallback xmlns="">
       <p:timing>
         <p:tnLst>
           <p:par>
@@ -20410,8 +26436,8 @@
   <p:clrMapOvr>
     <a:masterClrMapping/>
   </p:clrMapOvr>
-  <mc:AlternateContent xmlns:mc="http://schemas.openxmlformats.org/markup-compatibility/2006">
-    <mc:Choice xmlns:p14="http://schemas.microsoft.com/office/powerpoint/2010/main" Requires="p14">
+  <mc:AlternateContent xmlns:mc="http://schemas.openxmlformats.org/markup-compatibility/2006" xmlns:p14="http://schemas.microsoft.com/office/powerpoint/2010/main">
+    <mc:Choice Requires="p14">
       <p:timing>
         <p:tnLst>
           <p:par>
@@ -20929,7 +26955,7 @@
         </p:bldLst>
       </p:timing>
     </mc:Choice>
-    <mc:Fallback>
+    <mc:Fallback xmlns="">
       <p:timing>
         <p:tnLst>
           <p:par>
